--- a/5조 발표자료.pptx
+++ b/5조 발표자료.pptx
@@ -1,24 +1,23 @@
 
 <file path=ppt/presentation.xml><?xml version="1.0" encoding="utf-8"?>
-<p:presentation xmlns:a="http://schemas.openxmlformats.org/drawingml/2006/main" xmlns:r="http://schemas.openxmlformats.org/officeDocument/2006/relationships" xmlns:p="http://schemas.openxmlformats.org/presentationml/2006/main" xmlns:m="http://schemas.openxmlformats.org/officeDocument/2006/math" xmlns:a14="http://schemas.microsoft.com/office/drawing/2010/main">
+<p:presentation xmlns:r="http://schemas.openxmlformats.org/officeDocument/2006/relationships" xmlns:c="http://schemas.openxmlformats.org/drawingml/2006/chart" xmlns:a="http://schemas.openxmlformats.org/drawingml/2006/main" xmlns:dgm="http://schemas.openxmlformats.org/drawingml/2006/diagram" xmlns:dsp="http://schemas.microsoft.com/office/drawing/2008/diagram" xmlns:p="http://schemas.openxmlformats.org/presentationml/2006/main">
   <p:sldMasterIdLst>
-    <p:sldMasterId id="2147483648" r:id="rId5"/>
+    <p:sldMasterId id="2147483648" r:id="rId1"/>
   </p:sldMasterIdLst>
   <p:notesMasterIdLst>
-    <p:notesMasterId r:id="rId7"/>
+    <p:notesMasterId r:id="rId2"/>
   </p:notesMasterIdLst>
   <p:sldIdLst>
-    <p:sldId id="256" r:id="rId8"/>
-    <p:sldId id="257" r:id="rId9"/>
-    <p:sldId id="258" r:id="rId10"/>
-    <p:sldId id="259" r:id="rId11"/>
-    <p:sldId id="260" r:id="rId12"/>
-    <p:sldId id="261" r:id="rId13"/>
-    <p:sldId id="262" r:id="rId14"/>
-    <p:sldId id="263" r:id="rId15"/>
-    <p:sldId id="264" r:id="rId16"/>
-    <p:sldId id="265" r:id="rId17"/>
-    <p:sldId id="266" r:id="rId18"/>
+    <p:sldId id="256" r:id="rId3"/>
+    <p:sldId id="257" r:id="rId4"/>
+    <p:sldId id="258" r:id="rId5"/>
+    <p:sldId id="259" r:id="rId6"/>
+    <p:sldId id="260" r:id="rId7"/>
+    <p:sldId id="261" r:id="rId8"/>
+    <p:sldId id="262" r:id="rId9"/>
+    <p:sldId id="263" r:id="rId10"/>
+    <p:sldId id="265" r:id="rId11"/>
+    <p:sldId id="266" r:id="rId12"/>
   </p:sldIdLst>
   <p:sldSz cx="24384000" cy="13716000"/>
   <p:notesSz cx="6858000" cy="9144000"/>
@@ -34,14 +33,9 @@
         <a:spcPts val="0"/>
       </a:spcAft>
       <a:buClrTx/>
-      <a:buSzTx/>
       <a:buFontTx/>
       <a:buNone/>
-      <a:tabLst/>
-      <a:defRPr b="0" baseline="0" cap="none" i="0" spc="0" strike="noStrike" sz="1800" u="none" kumimoji="0" normalizeH="0">
-        <a:ln>
-          <a:noFill/>
-        </a:ln>
+      <a:defRPr kumimoji="0" sz="1800" b="0" i="0" u="none" strike="noStrike" cap="none" spc="0" normalizeH="0" baseline="0">
         <a:solidFill>
           <a:srgbClr val="000000"/>
         </a:solidFill>
@@ -60,14 +54,9 @@
         <a:spcPts val="0"/>
       </a:spcAft>
       <a:buClrTx/>
-      <a:buSzTx/>
       <a:buFontTx/>
       <a:buNone/>
-      <a:tabLst/>
-      <a:defRPr b="0" baseline="0" cap="none" i="0" spc="0" strike="noStrike" sz="5000" u="none" kumimoji="0" normalizeH="0">
-        <a:ln>
-          <a:noFill/>
-        </a:ln>
+      <a:defRPr kumimoji="0" sz="5000" b="0" i="0" u="none" strike="noStrike" cap="none" spc="0" normalizeH="0" baseline="0">
         <a:solidFill>
           <a:srgbClr val="747474"/>
         </a:solidFill>
@@ -90,14 +79,9 @@
         <a:spcPts val="0"/>
       </a:spcAft>
       <a:buClrTx/>
-      <a:buSzTx/>
       <a:buFontTx/>
       <a:buNone/>
-      <a:tabLst/>
-      <a:defRPr b="0" baseline="0" cap="none" i="0" spc="0" strike="noStrike" sz="5000" u="none" kumimoji="0" normalizeH="0">
-        <a:ln>
-          <a:noFill/>
-        </a:ln>
+      <a:defRPr kumimoji="0" sz="5000" b="0" i="0" u="none" strike="noStrike" cap="none" spc="0" normalizeH="0" baseline="0">
         <a:solidFill>
           <a:srgbClr val="747474"/>
         </a:solidFill>
@@ -120,14 +104,9 @@
         <a:spcPts val="0"/>
       </a:spcAft>
       <a:buClrTx/>
-      <a:buSzTx/>
       <a:buFontTx/>
       <a:buNone/>
-      <a:tabLst/>
-      <a:defRPr b="0" baseline="0" cap="none" i="0" spc="0" strike="noStrike" sz="5000" u="none" kumimoji="0" normalizeH="0">
-        <a:ln>
-          <a:noFill/>
-        </a:ln>
+      <a:defRPr kumimoji="0" sz="5000" b="0" i="0" u="none" strike="noStrike" cap="none" spc="0" normalizeH="0" baseline="0">
         <a:solidFill>
           <a:srgbClr val="747474"/>
         </a:solidFill>
@@ -150,14 +129,9 @@
         <a:spcPts val="0"/>
       </a:spcAft>
       <a:buClrTx/>
-      <a:buSzTx/>
       <a:buFontTx/>
       <a:buNone/>
-      <a:tabLst/>
-      <a:defRPr b="0" baseline="0" cap="none" i="0" spc="0" strike="noStrike" sz="5000" u="none" kumimoji="0" normalizeH="0">
-        <a:ln>
-          <a:noFill/>
-        </a:ln>
+      <a:defRPr kumimoji="0" sz="5000" b="0" i="0" u="none" strike="noStrike" cap="none" spc="0" normalizeH="0" baseline="0">
         <a:solidFill>
           <a:srgbClr val="747474"/>
         </a:solidFill>
@@ -180,14 +154,9 @@
         <a:spcPts val="0"/>
       </a:spcAft>
       <a:buClrTx/>
-      <a:buSzTx/>
       <a:buFontTx/>
       <a:buNone/>
-      <a:tabLst/>
-      <a:defRPr b="0" baseline="0" cap="none" i="0" spc="0" strike="noStrike" sz="5000" u="none" kumimoji="0" normalizeH="0">
-        <a:ln>
-          <a:noFill/>
-        </a:ln>
+      <a:defRPr kumimoji="0" sz="5000" b="0" i="0" u="none" strike="noStrike" cap="none" spc="0" normalizeH="0" baseline="0">
         <a:solidFill>
           <a:srgbClr val="747474"/>
         </a:solidFill>
@@ -210,14 +179,9 @@
         <a:spcPts val="0"/>
       </a:spcAft>
       <a:buClrTx/>
-      <a:buSzTx/>
       <a:buFontTx/>
       <a:buNone/>
-      <a:tabLst/>
-      <a:defRPr b="0" baseline="0" cap="none" i="0" spc="0" strike="noStrike" sz="5000" u="none" kumimoji="0" normalizeH="0">
-        <a:ln>
-          <a:noFill/>
-        </a:ln>
+      <a:defRPr kumimoji="0" sz="5000" b="0" i="0" u="none" strike="noStrike" cap="none" spc="0" normalizeH="0" baseline="0">
         <a:solidFill>
           <a:srgbClr val="747474"/>
         </a:solidFill>
@@ -240,14 +204,9 @@
         <a:spcPts val="0"/>
       </a:spcAft>
       <a:buClrTx/>
-      <a:buSzTx/>
       <a:buFontTx/>
       <a:buNone/>
-      <a:tabLst/>
-      <a:defRPr b="0" baseline="0" cap="none" i="0" spc="0" strike="noStrike" sz="5000" u="none" kumimoji="0" normalizeH="0">
-        <a:ln>
-          <a:noFill/>
-        </a:ln>
+      <a:defRPr kumimoji="0" sz="5000" b="0" i="0" u="none" strike="noStrike" cap="none" spc="0" normalizeH="0" baseline="0">
         <a:solidFill>
           <a:srgbClr val="747474"/>
         </a:solidFill>
@@ -270,14 +229,9 @@
         <a:spcPts val="0"/>
       </a:spcAft>
       <a:buClrTx/>
-      <a:buSzTx/>
       <a:buFontTx/>
       <a:buNone/>
-      <a:tabLst/>
-      <a:defRPr b="0" baseline="0" cap="none" i="0" spc="0" strike="noStrike" sz="5000" u="none" kumimoji="0" normalizeH="0">
-        <a:ln>
-          <a:noFill/>
-        </a:ln>
+      <a:defRPr kumimoji="0" sz="5000" b="0" i="0" u="none" strike="noStrike" cap="none" spc="0" normalizeH="0" baseline="0">
         <a:solidFill>
           <a:srgbClr val="747474"/>
         </a:solidFill>
@@ -300,14 +254,9 @@
         <a:spcPts val="0"/>
       </a:spcAft>
       <a:buClrTx/>
-      <a:buSzTx/>
       <a:buFontTx/>
       <a:buNone/>
-      <a:tabLst/>
-      <a:defRPr b="0" baseline="0" cap="none" i="0" spc="0" strike="noStrike" sz="5000" u="none" kumimoji="0" normalizeH="0">
-        <a:ln>
-          <a:noFill/>
-        </a:ln>
+      <a:defRPr kumimoji="0" sz="5000" b="0" i="0" u="none" strike="noStrike" cap="none" spc="0" normalizeH="0" baseline="0">
         <a:solidFill>
           <a:srgbClr val="747474"/>
         </a:solidFill>
@@ -323,13 +272,14 @@
 </p:presentation>
 </file>
 
-<file path=ppt/commentAuthors.xml><?xml version="1.0" encoding="utf-8"?>
-<p:cmAuthorLst xmlns:a="http://schemas.openxmlformats.org/drawingml/2006/main" xmlns:r="http://schemas.openxmlformats.org/officeDocument/2006/relationships" xmlns:p="http://schemas.openxmlformats.org/presentationml/2006/main" xmlns:m="http://schemas.openxmlformats.org/officeDocument/2006/math" xmlns:a14="http://schemas.microsoft.com/office/drawing/2010/main"/>
-</file>
-
 <file path=ppt/notesMasters/notesMaster1.xml><?xml version="1.0" encoding="utf-8"?>
-<p:notesMaster xmlns:a="http://schemas.openxmlformats.org/drawingml/2006/main" xmlns:r="http://schemas.openxmlformats.org/officeDocument/2006/relationships" xmlns:p="http://schemas.openxmlformats.org/presentationml/2006/main" xmlns:m="http://schemas.openxmlformats.org/officeDocument/2006/math" xmlns:a14="http://schemas.microsoft.com/office/drawing/2010/main">
+<p:notesMaster xmlns:r="http://schemas.openxmlformats.org/officeDocument/2006/relationships" xmlns:c="http://schemas.openxmlformats.org/drawingml/2006/chart" xmlns:a="http://schemas.openxmlformats.org/drawingml/2006/main" xmlns:dgm="http://schemas.openxmlformats.org/drawingml/2006/diagram" xmlns:dsp="http://schemas.microsoft.com/office/drawing/2008/diagram" xmlns:p="http://schemas.openxmlformats.org/presentationml/2006/main">
   <p:cSld>
+    <p:bg>
+      <p:bgRef idx="1001">
+        <a:schemeClr val="bg1"/>
+      </p:bgRef>
+    </p:bg>
     <p:spTree>
       <p:nvGrpSpPr>
         <p:cNvPr id="1" name=""/>
@@ -347,9 +297,11 @@
       <p:sp>
         <p:nvSpPr>
           <p:cNvPr id="144" name="Shape 144"/>
-          <p:cNvSpPr/>
+          <p:cNvSpPr>
+            <a:spLocks noGrp="1" noRot="1" noChangeAspect="1" noTextEdit="1"/>
+          </p:cNvSpPr>
           <p:nvPr>
-            <p:ph type="sldImg"/>
+            <p:ph type="sldImg" idx="0"/>
           </p:nvPr>
         </p:nvSpPr>
         <p:spPr>
@@ -372,7 +324,9 @@
       <p:sp>
         <p:nvSpPr>
           <p:cNvPr id="145" name="Shape 145"/>
-          <p:cNvSpPr/>
+          <p:cNvSpPr>
+            <a:spLocks noGrp="1"/>
+          </p:cNvSpPr>
           <p:nvPr>
             <p:ph type="body" sz="quarter" idx="1"/>
           </p:nvPr>
@@ -390,13 +344,17 @@
           <a:bodyPr/>
           <a:lstStyle/>
           <a:p>
-            <a:pPr/>
+            <a:pPr>
+              <a:defRPr/>
+            </a:pPr>
+            <a:endParaRPr lang="ko-KR" altLang="en-US"/>
           </a:p>
         </p:txBody>
       </p:sp>
     </p:spTree>
   </p:cSld>
   <p:clrMap bg1="lt1" tx1="dk1" bg2="lt2" tx2="dk2" accent1="accent1" accent2="accent2" accent3="accent3" accent4="accent4" accent5="accent5" accent6="accent6" hlink="hlink" folHlink="folHlink"/>
+  <p:hf hdr="0" ftr="0" dt="0"/>
   <p:notesStyle>
     <a:lvl1pPr defTabSz="457200" latinLnBrk="0">
       <a:lnSpc>
@@ -3996,1126 +3954,7 @@
 </file>
 
 <file path=ppt/slides/slide10.xml><?xml version="1.0" encoding="utf-8"?>
-<p:sld xmlns:a="http://schemas.openxmlformats.org/drawingml/2006/main" xmlns:r="http://schemas.openxmlformats.org/officeDocument/2006/relationships" xmlns:p="http://schemas.openxmlformats.org/presentationml/2006/main" xmlns:m="http://schemas.openxmlformats.org/officeDocument/2006/math" xmlns:a14="http://schemas.microsoft.com/office/drawing/2010/main" showMasterSp="1" showMasterPhAnim="1">
-  <p:cSld>
-    <p:spTree>
-      <p:nvGrpSpPr>
-        <p:cNvPr id="1" name=""/>
-        <p:cNvGrpSpPr/>
-        <p:nvPr/>
-      </p:nvGrpSpPr>
-      <p:grpSpPr>
-        <a:xfrm>
-          <a:off x="0" y="0"/>
-          <a:ext cx="0" cy="0"/>
-          <a:chOff x="0" y="0"/>
-          <a:chExt cx="0" cy="0"/>
-        </a:xfrm>
-      </p:grpSpPr>
-      <p:sp>
-        <p:nvSpPr>
-          <p:cNvPr id="213" name="TextBox 3"/>
-          <p:cNvSpPr txBox="1"/>
-          <p:nvPr/>
-        </p:nvSpPr>
-        <p:spPr>
-          <a:xfrm>
-            <a:off x="6695440" y="634711"/>
-            <a:ext cx="10993123" cy="1647469"/>
-          </a:xfrm>
-          <a:prstGeom prst="rect">
-            <a:avLst/>
-          </a:prstGeom>
-          <a:ln w="12700">
-            <a:miter lim="400000"/>
-          </a:ln>
-          <a:extLst>
-            <a:ext uri="{C572A759-6A51-4108-AA02-DFA0A04FC94B}">
-              <ma14:wrappingTextBoxFlag xmlns:ma14="http://schemas.microsoft.com/office/mac/drawingml/2011/main" val="1"/>
-            </a:ext>
-          </a:extLst>
-        </p:spPr>
-        <p:txBody>
-          <a:bodyPr lIns="50800" tIns="50800" rIns="50800" bIns="50800" anchor="ctr">
-            <a:spAutoFit/>
-          </a:bodyPr>
-          <a:lstStyle>
-            <a:lvl1pPr algn="ctr">
-              <a:defRPr sz="9600">
-                <a:solidFill>
-                  <a:srgbClr val="01384A"/>
-                </a:solidFill>
-                <a:latin typeface="Pretendard SemiBold"/>
-                <a:ea typeface="Pretendard SemiBold"/>
-                <a:cs typeface="Pretendard SemiBold"/>
-                <a:sym typeface="Pretendard SemiBold"/>
-              </a:defRPr>
-            </a:lvl1pPr>
-          </a:lstStyle>
-          <a:p>
-            <a:pPr/>
-            <a:r>
-              <a:t>4. 맡 은 역 할</a:t>
-            </a:r>
-          </a:p>
-        </p:txBody>
-      </p:sp>
-      <p:sp>
-        <p:nvSpPr>
-          <p:cNvPr id="214" name="직사각형 10"/>
-          <p:cNvSpPr/>
-          <p:nvPr/>
-        </p:nvSpPr>
-        <p:spPr>
-          <a:xfrm>
-            <a:off x="-2" y="7417768"/>
-            <a:ext cx="24384004" cy="6858002"/>
-          </a:xfrm>
-          <a:prstGeom prst="rect">
-            <a:avLst/>
-          </a:prstGeom>
-          <a:solidFill>
-            <a:srgbClr val="E2F0D9"/>
-          </a:solidFill>
-          <a:ln w="12700">
-            <a:miter lim="400000"/>
-          </a:ln>
-        </p:spPr>
-        <p:txBody>
-          <a:bodyPr lIns="50800" tIns="50800" rIns="50800" bIns="50800" anchor="ctr"/>
-          <a:lstStyle/>
-          <a:p>
-            <a:pPr algn="ctr">
-              <a:spcBef>
-                <a:spcPts val="0"/>
-              </a:spcBef>
-              <a:defRPr>
-                <a:solidFill>
-                  <a:srgbClr val="FFFFFF"/>
-                </a:solidFill>
-                <a:latin typeface="맑은 고딕"/>
-                <a:ea typeface="맑은 고딕"/>
-                <a:cs typeface="맑은 고딕"/>
-                <a:sym typeface="맑은 고딕"/>
-              </a:defRPr>
-            </a:pPr>
-          </a:p>
-        </p:txBody>
-      </p:sp>
-      <p:sp>
-        <p:nvSpPr>
-          <p:cNvPr id="215" name="사각형: 둥근 모서리 4"/>
-          <p:cNvSpPr/>
-          <p:nvPr/>
-        </p:nvSpPr>
-        <p:spPr>
-          <a:xfrm>
-            <a:off x="1283910" y="2572136"/>
-            <a:ext cx="5080002" cy="9821336"/>
-          </a:xfrm>
-          <a:prstGeom prst="roundRect">
-            <a:avLst>
-              <a:gd name="adj" fmla="val 3255"/>
-            </a:avLst>
-          </a:prstGeom>
-          <a:solidFill>
-            <a:srgbClr val="FFFFFF"/>
-          </a:solidFill>
-          <a:ln w="12700">
-            <a:miter lim="400000"/>
-          </a:ln>
-          <a:effectLst>
-            <a:outerShdw sx="100000" sy="100000" kx="0" ky="0" algn="b" rotWithShape="0" blurRad="127000" dist="101600" dir="2700000">
-              <a:srgbClr val="000000">
-                <a:alpha val="40000"/>
-              </a:srgbClr>
-            </a:outerShdw>
-          </a:effectLst>
-        </p:spPr>
-        <p:txBody>
-          <a:bodyPr lIns="50800" tIns="50800" rIns="50800" bIns="50800" anchor="ctr"/>
-          <a:lstStyle/>
-          <a:p>
-            <a:pPr algn="ctr">
-              <a:spcBef>
-                <a:spcPts val="0"/>
-              </a:spcBef>
-              <a:defRPr>
-                <a:solidFill>
-                  <a:srgbClr val="FFFFFF"/>
-                </a:solidFill>
-                <a:latin typeface="맑은 고딕"/>
-                <a:ea typeface="맑은 고딕"/>
-                <a:cs typeface="맑은 고딕"/>
-                <a:sym typeface="맑은 고딕"/>
-              </a:defRPr>
-            </a:pPr>
-          </a:p>
-        </p:txBody>
-      </p:sp>
-      <p:sp>
-        <p:nvSpPr>
-          <p:cNvPr id="216" name="TextBox 7"/>
-          <p:cNvSpPr txBox="1"/>
-          <p:nvPr/>
-        </p:nvSpPr>
-        <p:spPr>
-          <a:xfrm>
-            <a:off x="1665133" y="6830699"/>
-            <a:ext cx="3810003" cy="935242"/>
-          </a:xfrm>
-          <a:prstGeom prst="rect">
-            <a:avLst/>
-          </a:prstGeom>
-          <a:ln w="12700">
-            <a:miter lim="400000"/>
-          </a:ln>
-          <a:extLst>
-            <a:ext uri="{C572A759-6A51-4108-AA02-DFA0A04FC94B}">
-              <ma14:wrappingTextBoxFlag xmlns:ma14="http://schemas.microsoft.com/office/mac/drawingml/2011/main" val="1"/>
-            </a:ext>
-          </a:extLst>
-        </p:spPr>
-        <p:txBody>
-          <a:bodyPr lIns="50800" tIns="50800" rIns="50800" bIns="50800" anchor="ctr">
-            <a:spAutoFit/>
-          </a:bodyPr>
-          <a:lstStyle/>
-          <a:p>
-            <a:pPr>
-              <a:defRPr sz="5200">
-                <a:latin typeface="Pretendard SemiBold"/>
-                <a:ea typeface="Pretendard SemiBold"/>
-                <a:cs typeface="Pretendard SemiBold"/>
-                <a:sym typeface="Pretendard SemiBold"/>
-              </a:defRPr>
-            </a:pPr>
-            <a:r>
-              <a:t>이 태 훈 </a:t>
-            </a:r>
-            <a:r>
-              <a:rPr sz="1000"/>
-              <a:t> </a:t>
-            </a:r>
-            <a:r>
-              <a:rPr b="1" i="1" sz="2600" u="sng"/>
-              <a:t>Leader</a:t>
-            </a:r>
-          </a:p>
-        </p:txBody>
-      </p:sp>
-      <p:sp>
-        <p:nvSpPr>
-          <p:cNvPr id="217" name="사각형: 둥근 모서리 13"/>
-          <p:cNvSpPr/>
-          <p:nvPr/>
-        </p:nvSpPr>
-        <p:spPr>
-          <a:xfrm>
-            <a:off x="12438743" y="2572136"/>
-            <a:ext cx="5080002" cy="9821336"/>
-          </a:xfrm>
-          <a:prstGeom prst="roundRect">
-            <a:avLst>
-              <a:gd name="adj" fmla="val 3255"/>
-            </a:avLst>
-          </a:prstGeom>
-          <a:solidFill>
-            <a:srgbClr val="FFFFFF"/>
-          </a:solidFill>
-          <a:ln w="12700">
-            <a:miter lim="400000"/>
-          </a:ln>
-          <a:effectLst>
-            <a:outerShdw sx="100000" sy="100000" kx="0" ky="0" algn="b" rotWithShape="0" blurRad="127000" dist="101600" dir="2700000">
-              <a:srgbClr val="000000">
-                <a:alpha val="40000"/>
-              </a:srgbClr>
-            </a:outerShdw>
-          </a:effectLst>
-        </p:spPr>
-        <p:txBody>
-          <a:bodyPr lIns="50800" tIns="50800" rIns="50800" bIns="50800" anchor="ctr"/>
-          <a:lstStyle/>
-          <a:p>
-            <a:pPr algn="ctr">
-              <a:spcBef>
-                <a:spcPts val="0"/>
-              </a:spcBef>
-              <a:defRPr>
-                <a:solidFill>
-                  <a:srgbClr val="FFFFFF"/>
-                </a:solidFill>
-                <a:latin typeface="맑은 고딕"/>
-                <a:ea typeface="맑은 고딕"/>
-                <a:cs typeface="맑은 고딕"/>
-                <a:sym typeface="맑은 고딕"/>
-              </a:defRPr>
-            </a:pPr>
-          </a:p>
-        </p:txBody>
-      </p:sp>
-      <p:sp>
-        <p:nvSpPr>
-          <p:cNvPr id="218" name="TextBox 15"/>
-          <p:cNvSpPr txBox="1"/>
-          <p:nvPr/>
-        </p:nvSpPr>
-        <p:spPr>
-          <a:xfrm>
-            <a:off x="12860641" y="6864512"/>
-            <a:ext cx="3810002" cy="935243"/>
-          </a:xfrm>
-          <a:prstGeom prst="rect">
-            <a:avLst/>
-          </a:prstGeom>
-          <a:ln w="12700">
-            <a:miter lim="400000"/>
-          </a:ln>
-          <a:extLst>
-            <a:ext uri="{C572A759-6A51-4108-AA02-DFA0A04FC94B}">
-              <ma14:wrappingTextBoxFlag xmlns:ma14="http://schemas.microsoft.com/office/mac/drawingml/2011/main" val="1"/>
-            </a:ext>
-          </a:extLst>
-        </p:spPr>
-        <p:txBody>
-          <a:bodyPr lIns="50800" tIns="50800" rIns="50800" bIns="50800" anchor="ctr">
-            <a:spAutoFit/>
-          </a:bodyPr>
-          <a:lstStyle>
-            <a:lvl1pPr>
-              <a:defRPr sz="5200">
-                <a:latin typeface="Pretendard SemiBold"/>
-                <a:ea typeface="Pretendard SemiBold"/>
-                <a:cs typeface="Pretendard SemiBold"/>
-                <a:sym typeface="Pretendard SemiBold"/>
-              </a:defRPr>
-            </a:lvl1pPr>
-          </a:lstStyle>
-          <a:p>
-            <a:pPr/>
-            <a:r>
-              <a:t>장 현 우</a:t>
-            </a:r>
-          </a:p>
-        </p:txBody>
-      </p:sp>
-      <p:pic>
-        <p:nvPicPr>
-          <p:cNvPr id="219" name="그림 26" descr="그림 26"/>
-          <p:cNvPicPr>
-            <a:picLocks noChangeAspect="1"/>
-          </p:cNvPicPr>
-          <p:nvPr/>
-        </p:nvPicPr>
-        <p:blipFill>
-          <a:blip r:embed="rId2">
-            <a:extLst/>
-          </a:blip>
-          <a:srcRect l="0" t="29789" r="6338" b="22617"/>
-          <a:stretch>
-            <a:fillRect/>
-          </a:stretch>
-        </p:blipFill>
-        <p:spPr>
-          <a:xfrm>
-            <a:off x="12781721" y="2870200"/>
-            <a:ext cx="4445001" cy="3352801"/>
-          </a:xfrm>
-          <a:custGeom>
-            <a:avLst/>
-            <a:gdLst/>
-            <a:ahLst/>
-            <a:cxnLst>
-              <a:cxn ang="0">
-                <a:pos x="wd2" y="hd2"/>
-              </a:cxn>
-              <a:cxn ang="5400000">
-                <a:pos x="wd2" y="hd2"/>
-              </a:cxn>
-              <a:cxn ang="10800000">
-                <a:pos x="wd2" y="hd2"/>
-              </a:cxn>
-              <a:cxn ang="16200000">
-                <a:pos x="wd2" y="hd2"/>
-              </a:cxn>
-            </a:cxnLst>
-            <a:rect l="0" t="0" r="r" b="b"/>
-            <a:pathLst>
-              <a:path w="21600" h="21600" fill="norm" stroke="1" extrusionOk="0">
-                <a:moveTo>
-                  <a:pt x="986" y="0"/>
-                </a:moveTo>
-                <a:cubicBezTo>
-                  <a:pt x="442" y="0"/>
-                  <a:pt x="0" y="577"/>
-                  <a:pt x="0" y="1291"/>
-                </a:cubicBezTo>
-                <a:lnTo>
-                  <a:pt x="0" y="20309"/>
-                </a:lnTo>
-                <a:cubicBezTo>
-                  <a:pt x="0" y="21023"/>
-                  <a:pt x="442" y="21600"/>
-                  <a:pt x="986" y="21600"/>
-                </a:cubicBezTo>
-                <a:lnTo>
-                  <a:pt x="20614" y="21600"/>
-                </a:lnTo>
-                <a:cubicBezTo>
-                  <a:pt x="21158" y="21600"/>
-                  <a:pt x="21600" y="21023"/>
-                  <a:pt x="21600" y="20309"/>
-                </a:cubicBezTo>
-                <a:lnTo>
-                  <a:pt x="21600" y="1291"/>
-                </a:lnTo>
-                <a:cubicBezTo>
-                  <a:pt x="21600" y="577"/>
-                  <a:pt x="21158" y="0"/>
-                  <a:pt x="20614" y="0"/>
-                </a:cubicBezTo>
-                <a:lnTo>
-                  <a:pt x="986" y="0"/>
-                </a:lnTo>
-                <a:close/>
-              </a:path>
-            </a:pathLst>
-          </a:custGeom>
-          <a:ln w="12700">
-            <a:miter lim="400000"/>
-          </a:ln>
-        </p:spPr>
-      </p:pic>
-      <p:sp>
-        <p:nvSpPr>
-          <p:cNvPr id="220" name="사각형: 둥근 모서리 19"/>
-          <p:cNvSpPr/>
-          <p:nvPr/>
-        </p:nvSpPr>
-        <p:spPr>
-          <a:xfrm>
-            <a:off x="18009812" y="2572136"/>
-            <a:ext cx="5080002" cy="9821336"/>
-          </a:xfrm>
-          <a:prstGeom prst="roundRect">
-            <a:avLst>
-              <a:gd name="adj" fmla="val 3255"/>
-            </a:avLst>
-          </a:prstGeom>
-          <a:solidFill>
-            <a:srgbClr val="FFFFFF"/>
-          </a:solidFill>
-          <a:ln w="12700">
-            <a:solidFill>
-              <a:srgbClr val="9A9A9A"/>
-            </a:solidFill>
-            <a:miter lim="400000"/>
-          </a:ln>
-          <a:effectLst>
-            <a:outerShdw sx="100000" sy="100000" kx="0" ky="0" algn="b" rotWithShape="0" blurRad="50800" dist="63500" dir="2700000">
-              <a:srgbClr val="000000">
-                <a:alpha val="50000"/>
-              </a:srgbClr>
-            </a:outerShdw>
-          </a:effectLst>
-        </p:spPr>
-        <p:txBody>
-          <a:bodyPr lIns="50800" tIns="50800" rIns="50800" bIns="50800" anchor="ctr"/>
-          <a:lstStyle/>
-          <a:p>
-            <a:pPr algn="ctr">
-              <a:spcBef>
-                <a:spcPts val="0"/>
-              </a:spcBef>
-              <a:defRPr>
-                <a:solidFill>
-                  <a:srgbClr val="000000"/>
-                </a:solidFill>
-              </a:defRPr>
-            </a:pPr>
-          </a:p>
-        </p:txBody>
-      </p:sp>
-      <p:sp>
-        <p:nvSpPr>
-          <p:cNvPr id="221" name="TextBox 21"/>
-          <p:cNvSpPr txBox="1"/>
-          <p:nvPr/>
-        </p:nvSpPr>
-        <p:spPr>
-          <a:xfrm>
-            <a:off x="18434279" y="6881499"/>
-            <a:ext cx="3810002" cy="935242"/>
-          </a:xfrm>
-          <a:prstGeom prst="rect">
-            <a:avLst/>
-          </a:prstGeom>
-          <a:ln w="12700">
-            <a:miter lim="400000"/>
-          </a:ln>
-          <a:extLst>
-            <a:ext uri="{C572A759-6A51-4108-AA02-DFA0A04FC94B}">
-              <ma14:wrappingTextBoxFlag xmlns:ma14="http://schemas.microsoft.com/office/mac/drawingml/2011/main" val="1"/>
-            </a:ext>
-          </a:extLst>
-        </p:spPr>
-        <p:txBody>
-          <a:bodyPr lIns="50800" tIns="50800" rIns="50800" bIns="50800" anchor="ctr">
-            <a:spAutoFit/>
-          </a:bodyPr>
-          <a:lstStyle>
-            <a:lvl1pPr>
-              <a:defRPr sz="5200">
-                <a:latin typeface="Pretendard SemiBold"/>
-                <a:ea typeface="Pretendard SemiBold"/>
-                <a:cs typeface="Pretendard SemiBold"/>
-                <a:sym typeface="Pretendard SemiBold"/>
-              </a:defRPr>
-            </a:lvl1pPr>
-          </a:lstStyle>
-          <a:p>
-            <a:pPr/>
-            <a:r>
-              <a:t>전 영 은</a:t>
-            </a:r>
-          </a:p>
-        </p:txBody>
-      </p:sp>
-      <p:pic>
-        <p:nvPicPr>
-          <p:cNvPr id="222" name="그림 28" descr="그림 28"/>
-          <p:cNvPicPr>
-            <a:picLocks noChangeAspect="1"/>
-          </p:cNvPicPr>
-          <p:nvPr/>
-        </p:nvPicPr>
-        <p:blipFill>
-          <a:blip r:embed="rId3">
-            <a:extLst/>
-          </a:blip>
-          <a:srcRect l="0" t="15801" r="12484" b="40192"/>
-          <a:stretch>
-            <a:fillRect/>
-          </a:stretch>
-        </p:blipFill>
-        <p:spPr>
-          <a:xfrm>
-            <a:off x="18305062" y="2870200"/>
-            <a:ext cx="4445795" cy="3353197"/>
-          </a:xfrm>
-          <a:custGeom>
-            <a:avLst/>
-            <a:gdLst/>
-            <a:ahLst/>
-            <a:cxnLst>
-              <a:cxn ang="0">
-                <a:pos x="wd2" y="hd2"/>
-              </a:cxn>
-              <a:cxn ang="5400000">
-                <a:pos x="wd2" y="hd2"/>
-              </a:cxn>
-              <a:cxn ang="10800000">
-                <a:pos x="wd2" y="hd2"/>
-              </a:cxn>
-              <a:cxn ang="16200000">
-                <a:pos x="wd2" y="hd2"/>
-              </a:cxn>
-            </a:cxnLst>
-            <a:rect l="0" t="0" r="r" b="b"/>
-            <a:pathLst>
-              <a:path w="21600" h="21600" fill="norm" stroke="1" extrusionOk="0">
-                <a:moveTo>
-                  <a:pt x="1103" y="0"/>
-                </a:moveTo>
-                <a:cubicBezTo>
-                  <a:pt x="494" y="0"/>
-                  <a:pt x="0" y="655"/>
-                  <a:pt x="0" y="1462"/>
-                </a:cubicBezTo>
-                <a:lnTo>
-                  <a:pt x="0" y="20138"/>
-                </a:lnTo>
-                <a:cubicBezTo>
-                  <a:pt x="0" y="20945"/>
-                  <a:pt x="494" y="21600"/>
-                  <a:pt x="1103" y="21600"/>
-                </a:cubicBezTo>
-                <a:lnTo>
-                  <a:pt x="20497" y="21600"/>
-                </a:lnTo>
-                <a:cubicBezTo>
-                  <a:pt x="21106" y="21600"/>
-                  <a:pt x="21600" y="20945"/>
-                  <a:pt x="21600" y="20138"/>
-                </a:cubicBezTo>
-                <a:lnTo>
-                  <a:pt x="21600" y="1462"/>
-                </a:lnTo>
-                <a:cubicBezTo>
-                  <a:pt x="21600" y="655"/>
-                  <a:pt x="21106" y="0"/>
-                  <a:pt x="20497" y="0"/>
-                </a:cubicBezTo>
-                <a:lnTo>
-                  <a:pt x="1103" y="0"/>
-                </a:lnTo>
-                <a:close/>
-              </a:path>
-            </a:pathLst>
-          </a:custGeom>
-          <a:ln w="12700">
-            <a:miter lim="400000"/>
-          </a:ln>
-        </p:spPr>
-      </p:pic>
-      <p:sp>
-        <p:nvSpPr>
-          <p:cNvPr id="223" name="사각형: 둥근 모서리 4"/>
-          <p:cNvSpPr/>
-          <p:nvPr/>
-        </p:nvSpPr>
-        <p:spPr>
-          <a:xfrm>
-            <a:off x="6871910" y="2606002"/>
-            <a:ext cx="5080002" cy="9821336"/>
-          </a:xfrm>
-          <a:prstGeom prst="roundRect">
-            <a:avLst>
-              <a:gd name="adj" fmla="val 3255"/>
-            </a:avLst>
-          </a:prstGeom>
-          <a:solidFill>
-            <a:srgbClr val="FFFFFF"/>
-          </a:solidFill>
-          <a:ln w="12700">
-            <a:miter lim="400000"/>
-          </a:ln>
-          <a:effectLst>
-            <a:outerShdw sx="100000" sy="100000" kx="0" ky="0" algn="b" rotWithShape="0" blurRad="127000" dist="101600" dir="2700000">
-              <a:srgbClr val="000000">
-                <a:alpha val="40000"/>
-              </a:srgbClr>
-            </a:outerShdw>
-          </a:effectLst>
-        </p:spPr>
-        <p:txBody>
-          <a:bodyPr lIns="50800" tIns="50800" rIns="50800" bIns="50800" anchor="ctr"/>
-          <a:lstStyle/>
-          <a:p>
-            <a:pPr algn="ctr">
-              <a:spcBef>
-                <a:spcPts val="0"/>
-              </a:spcBef>
-              <a:defRPr>
-                <a:solidFill>
-                  <a:srgbClr val="FFFFFF"/>
-                </a:solidFill>
-                <a:latin typeface="맑은 고딕"/>
-                <a:ea typeface="맑은 고딕"/>
-                <a:cs typeface="맑은 고딕"/>
-                <a:sym typeface="맑은 고딕"/>
-              </a:defRPr>
-            </a:pPr>
-          </a:p>
-        </p:txBody>
-      </p:sp>
-      <p:pic>
-        <p:nvPicPr>
-          <p:cNvPr id="224" name="그림 6" descr="그림 6"/>
-          <p:cNvPicPr>
-            <a:picLocks noChangeAspect="1"/>
-          </p:cNvPicPr>
-          <p:nvPr/>
-        </p:nvPicPr>
-        <p:blipFill>
-          <a:blip r:embed="rId4">
-            <a:extLst/>
-          </a:blip>
-          <a:srcRect l="0" t="13052" r="0" b="26772"/>
-          <a:stretch>
-            <a:fillRect/>
-          </a:stretch>
-        </p:blipFill>
-        <p:spPr>
-          <a:xfrm>
-            <a:off x="7180726" y="2871040"/>
-            <a:ext cx="4445763" cy="3356769"/>
-          </a:xfrm>
-          <a:custGeom>
-            <a:avLst/>
-            <a:gdLst/>
-            <a:ahLst/>
-            <a:cxnLst>
-              <a:cxn ang="0">
-                <a:pos x="wd2" y="hd2"/>
-              </a:cxn>
-              <a:cxn ang="5400000">
-                <a:pos x="wd2" y="hd2"/>
-              </a:cxn>
-              <a:cxn ang="10800000">
-                <a:pos x="wd2" y="hd2"/>
-              </a:cxn>
-              <a:cxn ang="16200000">
-                <a:pos x="wd2" y="hd2"/>
-              </a:cxn>
-            </a:cxnLst>
-            <a:rect l="0" t="0" r="r" b="b"/>
-            <a:pathLst>
-              <a:path w="21600" h="21600" fill="norm" stroke="1" extrusionOk="0">
-                <a:moveTo>
-                  <a:pt x="578" y="0"/>
-                </a:moveTo>
-                <a:cubicBezTo>
-                  <a:pt x="259" y="0"/>
-                  <a:pt x="0" y="344"/>
-                  <a:pt x="0" y="769"/>
-                </a:cubicBezTo>
-                <a:lnTo>
-                  <a:pt x="0" y="20831"/>
-                </a:lnTo>
-                <a:cubicBezTo>
-                  <a:pt x="0" y="21256"/>
-                  <a:pt x="259" y="21600"/>
-                  <a:pt x="578" y="21600"/>
-                </a:cubicBezTo>
-                <a:lnTo>
-                  <a:pt x="21022" y="21600"/>
-                </a:lnTo>
-                <a:cubicBezTo>
-                  <a:pt x="21341" y="21600"/>
-                  <a:pt x="21600" y="21256"/>
-                  <a:pt x="21600" y="20831"/>
-                </a:cubicBezTo>
-                <a:lnTo>
-                  <a:pt x="21600" y="769"/>
-                </a:lnTo>
-                <a:cubicBezTo>
-                  <a:pt x="21600" y="344"/>
-                  <a:pt x="21341" y="0"/>
-                  <a:pt x="21022" y="0"/>
-                </a:cubicBezTo>
-                <a:lnTo>
-                  <a:pt x="578" y="0"/>
-                </a:lnTo>
-                <a:close/>
-              </a:path>
-            </a:pathLst>
-          </a:custGeom>
-          <a:ln w="12700">
-            <a:miter lim="400000"/>
-          </a:ln>
-        </p:spPr>
-      </p:pic>
-      <p:sp>
-        <p:nvSpPr>
-          <p:cNvPr id="225" name="TextBox 7"/>
-          <p:cNvSpPr txBox="1"/>
-          <p:nvPr/>
-        </p:nvSpPr>
-        <p:spPr>
-          <a:xfrm>
-            <a:off x="7253134" y="6864566"/>
-            <a:ext cx="3810002" cy="935242"/>
-          </a:xfrm>
-          <a:prstGeom prst="rect">
-            <a:avLst/>
-          </a:prstGeom>
-          <a:ln w="12700">
-            <a:miter lim="400000"/>
-          </a:ln>
-          <a:extLst>
-            <a:ext uri="{C572A759-6A51-4108-AA02-DFA0A04FC94B}">
-              <ma14:wrappingTextBoxFlag xmlns:ma14="http://schemas.microsoft.com/office/mac/drawingml/2011/main" val="1"/>
-            </a:ext>
-          </a:extLst>
-        </p:spPr>
-        <p:txBody>
-          <a:bodyPr lIns="50800" tIns="50800" rIns="50800" bIns="50800" anchor="ctr">
-            <a:spAutoFit/>
-          </a:bodyPr>
-          <a:lstStyle>
-            <a:lvl1pPr>
-              <a:defRPr sz="5200">
-                <a:latin typeface="Pretendard SemiBold"/>
-                <a:ea typeface="Pretendard SemiBold"/>
-                <a:cs typeface="Pretendard SemiBold"/>
-                <a:sym typeface="Pretendard SemiBold"/>
-              </a:defRPr>
-            </a:lvl1pPr>
-          </a:lstStyle>
-          <a:p>
-            <a:pPr/>
-            <a:r>
-              <a:t>임 석 규</a:t>
-            </a:r>
-          </a:p>
-        </p:txBody>
-      </p:sp>
-      <p:pic>
-        <p:nvPicPr>
-          <p:cNvPr id="226" name="그림 6" descr="그림 6"/>
-          <p:cNvPicPr>
-            <a:picLocks noChangeAspect="1"/>
-          </p:cNvPicPr>
-          <p:nvPr/>
-        </p:nvPicPr>
-        <p:blipFill>
-          <a:blip r:embed="rId4">
-            <a:extLst/>
-          </a:blip>
-          <a:srcRect l="0" t="13052" r="0" b="26772"/>
-          <a:stretch>
-            <a:fillRect/>
-          </a:stretch>
-        </p:blipFill>
-        <p:spPr>
-          <a:xfrm>
-            <a:off x="1618126" y="2871040"/>
-            <a:ext cx="4445763" cy="3356769"/>
-          </a:xfrm>
-          <a:custGeom>
-            <a:avLst/>
-            <a:gdLst/>
-            <a:ahLst/>
-            <a:cxnLst>
-              <a:cxn ang="0">
-                <a:pos x="wd2" y="hd2"/>
-              </a:cxn>
-              <a:cxn ang="5400000">
-                <a:pos x="wd2" y="hd2"/>
-              </a:cxn>
-              <a:cxn ang="10800000">
-                <a:pos x="wd2" y="hd2"/>
-              </a:cxn>
-              <a:cxn ang="16200000">
-                <a:pos x="wd2" y="hd2"/>
-              </a:cxn>
-            </a:cxnLst>
-            <a:rect l="0" t="0" r="r" b="b"/>
-            <a:pathLst>
-              <a:path w="21600" h="21600" fill="norm" stroke="1" extrusionOk="0">
-                <a:moveTo>
-                  <a:pt x="578" y="0"/>
-                </a:moveTo>
-                <a:cubicBezTo>
-                  <a:pt x="259" y="0"/>
-                  <a:pt x="0" y="344"/>
-                  <a:pt x="0" y="769"/>
-                </a:cubicBezTo>
-                <a:lnTo>
-                  <a:pt x="0" y="20831"/>
-                </a:lnTo>
-                <a:cubicBezTo>
-                  <a:pt x="0" y="21256"/>
-                  <a:pt x="259" y="21600"/>
-                  <a:pt x="578" y="21600"/>
-                </a:cubicBezTo>
-                <a:lnTo>
-                  <a:pt x="21022" y="21600"/>
-                </a:lnTo>
-                <a:cubicBezTo>
-                  <a:pt x="21341" y="21600"/>
-                  <a:pt x="21600" y="21256"/>
-                  <a:pt x="21600" y="20831"/>
-                </a:cubicBezTo>
-                <a:lnTo>
-                  <a:pt x="21600" y="769"/>
-                </a:lnTo>
-                <a:cubicBezTo>
-                  <a:pt x="21600" y="344"/>
-                  <a:pt x="21341" y="0"/>
-                  <a:pt x="21022" y="0"/>
-                </a:cubicBezTo>
-                <a:lnTo>
-                  <a:pt x="578" y="0"/>
-                </a:lnTo>
-                <a:close/>
-              </a:path>
-            </a:pathLst>
-          </a:custGeom>
-          <a:ln w="12700">
-            <a:miter lim="400000"/>
-          </a:ln>
-        </p:spPr>
-      </p:pic>
-      <p:pic>
-        <p:nvPicPr>
-          <p:cNvPr id="227" name="스크린샷 2024-10-04 오전 9.33.41.png" descr="스크린샷 2024-10-04 오전 9.33.41.png"/>
-          <p:cNvPicPr>
-            <a:picLocks noChangeAspect="1"/>
-          </p:cNvPicPr>
-          <p:nvPr/>
-        </p:nvPicPr>
-        <p:blipFill>
-          <a:blip r:embed="rId5">
-            <a:extLst/>
-          </a:blip>
-          <a:stretch>
-            <a:fillRect/>
-          </a:stretch>
-        </p:blipFill>
-        <p:spPr>
-          <a:xfrm>
-            <a:off x="7176133" y="2901931"/>
-            <a:ext cx="4454981" cy="3226021"/>
-          </a:xfrm>
-          <a:prstGeom prst="rect">
-            <a:avLst/>
-          </a:prstGeom>
-          <a:ln w="12700">
-            <a:miter lim="400000"/>
-          </a:ln>
-        </p:spPr>
-      </p:pic>
-      <p:pic>
-        <p:nvPicPr>
-          <p:cNvPr id="228" name="스크린샷 2024-10-04 오전 9.33.33.png" descr="스크린샷 2024-10-04 오전 9.33.33.png"/>
-          <p:cNvPicPr>
-            <a:picLocks noChangeAspect="1"/>
-          </p:cNvPicPr>
-          <p:nvPr/>
-        </p:nvPicPr>
-        <p:blipFill>
-          <a:blip r:embed="rId6">
-            <a:extLst/>
-          </a:blip>
-          <a:stretch>
-            <a:fillRect/>
-          </a:stretch>
-        </p:blipFill>
-        <p:spPr>
-          <a:xfrm>
-            <a:off x="12650180" y="2830463"/>
-            <a:ext cx="4570228" cy="3485767"/>
-          </a:xfrm>
-          <a:prstGeom prst="rect">
-            <a:avLst/>
-          </a:prstGeom>
-          <a:ln w="12700">
-            <a:miter lim="400000"/>
-          </a:ln>
-        </p:spPr>
-      </p:pic>
-      <p:pic>
-        <p:nvPicPr>
-          <p:cNvPr id="229" name="스크린샷 2024-10-04 오전 9.33.09.png" descr="스크린샷 2024-10-04 오전 9.33.09.png"/>
-          <p:cNvPicPr>
-            <a:picLocks noChangeAspect="1"/>
-          </p:cNvPicPr>
-          <p:nvPr/>
-        </p:nvPicPr>
-        <p:blipFill>
-          <a:blip r:embed="rId7">
-            <a:extLst/>
-          </a:blip>
-          <a:stretch>
-            <a:fillRect/>
-          </a:stretch>
-        </p:blipFill>
-        <p:spPr>
-          <a:xfrm>
-            <a:off x="18135942" y="2869595"/>
-            <a:ext cx="4827742" cy="3354010"/>
-          </a:xfrm>
-          <a:prstGeom prst="rect">
-            <a:avLst/>
-          </a:prstGeom>
-          <a:ln w="12700">
-            <a:miter lim="400000"/>
-          </a:ln>
-        </p:spPr>
-      </p:pic>
-      <p:pic>
-        <p:nvPicPr>
-          <p:cNvPr id="230" name="스크린샷 2024-10-04 오전 9.33.21.png" descr="스크린샷 2024-10-04 오전 9.33.21.png"/>
-          <p:cNvPicPr>
-            <a:picLocks noChangeAspect="1"/>
-          </p:cNvPicPr>
-          <p:nvPr/>
-        </p:nvPicPr>
-        <p:blipFill>
-          <a:blip r:embed="rId8">
-            <a:extLst/>
-          </a:blip>
-          <a:stretch>
-            <a:fillRect/>
-          </a:stretch>
-        </p:blipFill>
-        <p:spPr>
-          <a:xfrm>
-            <a:off x="1627711" y="2815626"/>
-            <a:ext cx="4650759" cy="3398631"/>
-          </a:xfrm>
-          <a:prstGeom prst="rect">
-            <a:avLst/>
-          </a:prstGeom>
-          <a:ln w="12700">
-            <a:miter lim="400000"/>
-          </a:ln>
-        </p:spPr>
-      </p:pic>
-      <p:sp>
-        <p:nvSpPr>
-          <p:cNvPr id="231" name="텍스트"/>
-          <p:cNvSpPr txBox="1"/>
-          <p:nvPr/>
-        </p:nvSpPr>
-        <p:spPr>
-          <a:xfrm>
-            <a:off x="1808523" y="8004490"/>
-            <a:ext cx="1432561" cy="711201"/>
-          </a:xfrm>
-          <a:prstGeom prst="rect">
-            <a:avLst/>
-          </a:prstGeom>
-          <a:ln w="12700">
-            <a:miter lim="400000"/>
-          </a:ln>
-          <a:extLst>
-            <a:ext uri="{C572A759-6A51-4108-AA02-DFA0A04FC94B}">
-              <ma14:wrappingTextBoxFlag xmlns:ma14="http://schemas.microsoft.com/office/mac/drawingml/2011/main" val="1"/>
-            </a:ext>
-          </a:extLst>
-        </p:spPr>
-        <p:txBody>
-          <a:bodyPr wrap="none" lIns="50800" tIns="50800" rIns="50800" bIns="50800" anchor="ctr">
-            <a:spAutoFit/>
-          </a:bodyPr>
-          <a:lstStyle>
-            <a:lvl1pPr>
-              <a:defRPr sz="4000"/>
-            </a:lvl1pPr>
-          </a:lstStyle>
-          <a:p>
-            <a:pPr/>
-            <a:r>
-              <a:t>텍스트</a:t>
-            </a:r>
-          </a:p>
-        </p:txBody>
-      </p:sp>
-      <p:sp>
-        <p:nvSpPr>
-          <p:cNvPr id="232" name="텍스트"/>
-          <p:cNvSpPr txBox="1"/>
-          <p:nvPr/>
-        </p:nvSpPr>
-        <p:spPr>
-          <a:xfrm>
-            <a:off x="7423922" y="8004490"/>
-            <a:ext cx="1432561" cy="711201"/>
-          </a:xfrm>
-          <a:prstGeom prst="rect">
-            <a:avLst/>
-          </a:prstGeom>
-          <a:ln w="12700">
-            <a:miter lim="400000"/>
-          </a:ln>
-        </p:spPr>
-        <p:txBody>
-          <a:bodyPr wrap="none" lIns="50800" tIns="50800" rIns="50800" bIns="50800" anchor="ctr">
-            <a:spAutoFit/>
-          </a:bodyPr>
-          <a:lstStyle/>
-          <a:p>
-            <a:pPr>
-              <a:defRPr sz="4000"/>
-            </a:pPr>
-          </a:p>
-        </p:txBody>
-      </p:sp>
-      <p:sp>
-        <p:nvSpPr>
-          <p:cNvPr id="233" name="텍스트"/>
-          <p:cNvSpPr txBox="1"/>
-          <p:nvPr/>
-        </p:nvSpPr>
-        <p:spPr>
-          <a:xfrm>
-            <a:off x="13039322" y="8004490"/>
-            <a:ext cx="1432561" cy="711201"/>
-          </a:xfrm>
-          <a:prstGeom prst="rect">
-            <a:avLst/>
-          </a:prstGeom>
-          <a:ln w="12700">
-            <a:miter lim="400000"/>
-          </a:ln>
-          <a:extLst>
-            <a:ext uri="{C572A759-6A51-4108-AA02-DFA0A04FC94B}">
-              <ma14:wrappingTextBoxFlag xmlns:ma14="http://schemas.microsoft.com/office/mac/drawingml/2011/main" val="1"/>
-            </a:ext>
-          </a:extLst>
-        </p:spPr>
-        <p:txBody>
-          <a:bodyPr wrap="none" lIns="50800" tIns="50800" rIns="50800" bIns="50800" anchor="ctr">
-            <a:spAutoFit/>
-          </a:bodyPr>
-          <a:lstStyle>
-            <a:lvl1pPr>
-              <a:defRPr sz="4000"/>
-            </a:lvl1pPr>
-          </a:lstStyle>
-          <a:p>
-            <a:pPr/>
-            <a:r>
-              <a:t>텍스트</a:t>
-            </a:r>
-          </a:p>
-        </p:txBody>
-      </p:sp>
-      <p:sp>
-        <p:nvSpPr>
-          <p:cNvPr id="234" name="텍스트"/>
-          <p:cNvSpPr txBox="1"/>
-          <p:nvPr/>
-        </p:nvSpPr>
-        <p:spPr>
-          <a:xfrm>
-            <a:off x="18654721" y="8004490"/>
-            <a:ext cx="1432561" cy="711201"/>
-          </a:xfrm>
-          <a:prstGeom prst="rect">
-            <a:avLst/>
-          </a:prstGeom>
-          <a:ln w="12700">
-            <a:miter lim="400000"/>
-          </a:ln>
-          <a:extLst>
-            <a:ext uri="{C572A759-6A51-4108-AA02-DFA0A04FC94B}">
-              <ma14:wrappingTextBoxFlag xmlns:ma14="http://schemas.microsoft.com/office/mac/drawingml/2011/main" val="1"/>
-            </a:ext>
-          </a:extLst>
-        </p:spPr>
-        <p:txBody>
-          <a:bodyPr wrap="none" lIns="50800" tIns="50800" rIns="50800" bIns="50800" anchor="ctr">
-            <a:spAutoFit/>
-          </a:bodyPr>
-          <a:lstStyle>
-            <a:lvl1pPr>
-              <a:defRPr sz="4000"/>
-            </a:lvl1pPr>
-          </a:lstStyle>
-          <a:p>
-            <a:pPr/>
-            <a:r>
-              <a:t>텍스트</a:t>
-            </a:r>
-          </a:p>
-        </p:txBody>
-      </p:sp>
-    </p:spTree>
-  </p:cSld>
-  <p:clrMapOvr>
-    <a:masterClrMapping/>
-  </p:clrMapOvr>
-  <p:transition xmlns:p14="http://schemas.microsoft.com/office/powerpoint/2010/main" spd="med" advClick="1"/>
-</p:sld>
-</file>
-
-<file path=ppt/slides/slide11.xml><?xml version="1.0" encoding="utf-8"?>
-<p:sld xmlns:a="http://schemas.openxmlformats.org/drawingml/2006/main" xmlns:r="http://schemas.openxmlformats.org/officeDocument/2006/relationships" xmlns:p="http://schemas.openxmlformats.org/presentationml/2006/main" xmlns:m="http://schemas.openxmlformats.org/officeDocument/2006/math" xmlns:a14="http://schemas.microsoft.com/office/drawing/2010/main" showMasterSp="1" showMasterPhAnim="1">
+<p:sld xmlns:r="http://schemas.openxmlformats.org/officeDocument/2006/relationships" xmlns:c="http://schemas.openxmlformats.org/drawingml/2006/chart" xmlns:a="http://schemas.openxmlformats.org/drawingml/2006/main" xmlns:dgm="http://schemas.openxmlformats.org/drawingml/2006/diagram" xmlns:dsp="http://schemas.microsoft.com/office/drawing/2008/diagram" xmlns:p="http://schemas.openxmlformats.org/presentationml/2006/main">
   <p:cSld>
     <p:spTree>
       <p:nvGrpSpPr>
@@ -5139,23 +3978,18 @@
         </p:nvSpPr>
         <p:spPr>
           <a:xfrm>
-            <a:off x="6323091" y="5641937"/>
-            <a:ext cx="11737818" cy="5632515"/>
+            <a:off x="2181786" y="6511925"/>
+            <a:ext cx="20020430" cy="3883025"/>
           </a:xfrm>
           <a:prstGeom prst="rect">
             <a:avLst/>
           </a:prstGeom>
           <a:ln w="12700">
-            <a:miter lim="400000"/>
+            <a:miter/>
           </a:ln>
-          <a:extLst>
-            <a:ext uri="{C572A759-6A51-4108-AA02-DFA0A04FC94B}">
-              <ma14:wrappingTextBoxFlag xmlns:ma14="http://schemas.microsoft.com/office/mac/drawingml/2011/main" val="1"/>
-            </a:ext>
-          </a:extLst>
         </p:spPr>
         <p:txBody>
-          <a:bodyPr lIns="50800" tIns="50800" rIns="50800" bIns="50800" anchor="ctr">
+          <a:bodyPr wrap="square" lIns="50800" tIns="50800" rIns="50800" bIns="50800" anchor="ctr">
             <a:spAutoFit/>
           </a:bodyPr>
           <a:lstStyle/>
@@ -5168,12 +4002,26 @@
                 <a:latin typeface="+mj-lt"/>
                 <a:ea typeface="+mj-ea"/>
                 <a:cs typeface="+mj-cs"/>
-                <a:sym typeface="Helvetica"/>
+                <a:sym typeface="Arial"/>
               </a:defRPr>
             </a:pPr>
             <a:r>
-              <a:t>2주차 협업 프로젝트도 마무리 되었습니다.</a:t>
-            </a:r>
+              <a:rPr lang="ko-KR" altLang="en-US"/>
+              <a:t>강채린매니조 팀원분들 고생 많으셨습니다. </a:t>
+            </a:r>
+            <a:r>
+              <a:rPr lang="en-US" altLang="ko-KR"/>
+              <a:t>(</a:t>
+            </a:r>
+            <a:r>
+              <a:rPr lang="ko-KR" altLang="en-US"/>
+              <a:t>리더는 강채린 매니저님</a:t>
+            </a:r>
+            <a:r>
+              <a:rPr lang="en-US" altLang="ko-KR"/>
+              <a:t>)</a:t>
+            </a:r>
+            <a:endParaRPr lang="en-US" altLang="ko-KR"/>
           </a:p>
           <a:p>
             <a:pPr marL="355599" indent="-355599">
@@ -5184,12 +4032,18 @@
                 <a:latin typeface="+mj-lt"/>
                 <a:ea typeface="+mj-ea"/>
                 <a:cs typeface="+mj-cs"/>
-                <a:sym typeface="Helvetica"/>
+                <a:sym typeface="Arial"/>
               </a:defRPr>
             </a:pPr>
             <a:r>
-              <a:t>강채린매니조 팀원분들 고생 많으셨습니다.</a:t>
-            </a:r>
+              <a:rPr lang="ko-KR" altLang="en-US"/>
+              <a:t>소통과 팀워크가 개발의 핵심</a:t>
+            </a:r>
+            <a:r>
+              <a:rPr lang="en-US" altLang="ko-KR"/>
+              <a:t>.</a:t>
+            </a:r>
+            <a:endParaRPr lang="en-US" altLang="ko-KR"/>
           </a:p>
           <a:p>
             <a:pPr marL="355599" indent="-355599">
@@ -5200,12 +4054,22 @@
                 <a:latin typeface="+mj-lt"/>
                 <a:ea typeface="+mj-ea"/>
                 <a:cs typeface="+mj-cs"/>
-                <a:sym typeface="Helvetica"/>
+                <a:sym typeface="Arial"/>
               </a:defRPr>
             </a:pPr>
             <a:r>
-              <a:t>협업시, 커뮤니케이션의 중요성과 깃허브에 대해서 많이 이해가 필요하다는 것을 알게 되었습니다.</a:t>
-            </a:r>
+              <a:rPr lang="ko-KR" altLang="en-US"/>
+              <a:t>깃허브 사용법 숙지 무조건 필수</a:t>
+            </a:r>
+            <a:r>
+              <a:rPr lang="en-US" altLang="ko-KR"/>
+              <a:t>.</a:t>
+            </a:r>
+            <a:r>
+              <a:rPr lang="ko-KR" altLang="en-US"/>
+              <a:t> 다들 뇌에 물리적 각인 실시.</a:t>
+            </a:r>
+            <a:endParaRPr lang="ko-KR" altLang="en-US"/>
           </a:p>
         </p:txBody>
       </p:sp>
@@ -5217,23 +4081,18 @@
         </p:nvSpPr>
         <p:spPr>
           <a:xfrm>
-            <a:off x="8226964" y="3699004"/>
-            <a:ext cx="7930072" cy="1364763"/>
+            <a:off x="7067399" y="1867037"/>
+            <a:ext cx="10249201" cy="1292225"/>
           </a:xfrm>
           <a:prstGeom prst="rect">
             <a:avLst/>
           </a:prstGeom>
           <a:ln w="12700">
-            <a:miter lim="400000"/>
+            <a:miter/>
           </a:ln>
-          <a:extLst>
-            <a:ext uri="{C572A759-6A51-4108-AA02-DFA0A04FC94B}">
-              <ma14:wrappingTextBoxFlag xmlns:ma14="http://schemas.microsoft.com/office/mac/drawingml/2011/main" val="1"/>
-            </a:ext>
-          </a:extLst>
         </p:spPr>
         <p:txBody>
-          <a:bodyPr lIns="50800" tIns="50800" rIns="50800" bIns="50800" anchor="ctr">
+          <a:bodyPr wrap="square" lIns="50800" tIns="50800" rIns="50800" bIns="50800" anchor="ctr">
             <a:spAutoFit/>
           </a:bodyPr>
           <a:lstStyle>
@@ -5250,10 +4109,14 @@
             </a:lvl1pPr>
           </a:lstStyle>
           <a:p>
-            <a:pPr/>
-            <a:r>
+            <a:pPr algn="ctr">
+              <a:defRPr/>
+            </a:pPr>
+            <a:r>
+              <a:rPr lang="ko-KR" altLang="en-US"/>
               <a:t>완성 소감 및 마무리</a:t>
             </a:r>
+            <a:endParaRPr lang="ko-KR" altLang="en-US"/>
           </a:p>
         </p:txBody>
       </p:sp>
@@ -5262,12 +4125,19 @@
   <p:clrMapOvr>
     <a:masterClrMapping/>
   </p:clrMapOvr>
-  <p:transition xmlns:p14="http://schemas.microsoft.com/office/powerpoint/2010/main" spd="med" advClick="1"/>
+  <mc:AlternateContent xmlns:mc="http://schemas.openxmlformats.org/markup-compatibility/2006">
+    <mc:Choice xmlns:p14="http://schemas.microsoft.com/office/powerpoint/2010/main" Requires="p14">
+      <p:transition xmlns:mc="http://schemas.openxmlformats.org/markup-compatibility/2006" xmlns:p14="http://schemas.microsoft.com/office/powerpoint/2010/main" mc:Ignorable="p14" p14:dur="750"/>
+    </mc:Choice>
+    <mc:Fallback>
+      <p:transition/>
+    </mc:Fallback>
+  </mc:AlternateContent>
 </p:sld>
 </file>
 
 <file path=ppt/slides/slide2.xml><?xml version="1.0" encoding="utf-8"?>
-<p:sld xmlns:a="http://schemas.openxmlformats.org/drawingml/2006/main" xmlns:r="http://schemas.openxmlformats.org/officeDocument/2006/relationships" xmlns:p="http://schemas.openxmlformats.org/presentationml/2006/main" xmlns:m="http://schemas.openxmlformats.org/officeDocument/2006/math" xmlns:a14="http://schemas.microsoft.com/office/drawing/2010/main" showMasterSp="1" showMasterPhAnim="1">
+<p:sld xmlns:r="http://schemas.openxmlformats.org/officeDocument/2006/relationships" xmlns:c="http://schemas.openxmlformats.org/drawingml/2006/chart" xmlns:a="http://schemas.openxmlformats.org/drawingml/2006/main" xmlns:dgm="http://schemas.openxmlformats.org/drawingml/2006/diagram" xmlns:dsp="http://schemas.microsoft.com/office/drawing/2008/diagram" xmlns:p="http://schemas.openxmlformats.org/presentationml/2006/main">
   <p:cSld>
     <p:spTree>
       <p:nvGrpSpPr>
@@ -5534,20 +4404,15 @@
         </p:nvSpPr>
         <p:spPr>
           <a:xfrm>
-            <a:off x="6893094" y="647501"/>
+            <a:off x="6893094" y="688914"/>
             <a:ext cx="10597812" cy="2171225"/>
           </a:xfrm>
           <a:prstGeom prst="rect">
             <a:avLst/>
           </a:prstGeom>
           <a:ln w="12700">
-            <a:miter lim="400000"/>
+            <a:miter/>
           </a:ln>
-          <a:extLst>
-            <a:ext uri="{C572A759-6A51-4108-AA02-DFA0A04FC94B}">
-              <ma14:wrappingTextBoxFlag xmlns:ma14="http://schemas.microsoft.com/office/mac/drawingml/2011/main" val="1"/>
-            </a:ext>
-          </a:extLst>
         </p:spPr>
         <p:txBody>
           <a:bodyPr lIns="50800" tIns="50800" rIns="50800" bIns="50800" anchor="ctr">
@@ -5564,8 +4429,10 @@
               </a:defRPr>
             </a:pPr>
             <a:r>
+              <a:rPr lang="ko-KR" altLang="en-US"/>
               <a:t>목      차</a:t>
             </a:r>
+            <a:endParaRPr lang="ko-KR" altLang="en-US"/>
           </a:p>
         </p:txBody>
       </p:sp>
@@ -5576,9 +4443,9 @@
           <p:nvPr/>
         </p:nvGrpSpPr>
         <p:grpSpPr>
-          <a:xfrm>
-            <a:off x="4445000" y="3419372"/>
-            <a:ext cx="15240001" cy="1741302"/>
+          <a:xfrm rot="0">
+            <a:off x="8920370" y="3084698"/>
+            <a:ext cx="6543260" cy="1741302"/>
             <a:chOff x="0" y="0"/>
             <a:chExt cx="15240000" cy="1741300"/>
           </a:xfrm>
@@ -5597,7 +4464,6 @@
             <a:custGeom>
               <a:avLst/>
               <a:gdLst/>
-              <a:ahLst/>
               <a:cxnLst>
                 <a:cxn ang="0">
                   <a:pos x="wd2" y="hd2"/>
@@ -5614,7 +4480,7 @@
               </a:cxnLst>
               <a:rect l="0" t="0" r="r" b="b"/>
               <a:pathLst>
-                <a:path w="21600" h="21600" fill="norm" stroke="1" extrusionOk="0">
+                <a:path w="21600" h="21600" extrusionOk="0">
                   <a:moveTo>
                     <a:pt x="5400" y="0"/>
                   </a:moveTo>
@@ -5649,16 +4515,16 @@
               </a:pathLst>
             </a:custGeom>
             <a:solidFill>
-              <a:srgbClr val="325E6A"/>
+              <a:srgbClr val="325e6a"/>
             </a:solidFill>
             <a:ln w="12700" cap="flat">
               <a:noFill/>
-              <a:miter lim="400000"/>
+              <a:miter/>
             </a:ln>
             <a:effectLst/>
           </p:spPr>
           <p:txBody>
-            <a:bodyPr wrap="square" lIns="50800" tIns="50800" rIns="50800" bIns="50800" numCol="1" anchor="ctr">
+            <a:bodyPr wrap="square" lIns="50800" tIns="50800" rIns="50800" bIns="50800" anchor="ctr">
               <a:noAutofit/>
             </a:bodyPr>
             <a:lstStyle/>
@@ -5669,10 +4535,11 @@
                 </a:spcBef>
                 <a:defRPr>
                   <a:solidFill>
-                    <a:srgbClr val="FFFFFF"/>
+                    <a:srgbClr val="ffffff"/>
                   </a:solidFill>
                 </a:defRPr>
               </a:pPr>
+              <a:endParaRPr lang="ko-KR" altLang="en-US"/>
             </a:p>
           </p:txBody>
         </p:sp>
@@ -5693,17 +4560,12 @@
             <a:noFill/>
             <a:ln w="12700" cap="flat">
               <a:noFill/>
-              <a:miter lim="400000"/>
+              <a:miter/>
             </a:ln>
             <a:effectLst/>
-            <a:extLst>
-              <a:ext uri="{C572A759-6A51-4108-AA02-DFA0A04FC94B}">
-                <ma14:wrappingTextBoxFlag xmlns:ma14="http://schemas.microsoft.com/office/mac/drawingml/2011/main" val="1"/>
-              </a:ext>
-            </a:extLst>
           </p:spPr>
           <p:txBody>
-            <a:bodyPr wrap="square" lIns="50800" tIns="50800" rIns="50800" bIns="50800" numCol="1" anchor="ctr">
+            <a:bodyPr wrap="square" lIns="50800" tIns="50800" rIns="50800" bIns="50800" anchor="ctr">
               <a:noAutofit/>
             </a:bodyPr>
             <a:lstStyle/>
@@ -5714,13 +4576,15 @@
                 </a:spcBef>
                 <a:defRPr>
                   <a:solidFill>
-                    <a:srgbClr val="FFFFFF"/>
+                    <a:srgbClr val="ffffff"/>
                   </a:solidFill>
                 </a:defRPr>
               </a:pPr>
               <a:r>
+                <a:rPr lang="ko-KR" altLang="en-US"/>
                 <a:t>1. 소         개</a:t>
               </a:r>
+              <a:endParaRPr lang="ko-KR" altLang="en-US"/>
             </a:p>
           </p:txBody>
         </p:sp>
@@ -5732,9 +4596,9 @@
           <p:nvPr/>
         </p:nvGrpSpPr>
         <p:grpSpPr>
-          <a:xfrm>
-            <a:off x="4445000" y="5451372"/>
-            <a:ext cx="15240001" cy="1741302"/>
+          <a:xfrm rot="0">
+            <a:off x="8920370" y="5116698"/>
+            <a:ext cx="6543260" cy="1741302"/>
             <a:chOff x="0" y="0"/>
             <a:chExt cx="15240000" cy="1741300"/>
           </a:xfrm>
@@ -5753,7 +4617,6 @@
             <a:custGeom>
               <a:avLst/>
               <a:gdLst/>
-              <a:ahLst/>
               <a:cxnLst>
                 <a:cxn ang="0">
                   <a:pos x="wd2" y="hd2"/>
@@ -5770,7 +4633,7 @@
               </a:cxnLst>
               <a:rect l="0" t="0" r="r" b="b"/>
               <a:pathLst>
-                <a:path w="21600" h="21600" fill="norm" stroke="1" extrusionOk="0">
+                <a:path w="21600" h="21600" extrusionOk="0">
                   <a:moveTo>
                     <a:pt x="5400" y="0"/>
                   </a:moveTo>
@@ -5805,16 +4668,16 @@
               </a:pathLst>
             </a:custGeom>
             <a:solidFill>
-              <a:srgbClr val="325E6A"/>
+              <a:srgbClr val="325e6a"/>
             </a:solidFill>
             <a:ln w="12700" cap="flat">
               <a:noFill/>
-              <a:miter lim="400000"/>
+              <a:miter/>
             </a:ln>
             <a:effectLst/>
           </p:spPr>
           <p:txBody>
-            <a:bodyPr wrap="square" lIns="50800" tIns="50800" rIns="50800" bIns="50800" numCol="1" anchor="ctr">
+            <a:bodyPr wrap="square" lIns="50800" tIns="50800" rIns="50800" bIns="50800" anchor="ctr">
               <a:noAutofit/>
             </a:bodyPr>
             <a:lstStyle/>
@@ -5825,10 +4688,11 @@
                 </a:spcBef>
                 <a:defRPr>
                   <a:solidFill>
-                    <a:srgbClr val="FFFFFF"/>
+                    <a:srgbClr val="ffffff"/>
                   </a:solidFill>
                 </a:defRPr>
               </a:pPr>
+              <a:endParaRPr lang="ko-KR" altLang="en-US"/>
             </a:p>
           </p:txBody>
         </p:sp>
@@ -5849,17 +4713,12 @@
             <a:noFill/>
             <a:ln w="12700" cap="flat">
               <a:noFill/>
-              <a:miter lim="400000"/>
+              <a:miter/>
             </a:ln>
             <a:effectLst/>
-            <a:extLst>
-              <a:ext uri="{C572A759-6A51-4108-AA02-DFA0A04FC94B}">
-                <ma14:wrappingTextBoxFlag xmlns:ma14="http://schemas.microsoft.com/office/mac/drawingml/2011/main" val="1"/>
-              </a:ext>
-            </a:extLst>
           </p:spPr>
           <p:txBody>
-            <a:bodyPr wrap="square" lIns="50800" tIns="50800" rIns="50800" bIns="50800" numCol="1" anchor="ctr">
+            <a:bodyPr wrap="square" lIns="50800" tIns="50800" rIns="50800" bIns="50800" anchor="ctr">
               <a:noAutofit/>
             </a:bodyPr>
             <a:lstStyle/>
@@ -5870,13 +4729,15 @@
                 </a:spcBef>
                 <a:defRPr>
                   <a:solidFill>
-                    <a:srgbClr val="FFFFFF"/>
+                    <a:srgbClr val="ffffff"/>
                   </a:solidFill>
                 </a:defRPr>
               </a:pPr>
               <a:r>
+                <a:rPr lang="ko-KR" altLang="en-US"/>
                 <a:t>2. 핵 심 기 능</a:t>
               </a:r>
+              <a:endParaRPr lang="ko-KR" altLang="en-US"/>
             </a:p>
           </p:txBody>
         </p:sp>
@@ -5888,9 +4749,9 @@
           <p:nvPr/>
         </p:nvGrpSpPr>
         <p:grpSpPr>
-          <a:xfrm>
-            <a:off x="4445000" y="7483371"/>
-            <a:ext cx="15240001" cy="1741301"/>
+          <a:xfrm rot="0">
+            <a:off x="8920370" y="7148697"/>
+            <a:ext cx="6543260" cy="1741301"/>
             <a:chOff x="0" y="0"/>
             <a:chExt cx="15240000" cy="1741300"/>
           </a:xfrm>
@@ -5909,7 +4770,6 @@
             <a:custGeom>
               <a:avLst/>
               <a:gdLst/>
-              <a:ahLst/>
               <a:cxnLst>
                 <a:cxn ang="0">
                   <a:pos x="wd2" y="hd2"/>
@@ -5926,7 +4786,7 @@
               </a:cxnLst>
               <a:rect l="0" t="0" r="r" b="b"/>
               <a:pathLst>
-                <a:path w="21600" h="21600" fill="norm" stroke="1" extrusionOk="0">
+                <a:path w="21600" h="21600" extrusionOk="0">
                   <a:moveTo>
                     <a:pt x="5400" y="0"/>
                   </a:moveTo>
@@ -5961,16 +4821,16 @@
               </a:pathLst>
             </a:custGeom>
             <a:solidFill>
-              <a:srgbClr val="325E6A"/>
+              <a:srgbClr val="325e6a"/>
             </a:solidFill>
             <a:ln w="12700" cap="flat">
               <a:noFill/>
-              <a:miter lim="400000"/>
+              <a:miter/>
             </a:ln>
             <a:effectLst/>
           </p:spPr>
           <p:txBody>
-            <a:bodyPr wrap="square" lIns="50800" tIns="50800" rIns="50800" bIns="50800" numCol="1" anchor="ctr">
+            <a:bodyPr wrap="square" lIns="50800" tIns="50800" rIns="50800" bIns="50800" anchor="ctr">
               <a:noAutofit/>
             </a:bodyPr>
             <a:lstStyle/>
@@ -5981,10 +4841,11 @@
                 </a:spcBef>
                 <a:defRPr>
                   <a:solidFill>
-                    <a:srgbClr val="FFFFFF"/>
+                    <a:srgbClr val="ffffff"/>
                   </a:solidFill>
                 </a:defRPr>
               </a:pPr>
+              <a:endParaRPr lang="ko-KR" altLang="en-US"/>
             </a:p>
           </p:txBody>
         </p:sp>
@@ -6005,17 +4866,12 @@
             <a:noFill/>
             <a:ln w="12700" cap="flat">
               <a:noFill/>
-              <a:miter lim="400000"/>
+              <a:miter/>
             </a:ln>
             <a:effectLst/>
-            <a:extLst>
-              <a:ext uri="{C572A759-6A51-4108-AA02-DFA0A04FC94B}">
-                <ma14:wrappingTextBoxFlag xmlns:ma14="http://schemas.microsoft.com/office/mac/drawingml/2011/main" val="1"/>
-              </a:ext>
-            </a:extLst>
           </p:spPr>
           <p:txBody>
-            <a:bodyPr wrap="square" lIns="50800" tIns="50800" rIns="50800" bIns="50800" numCol="1" anchor="ctr">
+            <a:bodyPr wrap="square" lIns="50800" tIns="50800" rIns="50800" bIns="50800" anchor="ctr">
               <a:noAutofit/>
             </a:bodyPr>
             <a:lstStyle/>
@@ -6026,13 +4882,15 @@
                 </a:spcBef>
                 <a:defRPr>
                   <a:solidFill>
-                    <a:srgbClr val="FFFFFF"/>
+                    <a:srgbClr val="ffffff"/>
                   </a:solidFill>
                 </a:defRPr>
               </a:pPr>
               <a:r>
+                <a:rPr lang="ko-KR" altLang="en-US"/>
                 <a:t>3. 오 류 종 류</a:t>
               </a:r>
+              <a:endParaRPr lang="ko-KR" altLang="en-US"/>
             </a:p>
           </p:txBody>
         </p:sp>
@@ -6044,9 +4902,9 @@
           <p:nvPr/>
         </p:nvGrpSpPr>
         <p:grpSpPr>
-          <a:xfrm>
-            <a:off x="4445000" y="9515371"/>
-            <a:ext cx="15240001" cy="1741301"/>
+          <a:xfrm rot="0">
+            <a:off x="8920370" y="9180698"/>
+            <a:ext cx="6543260" cy="1741301"/>
             <a:chOff x="0" y="0"/>
             <a:chExt cx="15240000" cy="1741300"/>
           </a:xfrm>
@@ -6065,7 +4923,6 @@
             <a:custGeom>
               <a:avLst/>
               <a:gdLst/>
-              <a:ahLst/>
               <a:cxnLst>
                 <a:cxn ang="0">
                   <a:pos x="wd2" y="hd2"/>
@@ -6082,7 +4939,7 @@
               </a:cxnLst>
               <a:rect l="0" t="0" r="r" b="b"/>
               <a:pathLst>
-                <a:path w="21600" h="21600" fill="norm" stroke="1" extrusionOk="0">
+                <a:path w="21600" h="21600" extrusionOk="0">
                   <a:moveTo>
                     <a:pt x="5400" y="0"/>
                   </a:moveTo>
@@ -6117,16 +4974,16 @@
               </a:pathLst>
             </a:custGeom>
             <a:solidFill>
-              <a:srgbClr val="325E6A"/>
+              <a:srgbClr val="325e6a"/>
             </a:solidFill>
             <a:ln w="12700" cap="flat">
               <a:noFill/>
-              <a:miter lim="400000"/>
+              <a:miter/>
             </a:ln>
             <a:effectLst/>
           </p:spPr>
           <p:txBody>
-            <a:bodyPr wrap="square" lIns="50800" tIns="50800" rIns="50800" bIns="50800" numCol="1" anchor="ctr">
+            <a:bodyPr wrap="square" lIns="50800" tIns="50800" rIns="50800" bIns="50800" anchor="ctr">
               <a:noAutofit/>
             </a:bodyPr>
             <a:lstStyle/>
@@ -6137,10 +4994,11 @@
                 </a:spcBef>
                 <a:defRPr>
                   <a:solidFill>
-                    <a:srgbClr val="FFFFFF"/>
+                    <a:srgbClr val="ffffff"/>
                   </a:solidFill>
                 </a:defRPr>
               </a:pPr>
+              <a:endParaRPr lang="ko-KR" altLang="en-US"/>
             </a:p>
           </p:txBody>
         </p:sp>
@@ -6161,17 +5019,12 @@
             <a:noFill/>
             <a:ln w="12700" cap="flat">
               <a:noFill/>
-              <a:miter lim="400000"/>
+              <a:miter/>
             </a:ln>
             <a:effectLst/>
-            <a:extLst>
-              <a:ext uri="{C572A759-6A51-4108-AA02-DFA0A04FC94B}">
-                <ma14:wrappingTextBoxFlag xmlns:ma14="http://schemas.microsoft.com/office/mac/drawingml/2011/main" val="1"/>
-              </a:ext>
-            </a:extLst>
           </p:spPr>
           <p:txBody>
-            <a:bodyPr wrap="square" lIns="50800" tIns="50800" rIns="50800" bIns="50800" numCol="1" anchor="ctr">
+            <a:bodyPr wrap="square" lIns="50800" tIns="50800" rIns="50800" bIns="50800" anchor="ctr">
               <a:noAutofit/>
             </a:bodyPr>
             <a:lstStyle/>
@@ -6182,13 +5035,15 @@
                 </a:spcBef>
                 <a:defRPr>
                   <a:solidFill>
-                    <a:srgbClr val="FFFFFF"/>
+                    <a:srgbClr val="ffffff"/>
                   </a:solidFill>
                 </a:defRPr>
               </a:pPr>
               <a:r>
+                <a:rPr lang="ko-KR" altLang="en-US"/>
                 <a:t>4. 팀 원 역 할</a:t>
               </a:r>
+              <a:endParaRPr lang="ko-KR" altLang="en-US"/>
             </a:p>
           </p:txBody>
         </p:sp>
@@ -6200,9 +5055,9 @@
           <p:nvPr/>
         </p:nvGrpSpPr>
         <p:grpSpPr>
-          <a:xfrm>
-            <a:off x="4445000" y="11547371"/>
-            <a:ext cx="15240001" cy="1741301"/>
+          <a:xfrm rot="0">
+            <a:off x="8920370" y="11212698"/>
+            <a:ext cx="6543260" cy="1741301"/>
             <a:chOff x="0" y="0"/>
             <a:chExt cx="15240000" cy="1741300"/>
           </a:xfrm>
@@ -6221,7 +5076,6 @@
             <a:custGeom>
               <a:avLst/>
               <a:gdLst/>
-              <a:ahLst/>
               <a:cxnLst>
                 <a:cxn ang="0">
                   <a:pos x="wd2" y="hd2"/>
@@ -6238,7 +5092,7 @@
               </a:cxnLst>
               <a:rect l="0" t="0" r="r" b="b"/>
               <a:pathLst>
-                <a:path w="21600" h="21600" fill="norm" stroke="1" extrusionOk="0">
+                <a:path w="21600" h="21600" extrusionOk="0">
                   <a:moveTo>
                     <a:pt x="5400" y="0"/>
                   </a:moveTo>
@@ -6273,16 +5127,16 @@
               </a:pathLst>
             </a:custGeom>
             <a:solidFill>
-              <a:srgbClr val="325E6A"/>
+              <a:srgbClr val="325e6a"/>
             </a:solidFill>
             <a:ln w="12700" cap="flat">
               <a:noFill/>
-              <a:miter lim="400000"/>
+              <a:miter/>
             </a:ln>
             <a:effectLst/>
           </p:spPr>
           <p:txBody>
-            <a:bodyPr wrap="square" lIns="50800" tIns="50800" rIns="50800" bIns="50800" numCol="1" anchor="ctr">
+            <a:bodyPr wrap="square" lIns="50800" tIns="50800" rIns="50800" bIns="50800" anchor="ctr">
               <a:noAutofit/>
             </a:bodyPr>
             <a:lstStyle/>
@@ -6293,10 +5147,11 @@
                 </a:spcBef>
                 <a:defRPr>
                   <a:solidFill>
-                    <a:srgbClr val="FFFFFF"/>
+                    <a:srgbClr val="ffffff"/>
                   </a:solidFill>
                 </a:defRPr>
               </a:pPr>
+              <a:endParaRPr lang="ko-KR" altLang="en-US"/>
             </a:p>
           </p:txBody>
         </p:sp>
@@ -6317,17 +5172,12 @@
             <a:noFill/>
             <a:ln w="12700" cap="flat">
               <a:noFill/>
-              <a:miter lim="400000"/>
+              <a:miter/>
             </a:ln>
             <a:effectLst/>
-            <a:extLst>
-              <a:ext uri="{C572A759-6A51-4108-AA02-DFA0A04FC94B}">
-                <ma14:wrappingTextBoxFlag xmlns:ma14="http://schemas.microsoft.com/office/mac/drawingml/2011/main" val="1"/>
-              </a:ext>
-            </a:extLst>
           </p:spPr>
           <p:txBody>
-            <a:bodyPr wrap="square" lIns="50800" tIns="50800" rIns="50800" bIns="50800" numCol="1" anchor="ctr">
+            <a:bodyPr wrap="square" lIns="50800" tIns="50800" rIns="50800" bIns="50800" anchor="ctr">
               <a:noAutofit/>
             </a:bodyPr>
             <a:lstStyle/>
@@ -6338,13 +5188,15 @@
                 </a:spcBef>
                 <a:defRPr>
                   <a:solidFill>
-                    <a:srgbClr val="FFFFFF"/>
+                    <a:srgbClr val="ffffff"/>
                   </a:solidFill>
                 </a:defRPr>
               </a:pPr>
               <a:r>
+                <a:rPr lang="ko-KR" altLang="en-US"/>
                 <a:t>5. 완 성 소 감</a:t>
               </a:r>
+              <a:endParaRPr lang="ko-KR" altLang="en-US"/>
             </a:p>
           </p:txBody>
         </p:sp>
@@ -6354,7 +5206,14 @@
   <p:clrMapOvr>
     <a:masterClrMapping/>
   </p:clrMapOvr>
-  <p:transition xmlns:p14="http://schemas.microsoft.com/office/powerpoint/2010/main" spd="med" advClick="1"/>
+  <mc:AlternateContent xmlns:mc="http://schemas.openxmlformats.org/markup-compatibility/2006">
+    <mc:Choice xmlns:p14="http://schemas.microsoft.com/office/powerpoint/2010/main" Requires="p14">
+      <p:transition xmlns:mc="http://schemas.openxmlformats.org/markup-compatibility/2006" xmlns:p14="http://schemas.microsoft.com/office/powerpoint/2010/main" mc:Ignorable="p14" p14:dur="750"/>
+    </mc:Choice>
+    <mc:Fallback>
+      <p:transition/>
+    </mc:Fallback>
+  </mc:AlternateContent>
 </p:sld>
 </file>
 
@@ -6963,7 +5822,7 @@
 </file>
 
 <file path=ppt/slides/slide5.xml><?xml version="1.0" encoding="utf-8"?>
-<p:sld xmlns:a="http://schemas.openxmlformats.org/drawingml/2006/main" xmlns:r="http://schemas.openxmlformats.org/officeDocument/2006/relationships" xmlns:p="http://schemas.openxmlformats.org/presentationml/2006/main" xmlns:m="http://schemas.openxmlformats.org/officeDocument/2006/math" xmlns:a14="http://schemas.microsoft.com/office/drawing/2010/main" showMasterSp="1" showMasterPhAnim="1">
+<p:sld xmlns:r="http://schemas.openxmlformats.org/officeDocument/2006/relationships" xmlns:c="http://schemas.openxmlformats.org/drawingml/2006/chart" xmlns:a="http://schemas.openxmlformats.org/drawingml/2006/main" xmlns:dgm="http://schemas.openxmlformats.org/drawingml/2006/diagram" xmlns:dsp="http://schemas.microsoft.com/office/drawing/2008/diagram" xmlns:p="http://schemas.openxmlformats.org/presentationml/2006/main">
   <p:cSld>
     <p:spTree>
       <p:nvGrpSpPr>
@@ -7269,14 +6128,21 @@
   <p:clrMapOvr>
     <a:masterClrMapping/>
   </p:clrMapOvr>
-  <p:transition xmlns:p14="http://schemas.microsoft.com/office/powerpoint/2010/main" spd="med" advClick="1"/>
+  <mc:AlternateContent xmlns:mc="http://schemas.openxmlformats.org/markup-compatibility/2006">
+    <mc:Choice xmlns:p14="http://schemas.microsoft.com/office/powerpoint/2010/main" Requires="p14">
+      <p:transition xmlns:mc="http://schemas.openxmlformats.org/markup-compatibility/2006" xmlns:p14="http://schemas.microsoft.com/office/powerpoint/2010/main" mc:Ignorable="p14" p14:dur="750"/>
+    </mc:Choice>
+    <mc:Fallback>
+      <p:transition/>
+    </mc:Fallback>
+  </mc:AlternateContent>
   <p:timing>
     <p:tnLst>
       <p:par>
-        <p:cTn id="1" nodeType="tmRoot" restart="never" dur="indefinite" fill="hold">
+        <p:cTn id="1" dur="indefinite" restart="never" fill="hold" nodeType="tmRoot">
           <p:childTnLst>
             <p:seq concurrent="1" prevAc="none" nextAc="seek">
-              <p:cTn id="2" nodeType="mainSeq" dur="indefinite" fill="hold">
+              <p:cTn id="2" dur="indefinite" fill="hold" nodeType="mainSeq">
                 <p:childTnLst>
                   <p:par>
                     <p:cTn id="3" fill="hold">
@@ -7291,11 +6157,11 @@
                             </p:stCondLst>
                             <p:childTnLst>
                               <p:par>
-                                <p:cTn id="5" presetClass="entr" nodeType="clickEffect" presetID="10" grpId="1" fill="hold">
+                                <p:cTn id="5" presetID="10" presetClass="entr" fill="hold" grpId="0" nodeType="clickEffect">
                                   <p:stCondLst>
                                     <p:cond delay="0"/>
                                   </p:stCondLst>
-                                  <p:iterate type="el" backwards="0">
+                                  <p:iterate>
                                     <p:tmAbs val="0"/>
                                   </p:iterate>
                                   <p:childTnLst>
@@ -7313,7 +6179,7 @@
                                         <p:strVal val="visible"/>
                                       </p:to>
                                     </p:set>
-                                    <p:animEffect filter="fade" transition="in">
+                                    <p:animEffect transition="in" filter="fade">
                                       <p:cBhvr>
                                         <p:cTn id="7" dur="1000"/>
                                         <p:tgtEl>
@@ -7343,11 +6209,11 @@
                             </p:stCondLst>
                             <p:childTnLst>
                               <p:par>
-                                <p:cTn id="10" presetClass="entr" nodeType="clickEffect" presetID="10" grpId="2" fill="hold">
+                                <p:cTn id="10" presetID="10" presetClass="entr" fill="hold" grpId="1" nodeType="clickEffect">
                                   <p:stCondLst>
                                     <p:cond delay="0"/>
                                   </p:stCondLst>
-                                  <p:iterate type="el" backwards="0">
+                                  <p:iterate>
                                     <p:tmAbs val="0"/>
                                   </p:iterate>
                                   <p:childTnLst>
@@ -7365,7 +6231,7 @@
                                         <p:strVal val="visible"/>
                                       </p:to>
                                     </p:set>
-                                    <p:animEffect filter="fade" transition="in">
+                                    <p:animEffect transition="in" filter="fade">
                                       <p:cBhvr>
                                         <p:cTn id="12" dur="1000"/>
                                         <p:tgtEl>
@@ -7404,15 +6270,15 @@
       </p:par>
     </p:tnLst>
     <p:bldLst>
-      <p:bldP build="whole" bldLvl="1" animBg="1" rev="0" advAuto="0" spid="187" grpId="2"/>
-      <p:bldP build="whole" bldLvl="1" animBg="1" rev="0" advAuto="0" spid="184" grpId="1"/>
+      <p:bldP spid="184" grpId="0" animBg="1" advAuto="0"/>
+      <p:bldP spid="187" grpId="1" animBg="1" advAuto="0"/>
     </p:bldLst>
   </p:timing>
 </p:sld>
 </file>
 
 <file path=ppt/slides/slide6.xml><?xml version="1.0" encoding="utf-8"?>
-<p:sld xmlns:a="http://schemas.openxmlformats.org/drawingml/2006/main" xmlns:r="http://schemas.openxmlformats.org/officeDocument/2006/relationships" xmlns:p="http://schemas.openxmlformats.org/presentationml/2006/main" xmlns:m="http://schemas.openxmlformats.org/officeDocument/2006/math" xmlns:a14="http://schemas.microsoft.com/office/drawing/2010/main" showMasterSp="1" showMasterPhAnim="1">
+<p:sld xmlns:r="http://schemas.openxmlformats.org/officeDocument/2006/relationships" xmlns:c="http://schemas.openxmlformats.org/drawingml/2006/chart" xmlns:a="http://schemas.openxmlformats.org/drawingml/2006/main" xmlns:dgm="http://schemas.openxmlformats.org/drawingml/2006/diagram" xmlns:dsp="http://schemas.microsoft.com/office/drawing/2008/diagram" xmlns:p="http://schemas.openxmlformats.org/presentationml/2006/main">
   <p:cSld>
     <p:spTree>
       <p:nvGrpSpPr>
@@ -7630,11 +6496,11 @@
           <p:nvPr/>
         </p:nvGrpSpPr>
         <p:grpSpPr>
-          <a:xfrm>
+          <a:xfrm rot="0">
             <a:off x="11883272" y="3392942"/>
-            <a:ext cx="9060147" cy="6930116"/>
-            <a:chOff x="0" y="0"/>
-            <a:chExt cx="9060146" cy="6930114"/>
+            <a:ext cx="9060149" cy="6930116"/>
+            <a:chOff x="-1" y="0"/>
+            <a:chExt cx="9060148" cy="6930115"/>
           </a:xfrm>
         </p:grpSpPr>
         <p:sp>
@@ -7656,12 +6522,12 @@
             </a:solidFill>
             <a:ln w="12700" cap="flat">
               <a:noFill/>
-              <a:miter lim="400000"/>
+              <a:miter/>
             </a:ln>
             <a:effectLst/>
           </p:spPr>
           <p:txBody>
-            <a:bodyPr wrap="square" lIns="50800" tIns="50800" rIns="50800" bIns="50800" numCol="1" anchor="t">
+            <a:bodyPr wrap="square" lIns="50800" tIns="50800" rIns="50800" bIns="50800" anchor="t">
               <a:noAutofit/>
             </a:bodyPr>
             <a:lstStyle/>
@@ -7672,10 +6538,11 @@
                 </a:spcBef>
                 <a:defRPr>
                   <a:solidFill>
-                    <a:srgbClr val="FFFFFF"/>
+                    <a:srgbClr val="ffffff"/>
                   </a:solidFill>
                 </a:defRPr>
               </a:pPr>
+              <a:endParaRPr lang="ko-KR" altLang="en-US"/>
             </a:p>
           </p:txBody>
         </p:sp>
@@ -7687,8 +6554,8 @@
           </p:nvSpPr>
           <p:spPr>
             <a:xfrm>
-              <a:off x="-1" y="1"/>
-              <a:ext cx="9060148" cy="6930113"/>
+              <a:off x="-1" y="322216"/>
+              <a:ext cx="9060148" cy="6285681"/>
             </a:xfrm>
             <a:prstGeom prst="rect">
               <a:avLst/>
@@ -7696,18 +6563,13 @@
             <a:noFill/>
             <a:ln w="12700" cap="flat">
               <a:noFill/>
-              <a:miter lim="400000"/>
+              <a:miter/>
             </a:ln>
             <a:effectLst/>
-            <a:extLst>
-              <a:ext uri="{C572A759-6A51-4108-AA02-DFA0A04FC94B}">
-                <ma14:wrappingTextBoxFlag xmlns:ma14="http://schemas.microsoft.com/office/mac/drawingml/2011/main" val="1"/>
-              </a:ext>
-            </a:extLst>
           </p:spPr>
           <p:txBody>
-            <a:bodyPr wrap="square" lIns="45718" tIns="45718" rIns="45718" bIns="45718" numCol="1" anchor="t">
-              <a:normAutofit fontScale="100000" lnSpcReduction="0"/>
+            <a:bodyPr wrap="square" lIns="45718" tIns="45718" rIns="45718" bIns="45718" anchor="ctr" anchorCtr="0">
+              <a:normAutofit lnSpcReduction="10000"/>
             </a:bodyPr>
             <a:lstStyle/>
             <a:p>
@@ -7717,13 +6579,15 @@
                 </a:spcBef>
                 <a:defRPr>
                   <a:solidFill>
-                    <a:srgbClr val="FFFFFF"/>
+                    <a:srgbClr val="ffffff"/>
                   </a:solidFill>
                 </a:defRPr>
               </a:pPr>
               <a:r>
+                <a:rPr lang="ko-KR" altLang="en-US"/>
                 <a:t>그 이유는, 실제 글자의 크기가 다르기 때문이다.</a:t>
               </a:r>
+              <a:endParaRPr lang="ko-KR" altLang="en-US"/>
             </a:p>
             <a:p>
               <a:pPr algn="ctr">
@@ -7732,43 +6596,15 @@
                 </a:spcBef>
                 <a:defRPr>
                   <a:solidFill>
-                    <a:srgbClr val="FFFFFF"/>
+                    <a:srgbClr val="ffffff"/>
                   </a:solidFill>
                 </a:defRPr>
               </a:pPr>
               <a:r>
-                <a:t>한글 1글자는 영어 2글자의 크기를 차지하기 때문에 표준규격의 2배의 크기로 출력된다.</a:t>
-              </a:r>
-            </a:p>
-            <a:p>
-              <a:pPr algn="ctr">
-                <a:spcBef>
-                  <a:spcPts val="0"/>
-                </a:spcBef>
-                <a:defRPr>
-                  <a:solidFill>
-                    <a:srgbClr val="FFFFFF"/>
-                  </a:solidFill>
-                </a:defRPr>
-              </a:pPr>
-              <a:r>
-                <a:t>띄어쓰기 ‘ ‘도 표준규격 이기때문에</a:t>
-              </a:r>
-            </a:p>
-            <a:p>
-              <a:pPr algn="ctr">
-                <a:spcBef>
-                  <a:spcPts val="0"/>
-                </a:spcBef>
-                <a:defRPr>
-                  <a:solidFill>
-                    <a:srgbClr val="FFFFFF"/>
-                  </a:solidFill>
-                </a:defRPr>
-              </a:pPr>
-              <a:r>
+                <a:rPr lang="ko-KR" altLang="en-US"/>
                 <a:t>실제로 한글을 가운데정렬 하려면 2배 뒤로가서 write 해야한다.</a:t>
               </a:r>
+              <a:endParaRPr lang="ko-KR" altLang="en-US"/>
             </a:p>
           </p:txBody>
         </p:sp>
@@ -7778,14 +6614,21 @@
   <p:clrMapOvr>
     <a:masterClrMapping/>
   </p:clrMapOvr>
-  <p:transition xmlns:p14="http://schemas.microsoft.com/office/powerpoint/2010/main" spd="med" advClick="1"/>
+  <mc:AlternateContent xmlns:mc="http://schemas.openxmlformats.org/markup-compatibility/2006">
+    <mc:Choice xmlns:p14="http://schemas.microsoft.com/office/powerpoint/2010/main" Requires="p14">
+      <p:transition xmlns:mc="http://schemas.openxmlformats.org/markup-compatibility/2006" xmlns:p14="http://schemas.microsoft.com/office/powerpoint/2010/main" mc:Ignorable="p14" p14:dur="750"/>
+    </mc:Choice>
+    <mc:Fallback>
+      <p:transition/>
+    </mc:Fallback>
+  </mc:AlternateContent>
   <p:timing>
     <p:tnLst>
       <p:par>
-        <p:cTn id="1" nodeType="tmRoot" restart="never" dur="indefinite" fill="hold">
+        <p:cTn id="1" dur="indefinite" restart="never" nodeType="tmRoot">
           <p:childTnLst>
-            <p:seq concurrent="1" prevAc="none" nextAc="seek">
-              <p:cTn id="2" nodeType="mainSeq" dur="indefinite" fill="hold">
+            <p:seq concurrent="1" nextAc="seek">
+              <p:cTn id="2" dur="indefinite" nodeType="mainSeq">
                 <p:childTnLst>
                   <p:par>
                     <p:cTn id="3" fill="hold">
@@ -7800,11 +6643,11 @@
                             </p:stCondLst>
                             <p:childTnLst>
                               <p:par>
-                                <p:cTn id="5" presetClass="entr" nodeType="clickEffect" presetID="10" grpId="1" fill="hold">
+                                <p:cTn id="5" presetID="10" presetClass="entr" fill="hold" grpId="0" nodeType="clickEffect">
                                   <p:stCondLst>
                                     <p:cond delay="0"/>
                                   </p:stCondLst>
-                                  <p:iterate type="el" backwards="0">
+                                  <p:iterate>
                                     <p:tmAbs val="0"/>
                                   </p:iterate>
                                   <p:childTnLst>
@@ -7822,7 +6665,7 @@
                                         <p:strVal val="visible"/>
                                       </p:to>
                                     </p:set>
-                                    <p:animEffect filter="fade" transition="in">
+                                    <p:animEffect transition="in" filter="fade">
                                       <p:cBhvr>
                                         <p:cTn id="7" dur="1000"/>
                                         <p:tgtEl>
@@ -7842,14 +6685,14 @@
                 </p:childTnLst>
               </p:cTn>
               <p:prevCondLst>
-                <p:cond evt="onPrev">
+                <p:cond evt="onPrev" delay="0">
                   <p:tgtEl>
                     <p:sldTgt/>
                   </p:tgtEl>
                 </p:cond>
               </p:prevCondLst>
               <p:nextCondLst>
-                <p:cond evt="onNext">
+                <p:cond evt="onNext" delay="0">
                   <p:tgtEl>
                     <p:sldTgt/>
                   </p:tgtEl>
@@ -7861,14 +6704,14 @@
       </p:par>
     </p:tnLst>
     <p:bldLst>
-      <p:bldP build="whole" bldLvl="1" animBg="1" rev="0" advAuto="0" spid="194" grpId="1"/>
+      <p:bldP spid="194" grpId="0" animBg="1" advAuto="0"/>
     </p:bldLst>
   </p:timing>
 </p:sld>
 </file>
 
 <file path=ppt/slides/slide7.xml><?xml version="1.0" encoding="utf-8"?>
-<p:sld xmlns:a="http://schemas.openxmlformats.org/drawingml/2006/main" xmlns:r="http://schemas.openxmlformats.org/officeDocument/2006/relationships" xmlns:p="http://schemas.openxmlformats.org/presentationml/2006/main" xmlns:m="http://schemas.openxmlformats.org/officeDocument/2006/math" xmlns:a14="http://schemas.microsoft.com/office/drawing/2010/main" showMasterSp="1" showMasterPhAnim="1">
+<p:sld xmlns:r="http://schemas.openxmlformats.org/officeDocument/2006/relationships" xmlns:c="http://schemas.openxmlformats.org/drawingml/2006/chart" xmlns:a="http://schemas.openxmlformats.org/drawingml/2006/main" xmlns:dgm="http://schemas.openxmlformats.org/drawingml/2006/diagram" xmlns:dsp="http://schemas.microsoft.com/office/drawing/2008/diagram" xmlns:p="http://schemas.openxmlformats.org/presentationml/2006/main">
   <p:cSld>
     <p:spTree>
       <p:nvGrpSpPr>
@@ -8213,8 +7056,8 @@
         </p:nvSpPr>
         <p:spPr>
           <a:xfrm>
-            <a:off x="1518315" y="8699951"/>
-            <a:ext cx="16950184" cy="3352170"/>
+            <a:off x="1518315" y="8797925"/>
+            <a:ext cx="16950184" cy="3149600"/>
           </a:xfrm>
           <a:prstGeom prst="rect">
             <a:avLst/>
@@ -8223,13 +7066,8 @@
             <a:srgbClr val="656837"/>
           </a:solidFill>
           <a:ln w="12700">
-            <a:miter lim="400000"/>
+            <a:miter/>
           </a:ln>
-          <a:extLst>
-            <a:ext uri="{C572A759-6A51-4108-AA02-DFA0A04FC94B}">
-              <ma14:wrappingTextBoxFlag xmlns:ma14="http://schemas.microsoft.com/office/mac/drawingml/2011/main" val="1"/>
-            </a:ext>
-          </a:extLst>
         </p:spPr>
         <p:txBody>
           <a:bodyPr lIns="50800" tIns="50800" rIns="50800" bIns="50800" anchor="ctr">
@@ -8243,13 +7081,15 @@
               </a:spcBef>
               <a:defRPr>
                 <a:solidFill>
-                  <a:srgbClr val="FFFFFF"/>
+                  <a:srgbClr val="ffffff"/>
                 </a:solidFill>
               </a:defRPr>
             </a:pPr>
             <a:r>
+              <a:rPr lang="ko-KR" altLang="en-US"/>
               <a:t>실제 크기  = 7 = (1+2+1+2+1)</a:t>
             </a:r>
+            <a:endParaRPr lang="ko-KR" altLang="en-US"/>
           </a:p>
           <a:p>
             <a:pPr algn="just">
@@ -8258,13 +7098,15 @@
               </a:spcBef>
               <a:defRPr>
                 <a:solidFill>
-                  <a:srgbClr val="FFFFFF"/>
+                  <a:srgbClr val="ffffff"/>
                 </a:solidFill>
               </a:defRPr>
             </a:pPr>
             <a:r>
+              <a:rPr lang="ko-KR" altLang="en-US"/>
               <a:t>실제 크기를 구하는 식은</a:t>
             </a:r>
+            <a:endParaRPr lang="ko-KR" altLang="en-US"/>
           </a:p>
           <a:p>
             <a:pPr algn="just">
@@ -8273,13 +7115,15 @@
               </a:spcBef>
               <a:defRPr>
                 <a:solidFill>
-                  <a:srgbClr val="FFFFFF"/>
+                  <a:srgbClr val="ffffff"/>
                 </a:solidFill>
               </a:defRPr>
             </a:pPr>
             <a:r>
+              <a:rPr lang="ko-KR" altLang="en-US"/>
               <a:t>int realSize = 글자수 + ((바이트 수 - 글자수) / 2);</a:t>
             </a:r>
+            <a:endParaRPr lang="ko-KR" altLang="en-US"/>
           </a:p>
           <a:p>
             <a:pPr algn="just">
@@ -8288,45 +7132,18 @@
               </a:spcBef>
               <a:defRPr>
                 <a:solidFill>
-                  <a:srgbClr val="FFFFFF"/>
+                  <a:srgbClr val="ffffff"/>
                 </a:solidFill>
               </a:defRPr>
             </a:pPr>
             <a:r>
+              <a:rPr lang="ko-KR" altLang="en-US"/>
               <a:t>이렇게 정의할 수 있다.</a:t>
             </a:r>
+            <a:endParaRPr lang="ko-KR" altLang="en-US"/>
           </a:p>
         </p:txBody>
       </p:sp>
-      <p:pic>
-        <p:nvPicPr>
-          <p:cNvPr id="202" name="그림 5" descr="그림 5"/>
-          <p:cNvPicPr>
-            <a:picLocks noChangeAspect="1"/>
-          </p:cNvPicPr>
-          <p:nvPr/>
-        </p:nvPicPr>
-        <p:blipFill>
-          <a:blip r:embed="rId3">
-            <a:extLst/>
-          </a:blip>
-          <a:stretch>
-            <a:fillRect/>
-          </a:stretch>
-        </p:blipFill>
-        <p:spPr>
-          <a:xfrm>
-            <a:off x="686790" y="3616388"/>
-            <a:ext cx="5334003" cy="2764371"/>
-          </a:xfrm>
-          <a:prstGeom prst="rect">
-            <a:avLst/>
-          </a:prstGeom>
-          <a:ln w="12700">
-            <a:miter lim="400000"/>
-          </a:ln>
-        </p:spPr>
-      </p:pic>
       <p:grpSp>
         <p:nvGrpSpPr>
           <p:cNvPr id="205" name="내용 개체 틀 2"/>
@@ -8334,7 +7151,7 @@
           <p:nvPr/>
         </p:nvGrpSpPr>
         <p:grpSpPr>
-          <a:xfrm>
+          <a:xfrm rot="0">
             <a:off x="6189300" y="3448403"/>
             <a:ext cx="13527742" cy="3100339"/>
             <a:chOff x="0" y="0"/>
@@ -8360,26 +7177,27 @@
             </a:solidFill>
             <a:ln w="12700" cap="flat">
               <a:noFill/>
-              <a:miter lim="400000"/>
+              <a:miter/>
             </a:ln>
             <a:effectLst/>
           </p:spPr>
           <p:txBody>
-            <a:bodyPr wrap="square" lIns="50800" tIns="50800" rIns="50800" bIns="50800" numCol="1" anchor="t">
+            <a:bodyPr wrap="square" lIns="50800" tIns="50800" rIns="50800" bIns="50800" anchor="t">
               <a:noAutofit/>
             </a:bodyPr>
             <a:lstStyle/>
             <a:p>
-              <a:pPr algn="ctr" defTabSz="734694">
+              <a:pPr algn="ctr" defTabSz="734693">
                 <a:spcBef>
                   <a:spcPts val="0"/>
                 </a:spcBef>
                 <a:defRPr sz="4400">
                   <a:solidFill>
-                    <a:srgbClr val="FFFFFF"/>
+                    <a:srgbClr val="ffffff"/>
                   </a:solidFill>
                 </a:defRPr>
               </a:pPr>
+              <a:endParaRPr lang="ko-KR" altLang="en-US"/>
             </a:p>
           </p:txBody>
         </p:sp>
@@ -8400,82 +7218,82 @@
             <a:noFill/>
             <a:ln w="12700" cap="flat">
               <a:noFill/>
-              <a:miter lim="400000"/>
+              <a:miter/>
             </a:ln>
             <a:effectLst/>
-            <a:extLst>
-              <a:ext uri="{C572A759-6A51-4108-AA02-DFA0A04FC94B}">
-                <ma14:wrappingTextBoxFlag xmlns:ma14="http://schemas.microsoft.com/office/mac/drawingml/2011/main" val="1"/>
-              </a:ext>
-            </a:extLst>
           </p:spPr>
           <p:txBody>
-            <a:bodyPr wrap="square" lIns="45718" tIns="45718" rIns="45718" bIns="45718" numCol="1" anchor="t">
-              <a:normAutofit fontScale="100000" lnSpcReduction="0"/>
+            <a:bodyPr wrap="square" lIns="45718" tIns="45718" rIns="45718" bIns="45718" anchor="t">
+              <a:normAutofit fontScale="92500" lnSpcReduction="10000"/>
             </a:bodyPr>
             <a:lstStyle/>
             <a:p>
-              <a:pPr algn="ctr" defTabSz="734694">
+              <a:pPr algn="ctr" defTabSz="734693">
                 <a:spcBef>
                   <a:spcPts val="0"/>
                 </a:spcBef>
                 <a:defRPr sz="4400">
                   <a:solidFill>
-                    <a:srgbClr val="FFFFFF"/>
+                    <a:srgbClr val="ffffff"/>
                   </a:solidFill>
                 </a:defRPr>
               </a:pPr>
               <a:r>
+                <a:rPr lang="ko-KR" altLang="en-US"/>
                 <a:t>예상코드 -&gt; (int)(100 / 2) – (int)(5 / 2) = 50 - 2 = 48</a:t>
               </a:r>
-              <a:endParaRPr sz="2400"/>
+              <a:endParaRPr lang="ko-KR" altLang="en-US"/>
             </a:p>
             <a:p>
-              <a:pPr algn="ctr" defTabSz="734694">
+              <a:pPr algn="ctr" defTabSz="734693">
                 <a:spcBef>
                   <a:spcPts val="0"/>
                 </a:spcBef>
                 <a:defRPr sz="4400">
                   <a:solidFill>
-                    <a:srgbClr val="FFFFFF"/>
+                    <a:srgbClr val="ffffff"/>
                   </a:solidFill>
                 </a:defRPr>
               </a:pPr>
               <a:r>
+                <a:rPr lang="ko-KR" altLang="en-US"/>
                 <a:t>실제코드 -&gt; (int)(100 / 2) – (int)(7 / 2) = 50 – 3 = 47</a:t>
               </a:r>
-              <a:endParaRPr sz="2400"/>
+              <a:endParaRPr lang="ko-KR" altLang="en-US"/>
             </a:p>
             <a:p>
-              <a:pPr algn="ctr" defTabSz="734694">
+              <a:pPr algn="ctr" defTabSz="734693">
                 <a:spcBef>
                   <a:spcPts val="0"/>
                 </a:spcBef>
                 <a:defRPr sz="4400">
                   <a:solidFill>
-                    <a:srgbClr val="FFFFFF"/>
+                    <a:srgbClr val="ffffff"/>
                   </a:solidFill>
                 </a:defRPr>
               </a:pPr>
               <a:r>
+                <a:rPr lang="ko-KR" altLang="en-US"/>
                 <a:t>실제로 가운데정렬이 된 것처럼 보이려면 x가 47이어야 한다.</a:t>
               </a:r>
-              <a:endParaRPr sz="2400"/>
+              <a:endParaRPr lang="ko-KR" altLang="en-US"/>
             </a:p>
             <a:p>
-              <a:pPr algn="ctr" defTabSz="734694">
+              <a:pPr algn="ctr" defTabSz="734693">
                 <a:spcBef>
                   <a:spcPts val="0"/>
                 </a:spcBef>
                 <a:defRPr sz="4400">
                   <a:solidFill>
-                    <a:srgbClr val="FFFFFF"/>
+                    <a:srgbClr val="ffffff"/>
                   </a:solidFill>
                 </a:defRPr>
               </a:pPr>
               <a:r>
+                <a:rPr lang="ko-KR" altLang="en-US"/>
                 <a:t>예상코드대로 썼다면 오른쪽으로 기울어진 것처럼 보인다.</a:t>
               </a:r>
+              <a:endParaRPr lang="ko-KR" altLang="en-US"/>
             </a:p>
           </p:txBody>
         </p:sp>
@@ -8485,14 +7303,21 @@
   <p:clrMapOvr>
     <a:masterClrMapping/>
   </p:clrMapOvr>
-  <p:transition xmlns:p14="http://schemas.microsoft.com/office/powerpoint/2010/main" spd="med" advClick="1"/>
+  <mc:AlternateContent xmlns:mc="http://schemas.openxmlformats.org/markup-compatibility/2006">
+    <mc:Choice xmlns:p14="http://schemas.microsoft.com/office/powerpoint/2010/main" Requires="p14">
+      <p:transition xmlns:mc="http://schemas.openxmlformats.org/markup-compatibility/2006" xmlns:p14="http://schemas.microsoft.com/office/powerpoint/2010/main" mc:Ignorable="p14" p14:dur="750"/>
+    </mc:Choice>
+    <mc:Fallback>
+      <p:transition/>
+    </mc:Fallback>
+  </mc:AlternateContent>
   <p:timing>
     <p:tnLst>
       <p:par>
-        <p:cTn id="1" nodeType="tmRoot" restart="never" dur="indefinite" fill="hold">
+        <p:cTn id="1" dur="indefinite" restart="never" nodeType="tmRoot">
           <p:childTnLst>
-            <p:seq concurrent="1" prevAc="none" nextAc="seek">
-              <p:cTn id="2" nodeType="mainSeq" dur="indefinite" fill="hold">
+            <p:seq concurrent="1" nextAc="seek">
+              <p:cTn id="2" dur="indefinite" nodeType="mainSeq">
                 <p:childTnLst>
                   <p:par>
                     <p:cTn id="3" fill="hold">
@@ -8507,11 +7332,11 @@
                             </p:stCondLst>
                             <p:childTnLst>
                               <p:par>
-                                <p:cTn id="5" presetClass="entr" nodeType="clickEffect" presetID="10" grpId="1" fill="hold">
+                                <p:cTn id="5" presetID="10" presetClass="entr" fill="hold" grpId="0" nodeType="clickEffect">
                                   <p:stCondLst>
                                     <p:cond delay="0"/>
                                   </p:stCondLst>
-                                  <p:iterate type="el" backwards="0">
+                                  <p:iterate>
                                     <p:tmAbs val="0"/>
                                   </p:iterate>
                                   <p:childTnLst>
@@ -8529,7 +7354,7 @@
                                         <p:strVal val="visible"/>
                                       </p:to>
                                     </p:set>
-                                    <p:animEffect filter="fade" transition="in">
+                                    <p:animEffect transition="in" filter="fade">
                                       <p:cBhvr>
                                         <p:cTn id="7" dur="1000"/>
                                         <p:tgtEl>
@@ -8559,69 +7384,17 @@
                             </p:stCondLst>
                             <p:childTnLst>
                               <p:par>
-                                <p:cTn id="10" presetClass="entr" nodeType="clickEffect" presetID="10" grpId="2" fill="hold">
+                                <p:cTn id="10" presetID="10" presetClass="entr" fill="hold" grpId="1" nodeType="clickEffect">
                                   <p:stCondLst>
                                     <p:cond delay="0"/>
                                   </p:stCondLst>
-                                  <p:iterate type="el" backwards="0">
+                                  <p:iterate>
                                     <p:tmAbs val="0"/>
                                   </p:iterate>
                                   <p:childTnLst>
                                     <p:set>
                                       <p:cBhvr>
                                         <p:cTn id="11" fill="hold"/>
-                                        <p:tgtEl>
-                                          <p:spTgt spid="202"/>
-                                        </p:tgtEl>
-                                        <p:attrNameLst>
-                                          <p:attrName>style.visibility</p:attrName>
-                                        </p:attrNameLst>
-                                      </p:cBhvr>
-                                      <p:to>
-                                        <p:strVal val="visible"/>
-                                      </p:to>
-                                    </p:set>
-                                    <p:animEffect filter="fade" transition="in">
-                                      <p:cBhvr>
-                                        <p:cTn id="12" dur="1000"/>
-                                        <p:tgtEl>
-                                          <p:spTgt spid="202"/>
-                                        </p:tgtEl>
-                                      </p:cBhvr>
-                                    </p:animEffect>
-                                  </p:childTnLst>
-                                </p:cTn>
-                              </p:par>
-                            </p:childTnLst>
-                          </p:cTn>
-                        </p:par>
-                      </p:childTnLst>
-                    </p:cTn>
-                  </p:par>
-                  <p:par>
-                    <p:cTn id="13" fill="hold">
-                      <p:stCondLst>
-                        <p:cond delay="indefinite"/>
-                      </p:stCondLst>
-                      <p:childTnLst>
-                        <p:par>
-                          <p:cTn id="14" fill="hold">
-                            <p:stCondLst>
-                              <p:cond delay="0"/>
-                            </p:stCondLst>
-                            <p:childTnLst>
-                              <p:par>
-                                <p:cTn id="15" presetClass="entr" nodeType="clickEffect" presetID="10" grpId="3" fill="hold">
-                                  <p:stCondLst>
-                                    <p:cond delay="0"/>
-                                  </p:stCondLst>
-                                  <p:iterate type="el" backwards="0">
-                                    <p:tmAbs val="0"/>
-                                  </p:iterate>
-                                  <p:childTnLst>
-                                    <p:set>
-                                      <p:cBhvr>
-                                        <p:cTn id="16" fill="hold"/>
                                         <p:tgtEl>
                                           <p:spTgt spid="205"/>
                                         </p:tgtEl>
@@ -8633,9 +7406,9 @@
                                         <p:strVal val="visible"/>
                                       </p:to>
                                     </p:set>
-                                    <p:animEffect filter="fade" transition="in">
+                                    <p:animEffect transition="in" filter="fade">
                                       <p:cBhvr>
-                                        <p:cTn id="17" dur="1000"/>
+                                        <p:cTn id="12" dur="1000"/>
                                         <p:tgtEl>
                                           <p:spTgt spid="205"/>
                                         </p:tgtEl>
@@ -8653,14 +7426,14 @@
                 </p:childTnLst>
               </p:cTn>
               <p:prevCondLst>
-                <p:cond evt="onPrev">
+                <p:cond evt="onPrev" delay="0">
                   <p:tgtEl>
                     <p:sldTgt/>
                   </p:tgtEl>
                 </p:cond>
               </p:prevCondLst>
               <p:nextCondLst>
-                <p:cond evt="onNext">
+                <p:cond evt="onNext" delay="0">
                   <p:tgtEl>
                     <p:sldTgt/>
                   </p:tgtEl>
@@ -8672,16 +7445,15 @@
       </p:par>
     </p:tnLst>
     <p:bldLst>
-      <p:bldP build="whole" bldLvl="1" animBg="1" rev="0" advAuto="0" spid="201" grpId="1"/>
-      <p:bldP build="whole" bldLvl="1" animBg="1" rev="0" advAuto="0" spid="202" grpId="2"/>
-      <p:bldP build="whole" bldLvl="1" animBg="1" rev="0" advAuto="0" spid="205" grpId="3"/>
+      <p:bldP spid="201" grpId="0" animBg="1" advAuto="0"/>
+      <p:bldP spid="205" grpId="1" animBg="1" advAuto="0"/>
     </p:bldLst>
   </p:timing>
 </p:sld>
 </file>
 
 <file path=ppt/slides/slide8.xml><?xml version="1.0" encoding="utf-8"?>
-<p:sld xmlns:a="http://schemas.openxmlformats.org/drawingml/2006/main" xmlns:r="http://schemas.openxmlformats.org/officeDocument/2006/relationships" xmlns:p="http://schemas.openxmlformats.org/presentationml/2006/main" xmlns:m="http://schemas.openxmlformats.org/officeDocument/2006/math" xmlns:a14="http://schemas.microsoft.com/office/drawing/2010/main" showMasterSp="1" showMasterPhAnim="1">
+<p:sld xmlns:r="http://schemas.openxmlformats.org/officeDocument/2006/relationships" xmlns:c="http://schemas.openxmlformats.org/drawingml/2006/chart" xmlns:a="http://schemas.openxmlformats.org/drawingml/2006/main" xmlns:dgm="http://schemas.openxmlformats.org/drawingml/2006/diagram" xmlns:dsp="http://schemas.microsoft.com/office/drawing/2008/diagram" xmlns:p="http://schemas.openxmlformats.org/presentationml/2006/main">
   <p:cSld>
     <p:spTree>
       <p:nvGrpSpPr>
@@ -8753,8 +7525,118 @@
         </p:nvSpPr>
         <p:spPr>
           <a:xfrm>
-            <a:off x="805508" y="3416757"/>
-            <a:ext cx="21148326" cy="8745864"/>
+            <a:off x="805508" y="5483225"/>
+            <a:ext cx="22967624" cy="4645025"/>
+          </a:xfrm>
+          <a:prstGeom prst="rect">
+            <a:avLst/>
+          </a:prstGeom>
+          <a:ln w="12700">
+            <a:miter/>
+          </a:ln>
+        </p:spPr>
+        <p:txBody>
+          <a:bodyPr wrap="square" lIns="50800" tIns="50800" rIns="50800" bIns="50800" anchor="ctr">
+            <a:spAutoFit/>
+          </a:bodyPr>
+          <a:lstStyle/>
+          <a:p>
+            <a:pPr marL="501315" indent="-501315">
+              <a:buSzPct val="100000"/>
+              <a:buChar char="•"/>
+              <a:defRPr/>
+            </a:pPr>
+            <a:r>
+              <a:rPr lang="ko-KR" altLang="en-US"/>
+              <a:t>프로젝트 병합시 Console오류(변수명 통일X)로 인하여 실행되지 않는 현상이 발생</a:t>
+            </a:r>
+            <a:endParaRPr lang="en-US" altLang="ko-KR"/>
+          </a:p>
+          <a:p>
+            <a:pPr>
+              <a:defRPr/>
+            </a:pPr>
+            <a:r>
+              <a:rPr lang="ko-KR" altLang="en-US"/>
+              <a:t>• 깃허브에 대한 이해도 부족으로 병합을 잘못하여 이전 자료로 복귀되는 현상발생.</a:t>
+            </a:r>
+            <a:endParaRPr lang="ko-KR" altLang="en-US"/>
+          </a:p>
+          <a:p>
+            <a:pPr>
+              <a:defRPr/>
+            </a:pPr>
+            <a:r>
+              <a:rPr lang="ko-KR" altLang="en-US"/>
+              <a:t>• 장면 전환이 안됨</a:t>
+            </a:r>
+            <a:r>
+              <a:rPr lang="en-US" altLang="ko-KR"/>
+              <a:t>.</a:t>
+            </a:r>
+            <a:r>
+              <a:rPr lang="ko-KR" altLang="en-US"/>
+              <a:t> </a:t>
+            </a:r>
+            <a:r>
+              <a:rPr lang="en-US" altLang="ko-KR"/>
+              <a:t>(While</a:t>
+            </a:r>
+            <a:r>
+              <a:rPr lang="ko-KR" altLang="en-US"/>
+              <a:t>문 무한 반복</a:t>
+            </a:r>
+            <a:r>
+              <a:rPr lang="en-US" altLang="ko-KR"/>
+              <a:t>)</a:t>
+            </a:r>
+            <a:endParaRPr lang="en-US" altLang="ko-KR"/>
+          </a:p>
+        </p:txBody>
+      </p:sp>
+    </p:spTree>
+  </p:cSld>
+  <p:clrMapOvr>
+    <a:masterClrMapping/>
+  </p:clrMapOvr>
+  <mc:AlternateContent xmlns:mc="http://schemas.openxmlformats.org/markup-compatibility/2006">
+    <mc:Choice xmlns:p14="http://schemas.microsoft.com/office/powerpoint/2010/main" Requires="p14">
+      <p:transition xmlns:mc="http://schemas.openxmlformats.org/markup-compatibility/2006" xmlns:p14="http://schemas.microsoft.com/office/powerpoint/2010/main" mc:Ignorable="p14" p14:dur="750"/>
+    </mc:Choice>
+    <mc:Fallback>
+      <p:transition/>
+    </mc:Fallback>
+  </mc:AlternateContent>
+</p:sld>
+</file>
+
+<file path=ppt/slides/slide9.xml><?xml version="1.0" encoding="utf-8"?>
+<p:sld xmlns:r="http://schemas.openxmlformats.org/officeDocument/2006/relationships" xmlns:c="http://schemas.openxmlformats.org/drawingml/2006/chart" xmlns:a="http://schemas.openxmlformats.org/drawingml/2006/main" xmlns:dgm="http://schemas.openxmlformats.org/drawingml/2006/diagram" xmlns:dsp="http://schemas.microsoft.com/office/drawing/2008/diagram" xmlns:p="http://schemas.openxmlformats.org/presentationml/2006/main">
+  <p:cSld>
+    <p:spTree>
+      <p:nvGrpSpPr>
+        <p:cNvPr id="1" name=""/>
+        <p:cNvGrpSpPr/>
+        <p:nvPr/>
+      </p:nvGrpSpPr>
+      <p:grpSpPr>
+        <a:xfrm>
+          <a:off x="0" y="0"/>
+          <a:ext cx="0" cy="0"/>
+          <a:chOff x="0" y="0"/>
+          <a:chExt cx="0" cy="0"/>
+        </a:xfrm>
+      </p:grpSpPr>
+      <p:sp>
+        <p:nvSpPr>
+          <p:cNvPr id="213" name="TextBox 3"/>
+          <p:cNvSpPr txBox="1"/>
+          <p:nvPr/>
+        </p:nvSpPr>
+        <p:spPr>
+          <a:xfrm>
+            <a:off x="6695440" y="634711"/>
+            <a:ext cx="10993123" cy="1647469"/>
           </a:xfrm>
           <a:prstGeom prst="rect">
             <a:avLst/>
@@ -8772,95 +7654,137 @@
           <a:bodyPr lIns="50800" tIns="50800" rIns="50800" bIns="50800" anchor="ctr">
             <a:spAutoFit/>
           </a:bodyPr>
-          <a:lstStyle/>
-          <a:p>
-            <a:pPr marL="501315" indent="-501315">
-              <a:buSzPct val="100000"/>
-              <a:buChar char="•"/>
-            </a:pPr>
-            <a:r>
-              <a:t>프로젝트 병합시 Console오류(변수명 통일X)로 인하여 실행되지 않는 현상이 발생</a:t>
-            </a:r>
-            <a:br/>
-            <a:br/>
-            <a:r>
-              <a:t>(코드 컨벤션을 약속한다.)</a:t>
-            </a:r>
-          </a:p>
+          <a:lstStyle>
+            <a:lvl1pPr algn="ctr">
+              <a:defRPr sz="9600">
+                <a:solidFill>
+                  <a:srgbClr val="01384A"/>
+                </a:solidFill>
+                <a:latin typeface="Pretendard SemiBold"/>
+                <a:ea typeface="Pretendard SemiBold"/>
+                <a:cs typeface="Pretendard SemiBold"/>
+                <a:sym typeface="Pretendard SemiBold"/>
+              </a:defRPr>
+            </a:lvl1pPr>
+          </a:lstStyle>
           <a:p>
             <a:pPr/>
             <a:r>
-              <a:t>• 깃 허브에 대한 이해도 부족으로 병합을 잘못하여 이전 자료로 복귀되는 현상발생.</a:t>
-            </a:r>
-          </a:p>
-          <a:p>
-            <a:pPr/>
-            <a:r>
-              <a:t>   (병합권한을 팀장만 할 수 있게 한다.)</a:t>
-            </a:r>
-          </a:p>
-          <a:p>
-            <a:pPr/>
-            <a:r>
-              <a:t>• While문의 반복사용으로 인하여 장면 전환이 안됨</a:t>
-            </a:r>
-          </a:p>
-          <a:p>
-            <a:pPr/>
-            <a:r>
-              <a:t>   나중에 확인해보니 break; 가 없는 등, 여러 문제가 있었다. </a:t>
+              <a:t>4. 맡 은 역 할</a:t>
             </a:r>
           </a:p>
         </p:txBody>
       </p:sp>
-    </p:spTree>
-  </p:cSld>
-  <p:clrMapOvr>
-    <a:masterClrMapping/>
-  </p:clrMapOvr>
-  <p:transition xmlns:p14="http://schemas.microsoft.com/office/powerpoint/2010/main" spd="med" advClick="1"/>
-</p:sld>
-</file>
-
-<file path=ppt/slides/slide9.xml><?xml version="1.0" encoding="utf-8"?>
-<p:sld xmlns:a="http://schemas.openxmlformats.org/drawingml/2006/main" xmlns:r="http://schemas.openxmlformats.org/officeDocument/2006/relationships" xmlns:p="http://schemas.openxmlformats.org/presentationml/2006/main" xmlns:m="http://schemas.openxmlformats.org/officeDocument/2006/math" xmlns:a14="http://schemas.microsoft.com/office/drawing/2010/main" showMasterSp="1" showMasterPhAnim="1">
-  <p:cSld>
-    <p:spTree>
-      <p:nvGrpSpPr>
-        <p:cNvPr id="1" name=""/>
-        <p:cNvGrpSpPr/>
-        <p:nvPr/>
-      </p:nvGrpSpPr>
-      <p:grpSpPr>
-        <a:xfrm>
-          <a:off x="0" y="0"/>
-          <a:ext cx="0" cy="0"/>
-          <a:chOff x="0" y="0"/>
-          <a:chExt cx="0" cy="0"/>
-        </a:xfrm>
-      </p:grpSpPr>
       <p:sp>
         <p:nvSpPr>
-          <p:cNvPr id="210" name="Text 1"/>
+          <p:cNvPr id="214" name="직사각형 10"/>
+          <p:cNvSpPr/>
+          <p:nvPr/>
+        </p:nvSpPr>
+        <p:spPr>
+          <a:xfrm>
+            <a:off x="-2" y="7417768"/>
+            <a:ext cx="24384004" cy="6858002"/>
+          </a:xfrm>
+          <a:prstGeom prst="rect">
+            <a:avLst/>
+          </a:prstGeom>
+          <a:solidFill>
+            <a:srgbClr val="E2F0D9"/>
+          </a:solidFill>
+          <a:ln w="12700">
+            <a:miter lim="400000"/>
+          </a:ln>
+        </p:spPr>
+        <p:txBody>
+          <a:bodyPr lIns="50800" tIns="50800" rIns="50800" bIns="50800" anchor="ctr"/>
+          <a:lstStyle/>
+          <a:p>
+            <a:pPr algn="ctr">
+              <a:spcBef>
+                <a:spcPts val="0"/>
+              </a:spcBef>
+              <a:defRPr>
+                <a:solidFill>
+                  <a:srgbClr val="FFFFFF"/>
+                </a:solidFill>
+                <a:latin typeface="맑은 고딕"/>
+                <a:ea typeface="맑은 고딕"/>
+                <a:cs typeface="맑은 고딕"/>
+                <a:sym typeface="맑은 고딕"/>
+              </a:defRPr>
+            </a:pPr>
+          </a:p>
+        </p:txBody>
+      </p:sp>
+      <p:sp>
+        <p:nvSpPr>
+          <p:cNvPr id="215" name="사각형: 둥근 모서리 4"/>
+          <p:cNvSpPr/>
+          <p:nvPr/>
+        </p:nvSpPr>
+        <p:spPr>
+          <a:xfrm>
+            <a:off x="1283910" y="2572136"/>
+            <a:ext cx="5080002" cy="9821336"/>
+          </a:xfrm>
+          <a:prstGeom prst="roundRect">
+            <a:avLst>
+              <a:gd name="adj" fmla="val 3255"/>
+            </a:avLst>
+          </a:prstGeom>
+          <a:solidFill>
+            <a:srgbClr val="FFFFFF"/>
+          </a:solidFill>
+          <a:ln w="12700">
+            <a:miter lim="400000"/>
+          </a:ln>
+          <a:effectLst>
+            <a:outerShdw sx="100000" sy="100000" kx="0" ky="0" algn="b" rotWithShape="0" blurRad="127000" dist="101600" dir="2700000">
+              <a:srgbClr val="000000">
+                <a:alpha val="40000"/>
+              </a:srgbClr>
+            </a:outerShdw>
+          </a:effectLst>
+        </p:spPr>
+        <p:txBody>
+          <a:bodyPr lIns="50800" tIns="50800" rIns="50800" bIns="50800" anchor="ctr"/>
+          <a:lstStyle/>
+          <a:p>
+            <a:pPr algn="ctr">
+              <a:spcBef>
+                <a:spcPts val="0"/>
+              </a:spcBef>
+              <a:defRPr>
+                <a:solidFill>
+                  <a:srgbClr val="FFFFFF"/>
+                </a:solidFill>
+                <a:latin typeface="맑은 고딕"/>
+                <a:ea typeface="맑은 고딕"/>
+                <a:cs typeface="맑은 고딕"/>
+                <a:sym typeface="맑은 고딕"/>
+              </a:defRPr>
+            </a:pPr>
+          </a:p>
+        </p:txBody>
+      </p:sp>
+      <p:sp>
+        <p:nvSpPr>
+          <p:cNvPr id="216" name="TextBox 7"/>
           <p:cNvSpPr txBox="1"/>
           <p:nvPr/>
         </p:nvSpPr>
         <p:spPr>
           <a:xfrm>
-            <a:off x="2123112" y="3615368"/>
-            <a:ext cx="20137775" cy="6485264"/>
+            <a:off x="1665132" y="6845300"/>
+            <a:ext cx="3810004" cy="892174"/>
           </a:xfrm>
           <a:prstGeom prst="rect">
             <a:avLst/>
           </a:prstGeom>
           <a:ln w="12700">
-            <a:miter lim="400000"/>
+            <a:miter/>
           </a:ln>
-          <a:extLst>
-            <a:ext uri="{C572A759-6A51-4108-AA02-DFA0A04FC94B}">
-              <ma14:wrappingTextBoxFlag xmlns:ma14="http://schemas.microsoft.com/office/mac/drawingml/2011/main" val="1"/>
-            </a:ext>
-          </a:extLst>
         </p:spPr>
         <p:txBody>
           <a:bodyPr lIns="50800" tIns="50800" rIns="50800" bIns="50800" anchor="ctr">
@@ -8868,52 +7792,83 @@
           </a:bodyPr>
           <a:lstStyle/>
           <a:p>
-            <a:pPr/>
-            <a:r>
-              <a:t>• 코드 컨벤션을 약속하며, 변수명을 통일합니다. </a:t>
-            </a:r>
-            <a:br/>
-            <a:r>
-              <a:t>   [EX)파스칼 방식, 카멜 방식,  스네이크방식 등] </a:t>
-            </a:r>
-            <a:endParaRPr>
-              <a:latin typeface="+mj-lt"/>
-              <a:ea typeface="+mj-ea"/>
-              <a:cs typeface="+mj-cs"/>
-              <a:sym typeface="Helvetica"/>
-            </a:endParaRPr>
-          </a:p>
-          <a:p>
-            <a:pPr marL="501315" indent="-501315">
-              <a:buSzPct val="100000"/>
-              <a:buChar char="•"/>
+            <a:pPr>
+              <a:defRPr sz="5200">
+                <a:latin typeface="Pretendard SemiBold"/>
+                <a:ea typeface="Pretendard SemiBold"/>
+                <a:cs typeface="Pretendard SemiBold"/>
+                <a:sym typeface="Pretendard SemiBold"/>
+              </a:defRPr>
             </a:pPr>
             <a:r>
-              <a:t>팀원과 약속하고 시간을 정하고 push를 합니다. </a:t>
-            </a:r>
-            <a:br/>
-            <a:r>
-              <a:t>커밋을 수정하거나 추가한 내용 작성하고, 만약 잘못 커밋한경우 리버트 커밋을 하여, 되돌아 가도록 합니다. 머지 권한을 팀장만 가능하도록 설정을 합니다.</a:t>
-            </a:r>
-          </a:p>
-          <a:p>
-            <a:pPr/>
-            <a:r>
-              <a:t>• 반복적인 문구 사용시 </a:t>
-            </a:r>
+              <a:rPr lang="ko-KR" altLang="en-US"/>
+              <a:t>이 태 훈</a:t>
+            </a:r>
+            <a:endParaRPr sz="2600" b="1" i="1" u="sng"/>
           </a:p>
         </p:txBody>
       </p:sp>
       <p:sp>
         <p:nvSpPr>
-          <p:cNvPr id="211" name="Text 0"/>
+          <p:cNvPr id="217" name="사각형: 둥근 모서리 13"/>
+          <p:cNvSpPr/>
+          <p:nvPr/>
+        </p:nvSpPr>
+        <p:spPr>
+          <a:xfrm>
+            <a:off x="12438743" y="2572136"/>
+            <a:ext cx="5080002" cy="9821336"/>
+          </a:xfrm>
+          <a:prstGeom prst="roundRect">
+            <a:avLst>
+              <a:gd name="adj" fmla="val 3255"/>
+            </a:avLst>
+          </a:prstGeom>
+          <a:solidFill>
+            <a:srgbClr val="FFFFFF"/>
+          </a:solidFill>
+          <a:ln w="12700">
+            <a:miter lim="400000"/>
+          </a:ln>
+          <a:effectLst>
+            <a:outerShdw sx="100000" sy="100000" kx="0" ky="0" algn="b" rotWithShape="0" blurRad="127000" dist="101600" dir="2700000">
+              <a:srgbClr val="000000">
+                <a:alpha val="40000"/>
+              </a:srgbClr>
+            </a:outerShdw>
+          </a:effectLst>
+        </p:spPr>
+        <p:txBody>
+          <a:bodyPr lIns="50800" tIns="50800" rIns="50800" bIns="50800" anchor="ctr"/>
+          <a:lstStyle/>
+          <a:p>
+            <a:pPr algn="ctr">
+              <a:spcBef>
+                <a:spcPts val="0"/>
+              </a:spcBef>
+              <a:defRPr>
+                <a:solidFill>
+                  <a:srgbClr val="FFFFFF"/>
+                </a:solidFill>
+                <a:latin typeface="맑은 고딕"/>
+                <a:ea typeface="맑은 고딕"/>
+                <a:cs typeface="맑은 고딕"/>
+                <a:sym typeface="맑은 고딕"/>
+              </a:defRPr>
+            </a:pPr>
+          </a:p>
+        </p:txBody>
+      </p:sp>
+      <p:sp>
+        <p:nvSpPr>
+          <p:cNvPr id="218" name="TextBox 15"/>
           <p:cNvSpPr txBox="1"/>
           <p:nvPr/>
         </p:nvSpPr>
         <p:spPr>
           <a:xfrm>
-            <a:off x="1714713" y="1068503"/>
-            <a:ext cx="12700003" cy="1472588"/>
+            <a:off x="12860641" y="6864512"/>
+            <a:ext cx="3810002" cy="935243"/>
           </a:xfrm>
           <a:prstGeom prst="rect">
             <a:avLst/>
@@ -8933,73 +7888,814 @@
           </a:bodyPr>
           <a:lstStyle>
             <a:lvl1pPr>
-              <a:defRPr sz="8500">
-                <a:solidFill>
-                  <a:srgbClr val="363636"/>
-                </a:solidFill>
-                <a:latin typeface="+mj-lt"/>
-                <a:ea typeface="+mj-ea"/>
-                <a:cs typeface="+mj-cs"/>
-                <a:sym typeface="Helvetica"/>
+              <a:defRPr sz="5200">
+                <a:latin typeface="Pretendard SemiBold"/>
+                <a:ea typeface="Pretendard SemiBold"/>
+                <a:cs typeface="Pretendard SemiBold"/>
+                <a:sym typeface="Pretendard SemiBold"/>
               </a:defRPr>
             </a:lvl1pPr>
           </a:lstStyle>
           <a:p>
             <a:pPr/>
             <a:r>
-              <a:t>문제 해결 방법</a:t>
+              <a:t>장 현 우</a:t>
             </a:r>
           </a:p>
         </p:txBody>
       </p:sp>
+      <p:sp>
+        <p:nvSpPr>
+          <p:cNvPr id="220" name="사각형: 둥근 모서리 19"/>
+          <p:cNvSpPr/>
+          <p:nvPr/>
+        </p:nvSpPr>
+        <p:spPr>
+          <a:xfrm>
+            <a:off x="18009812" y="2572136"/>
+            <a:ext cx="5080002" cy="9821336"/>
+          </a:xfrm>
+          <a:prstGeom prst="roundRect">
+            <a:avLst>
+              <a:gd name="adj" fmla="val 3255"/>
+            </a:avLst>
+          </a:prstGeom>
+          <a:solidFill>
+            <a:srgbClr val="FFFFFF"/>
+          </a:solidFill>
+          <a:ln w="12700">
+            <a:solidFill>
+              <a:srgbClr val="9A9A9A"/>
+            </a:solidFill>
+            <a:miter lim="400000"/>
+          </a:ln>
+          <a:effectLst>
+            <a:outerShdw sx="100000" sy="100000" kx="0" ky="0" algn="b" rotWithShape="0" blurRad="50800" dist="63500" dir="2700000">
+              <a:srgbClr val="000000">
+                <a:alpha val="50000"/>
+              </a:srgbClr>
+            </a:outerShdw>
+          </a:effectLst>
+        </p:spPr>
+        <p:txBody>
+          <a:bodyPr lIns="50800" tIns="50800" rIns="50800" bIns="50800" anchor="ctr"/>
+          <a:lstStyle/>
+          <a:p>
+            <a:pPr algn="ctr">
+              <a:spcBef>
+                <a:spcPts val="0"/>
+              </a:spcBef>
+              <a:defRPr>
+                <a:solidFill>
+                  <a:srgbClr val="000000"/>
+                </a:solidFill>
+              </a:defRPr>
+            </a:pPr>
+          </a:p>
+        </p:txBody>
+      </p:sp>
+      <p:sp>
+        <p:nvSpPr>
+          <p:cNvPr id="221" name="TextBox 21"/>
+          <p:cNvSpPr txBox="1"/>
+          <p:nvPr/>
+        </p:nvSpPr>
+        <p:spPr>
+          <a:xfrm>
+            <a:off x="18434279" y="6881499"/>
+            <a:ext cx="3810002" cy="935242"/>
+          </a:xfrm>
+          <a:prstGeom prst="rect">
+            <a:avLst/>
+          </a:prstGeom>
+          <a:ln w="12700">
+            <a:miter lim="400000"/>
+          </a:ln>
+          <a:extLst>
+            <a:ext uri="{C572A759-6A51-4108-AA02-DFA0A04FC94B}">
+              <ma14:wrappingTextBoxFlag xmlns:ma14="http://schemas.microsoft.com/office/mac/drawingml/2011/main" val="1"/>
+            </a:ext>
+          </a:extLst>
+        </p:spPr>
+        <p:txBody>
+          <a:bodyPr lIns="50800" tIns="50800" rIns="50800" bIns="50800" anchor="ctr">
+            <a:spAutoFit/>
+          </a:bodyPr>
+          <a:lstStyle>
+            <a:lvl1pPr>
+              <a:defRPr sz="5200">
+                <a:latin typeface="Pretendard SemiBold"/>
+                <a:ea typeface="Pretendard SemiBold"/>
+                <a:cs typeface="Pretendard SemiBold"/>
+                <a:sym typeface="Pretendard SemiBold"/>
+              </a:defRPr>
+            </a:lvl1pPr>
+          </a:lstStyle>
+          <a:p>
+            <a:pPr/>
+            <a:r>
+              <a:t>전 영 은</a:t>
+            </a:r>
+          </a:p>
+        </p:txBody>
+      </p:sp>
+      <p:sp>
+        <p:nvSpPr>
+          <p:cNvPr id="223" name="사각형: 둥근 모서리 4"/>
+          <p:cNvSpPr/>
+          <p:nvPr/>
+        </p:nvSpPr>
+        <p:spPr>
+          <a:xfrm>
+            <a:off x="6871910" y="2606002"/>
+            <a:ext cx="5080002" cy="9821336"/>
+          </a:xfrm>
+          <a:prstGeom prst="roundRect">
+            <a:avLst>
+              <a:gd name="adj" fmla="val 3255"/>
+            </a:avLst>
+          </a:prstGeom>
+          <a:solidFill>
+            <a:srgbClr val="FFFFFF"/>
+          </a:solidFill>
+          <a:ln w="12700">
+            <a:miter lim="400000"/>
+          </a:ln>
+          <a:effectLst>
+            <a:outerShdw sx="100000" sy="100000" kx="0" ky="0" algn="b" rotWithShape="0" blurRad="127000" dist="101600" dir="2700000">
+              <a:srgbClr val="000000">
+                <a:alpha val="40000"/>
+              </a:srgbClr>
+            </a:outerShdw>
+          </a:effectLst>
+        </p:spPr>
+        <p:txBody>
+          <a:bodyPr lIns="50800" tIns="50800" rIns="50800" bIns="50800" anchor="ctr"/>
+          <a:lstStyle/>
+          <a:p>
+            <a:pPr algn="ctr">
+              <a:spcBef>
+                <a:spcPts val="0"/>
+              </a:spcBef>
+              <a:defRPr>
+                <a:solidFill>
+                  <a:srgbClr val="FFFFFF"/>
+                </a:solidFill>
+                <a:latin typeface="맑은 고딕"/>
+                <a:ea typeface="맑은 고딕"/>
+                <a:cs typeface="맑은 고딕"/>
+                <a:sym typeface="맑은 고딕"/>
+              </a:defRPr>
+            </a:pPr>
+          </a:p>
+        </p:txBody>
+      </p:sp>
+      <p:sp>
+        <p:nvSpPr>
+          <p:cNvPr id="225" name="TextBox 7"/>
+          <p:cNvSpPr txBox="1"/>
+          <p:nvPr/>
+        </p:nvSpPr>
+        <p:spPr>
+          <a:xfrm>
+            <a:off x="7253134" y="6864566"/>
+            <a:ext cx="3810002" cy="935242"/>
+          </a:xfrm>
+          <a:prstGeom prst="rect">
+            <a:avLst/>
+          </a:prstGeom>
+          <a:ln w="12700">
+            <a:miter lim="400000"/>
+          </a:ln>
+          <a:extLst>
+            <a:ext uri="{C572A759-6A51-4108-AA02-DFA0A04FC94B}">
+              <ma14:wrappingTextBoxFlag xmlns:ma14="http://schemas.microsoft.com/office/mac/drawingml/2011/main" val="1"/>
+            </a:ext>
+          </a:extLst>
+        </p:spPr>
+        <p:txBody>
+          <a:bodyPr lIns="50800" tIns="50800" rIns="50800" bIns="50800" anchor="ctr">
+            <a:spAutoFit/>
+          </a:bodyPr>
+          <a:lstStyle>
+            <a:lvl1pPr>
+              <a:defRPr sz="5200">
+                <a:latin typeface="Pretendard SemiBold"/>
+                <a:ea typeface="Pretendard SemiBold"/>
+                <a:cs typeface="Pretendard SemiBold"/>
+                <a:sym typeface="Pretendard SemiBold"/>
+              </a:defRPr>
+            </a:lvl1pPr>
+          </a:lstStyle>
+          <a:p>
+            <a:pPr/>
+            <a:r>
+              <a:t>임 석 규</a:t>
+            </a:r>
+          </a:p>
+        </p:txBody>
+      </p:sp>
+      <p:sp>
+        <p:nvSpPr>
+          <p:cNvPr id="231" name="텍스트"/>
+          <p:cNvSpPr txBox="1"/>
+          <p:nvPr/>
+        </p:nvSpPr>
+        <p:spPr>
+          <a:xfrm>
+            <a:off x="1665132" y="8548068"/>
+            <a:ext cx="3162147" cy="3844925"/>
+          </a:xfrm>
+          <a:prstGeom prst="rect">
+            <a:avLst/>
+          </a:prstGeom>
+          <a:ln w="12700">
+            <a:miter/>
+          </a:ln>
+        </p:spPr>
+        <p:txBody>
+          <a:bodyPr wrap="square" lIns="50800" tIns="50800" rIns="50800" bIns="50800" anchor="ctr">
+            <a:spAutoFit/>
+          </a:bodyPr>
+          <a:lstStyle>
+            <a:lvl1pPr>
+              <a:defRPr sz="4000"/>
+            </a:lvl1pPr>
+          </a:lstStyle>
+          <a:p>
+            <a:pPr>
+              <a:lnSpc>
+                <a:spcPct val="0"/>
+              </a:lnSpc>
+              <a:defRPr/>
+            </a:pPr>
+            <a:r>
+              <a:rPr lang="en-US" altLang="ko-KR"/>
+              <a:t>UI/UX</a:t>
+            </a:r>
+            <a:endParaRPr lang="en-US" altLang="ko-KR"/>
+          </a:p>
+          <a:p>
+            <a:pPr>
+              <a:lnSpc>
+                <a:spcPct val="0"/>
+              </a:lnSpc>
+              <a:defRPr/>
+            </a:pPr>
+            <a:r>
+              <a:rPr lang="ko-KR" altLang="en-US"/>
+              <a:t>저장 기능</a:t>
+            </a:r>
+            <a:endParaRPr lang="ko-KR" altLang="en-US"/>
+          </a:p>
+          <a:p>
+            <a:pPr>
+              <a:lnSpc>
+                <a:spcPct val="0"/>
+              </a:lnSpc>
+              <a:defRPr/>
+            </a:pPr>
+            <a:r>
+              <a:rPr lang="ko-KR" altLang="en-US"/>
+              <a:t>플레이어</a:t>
+            </a:r>
+            <a:endParaRPr lang="ko-KR" altLang="en-US"/>
+          </a:p>
+          <a:p>
+            <a:pPr>
+              <a:lnSpc>
+                <a:spcPct val="0"/>
+              </a:lnSpc>
+              <a:defRPr/>
+            </a:pPr>
+            <a:r>
+              <a:rPr lang="ko-KR" altLang="en-US"/>
+              <a:t>전투 기능</a:t>
+            </a:r>
+            <a:endParaRPr lang="ko-KR" altLang="en-US"/>
+          </a:p>
+          <a:p>
+            <a:pPr>
+              <a:lnSpc>
+                <a:spcPct val="0"/>
+              </a:lnSpc>
+              <a:defRPr/>
+            </a:pPr>
+            <a:r>
+              <a:rPr lang="ko-KR" altLang="en-US"/>
+              <a:t>디버깅</a:t>
+            </a:r>
+            <a:endParaRPr lang="ko-KR" altLang="en-US"/>
+          </a:p>
+          <a:p>
+            <a:pPr>
+              <a:lnSpc>
+                <a:spcPct val="0"/>
+              </a:lnSpc>
+              <a:defRPr/>
+            </a:pPr>
+            <a:endParaRPr lang="en-US" altLang="ko-KR"/>
+          </a:p>
+        </p:txBody>
+      </p:sp>
+      <p:sp>
+        <p:nvSpPr>
+          <p:cNvPr id="232" name="텍스트"/>
+          <p:cNvSpPr txBox="1"/>
+          <p:nvPr/>
+        </p:nvSpPr>
+        <p:spPr>
+          <a:xfrm>
+            <a:off x="7423922" y="8004490"/>
+            <a:ext cx="1432561" cy="711201"/>
+          </a:xfrm>
+          <a:prstGeom prst="rect">
+            <a:avLst/>
+          </a:prstGeom>
+          <a:ln w="12700">
+            <a:miter lim="400000"/>
+          </a:ln>
+        </p:spPr>
+        <p:txBody>
+          <a:bodyPr wrap="none" lIns="50800" tIns="50800" rIns="50800" bIns="50800" anchor="ctr">
+            <a:spAutoFit/>
+          </a:bodyPr>
+          <a:lstStyle/>
+          <a:p>
+            <a:pPr>
+              <a:defRPr sz="4000"/>
+            </a:pPr>
+          </a:p>
+        </p:txBody>
+      </p:sp>
+      <p:sp>
+        <p:nvSpPr>
+          <p:cNvPr id="235" name="텍스트"/>
+          <p:cNvSpPr txBox="1"/>
+          <p:nvPr/>
+        </p:nvSpPr>
+        <p:spPr>
+          <a:xfrm>
+            <a:off x="7253134" y="8548546"/>
+            <a:ext cx="3162148" cy="3101975"/>
+          </a:xfrm>
+          <a:prstGeom prst="rect">
+            <a:avLst/>
+          </a:prstGeom>
+          <a:ln w="12700">
+            <a:miter/>
+          </a:ln>
+        </p:spPr>
+        <p:txBody>
+          <a:bodyPr wrap="square" lIns="50800" tIns="50800" rIns="50800" bIns="50800" anchor="ctr">
+            <a:spAutoFit/>
+          </a:bodyPr>
+          <a:lstStyle>
+            <a:lvl1pPr>
+              <a:defRPr sz="4000"/>
+            </a:lvl1pPr>
+          </a:lstStyle>
+          <a:p>
+            <a:pPr>
+              <a:lnSpc>
+                <a:spcPct val="0"/>
+              </a:lnSpc>
+              <a:defRPr/>
+            </a:pPr>
+            <a:r>
+              <a:rPr lang="ko-KR" altLang="en-US"/>
+              <a:t>직업</a:t>
+            </a:r>
+            <a:endParaRPr lang="ko-KR" altLang="en-US"/>
+          </a:p>
+          <a:p>
+            <a:pPr>
+              <a:lnSpc>
+                <a:spcPct val="0"/>
+              </a:lnSpc>
+              <a:defRPr/>
+            </a:pPr>
+            <a:r>
+              <a:rPr lang="ko-KR" altLang="en-US"/>
+              <a:t>스테이터스</a:t>
+            </a:r>
+            <a:endParaRPr lang="ko-KR" altLang="en-US"/>
+          </a:p>
+          <a:p>
+            <a:pPr>
+              <a:lnSpc>
+                <a:spcPct val="0"/>
+              </a:lnSpc>
+              <a:defRPr/>
+            </a:pPr>
+            <a:r>
+              <a:rPr lang="ko-KR" altLang="en-US"/>
+              <a:t>던전 시스템</a:t>
+            </a:r>
+            <a:endParaRPr lang="ko-KR" altLang="en-US"/>
+          </a:p>
+          <a:p>
+            <a:pPr>
+              <a:lnSpc>
+                <a:spcPct val="0"/>
+              </a:lnSpc>
+              <a:defRPr/>
+            </a:pPr>
+            <a:r>
+              <a:rPr lang="ko-KR" altLang="en-US"/>
+              <a:t>전투 기능</a:t>
+            </a:r>
+            <a:endParaRPr lang="ko-KR" altLang="en-US"/>
+          </a:p>
+          <a:p>
+            <a:pPr>
+              <a:lnSpc>
+                <a:spcPct val="0"/>
+              </a:lnSpc>
+              <a:defRPr/>
+            </a:pPr>
+            <a:r>
+              <a:rPr lang="ko-KR" altLang="en-US"/>
+              <a:t>발표자료</a:t>
+            </a:r>
+            <a:endParaRPr lang="ko-KR" altLang="en-US"/>
+          </a:p>
+        </p:txBody>
+      </p:sp>
+      <p:sp>
+        <p:nvSpPr>
+          <p:cNvPr id="236" name="텍스트"/>
+          <p:cNvSpPr txBox="1"/>
+          <p:nvPr/>
+        </p:nvSpPr>
+        <p:spPr>
+          <a:xfrm>
+            <a:off x="12860641" y="8548068"/>
+            <a:ext cx="3162148" cy="4597402"/>
+          </a:xfrm>
+          <a:prstGeom prst="rect">
+            <a:avLst/>
+          </a:prstGeom>
+          <a:ln w="12700">
+            <a:miter/>
+          </a:ln>
+        </p:spPr>
+        <p:txBody>
+          <a:bodyPr wrap="square" lIns="50800" tIns="50800" rIns="50800" bIns="50800" anchor="ctr">
+            <a:spAutoFit/>
+          </a:bodyPr>
+          <a:lstStyle>
+            <a:lvl1pPr>
+              <a:defRPr sz="4000"/>
+            </a:lvl1pPr>
+          </a:lstStyle>
+          <a:p>
+            <a:pPr>
+              <a:lnSpc>
+                <a:spcPct val="0"/>
+              </a:lnSpc>
+              <a:defRPr/>
+            </a:pPr>
+            <a:r>
+              <a:rPr lang="ko-KR" altLang="en-US"/>
+              <a:t>아이템</a:t>
+            </a:r>
+            <a:endParaRPr lang="ko-KR" altLang="en-US"/>
+          </a:p>
+          <a:p>
+            <a:pPr>
+              <a:lnSpc>
+                <a:spcPct val="0"/>
+              </a:lnSpc>
+              <a:defRPr/>
+            </a:pPr>
+            <a:r>
+              <a:rPr lang="ko-KR" altLang="en-US"/>
+              <a:t>스킬</a:t>
+            </a:r>
+            <a:endParaRPr lang="ko-KR" altLang="en-US"/>
+          </a:p>
+          <a:p>
+            <a:pPr>
+              <a:lnSpc>
+                <a:spcPct val="0"/>
+              </a:lnSpc>
+              <a:defRPr/>
+            </a:pPr>
+            <a:r>
+              <a:rPr lang="ko-KR" altLang="en-US"/>
+              <a:t>몬스터</a:t>
+            </a:r>
+            <a:endParaRPr lang="ko-KR" altLang="en-US"/>
+          </a:p>
+          <a:p>
+            <a:pPr>
+              <a:lnSpc>
+                <a:spcPct val="0"/>
+              </a:lnSpc>
+              <a:defRPr/>
+            </a:pPr>
+            <a:r>
+              <a:rPr lang="ko-KR" altLang="en-US"/>
+              <a:t>던전 시스템</a:t>
+            </a:r>
+            <a:endParaRPr lang="ko-KR" altLang="en-US"/>
+          </a:p>
+          <a:p>
+            <a:pPr>
+              <a:lnSpc>
+                <a:spcPct val="0"/>
+              </a:lnSpc>
+              <a:defRPr/>
+            </a:pPr>
+            <a:r>
+              <a:rPr lang="ko-KR" altLang="en-US"/>
+              <a:t>전투 기능</a:t>
+            </a:r>
+            <a:endParaRPr lang="ko-KR" altLang="en-US"/>
+          </a:p>
+          <a:p>
+            <a:pPr>
+              <a:lnSpc>
+                <a:spcPct val="0"/>
+              </a:lnSpc>
+              <a:defRPr/>
+            </a:pPr>
+            <a:endParaRPr lang="ko-KR" altLang="en-US"/>
+          </a:p>
+          <a:p>
+            <a:pPr>
+              <a:lnSpc>
+                <a:spcPct val="0"/>
+              </a:lnSpc>
+              <a:defRPr/>
+            </a:pPr>
+            <a:endParaRPr lang="ko-KR" altLang="en-US"/>
+          </a:p>
+        </p:txBody>
+      </p:sp>
+      <p:sp>
+        <p:nvSpPr>
+          <p:cNvPr id="237" name="텍스트"/>
+          <p:cNvSpPr txBox="1"/>
+          <p:nvPr/>
+        </p:nvSpPr>
+        <p:spPr>
+          <a:xfrm>
+            <a:off x="18434280" y="8548546"/>
+            <a:ext cx="4037770" cy="3844925"/>
+          </a:xfrm>
+          <a:prstGeom prst="rect">
+            <a:avLst/>
+          </a:prstGeom>
+          <a:ln w="12700">
+            <a:miter/>
+          </a:ln>
+        </p:spPr>
+        <p:txBody>
+          <a:bodyPr wrap="square" lIns="50800" tIns="50800" rIns="50800" bIns="50800" anchor="ctr">
+            <a:spAutoFit/>
+          </a:bodyPr>
+          <a:lstStyle>
+            <a:lvl1pPr>
+              <a:defRPr sz="4000"/>
+            </a:lvl1pPr>
+          </a:lstStyle>
+          <a:p>
+            <a:pPr>
+              <a:lnSpc>
+                <a:spcPct val="0"/>
+              </a:lnSpc>
+              <a:defRPr/>
+            </a:pPr>
+            <a:r>
+              <a:rPr lang="ko-KR" altLang="en-US"/>
+              <a:t>인벤토리</a:t>
+            </a:r>
+            <a:endParaRPr lang="ko-KR" altLang="en-US"/>
+          </a:p>
+          <a:p>
+            <a:pPr>
+              <a:lnSpc>
+                <a:spcPct val="0"/>
+              </a:lnSpc>
+              <a:defRPr/>
+            </a:pPr>
+            <a:r>
+              <a:rPr lang="ko-KR" altLang="en-US"/>
+              <a:t>상점</a:t>
+            </a:r>
+            <a:endParaRPr lang="ko-KR" altLang="en-US"/>
+          </a:p>
+          <a:p>
+            <a:pPr>
+              <a:lnSpc>
+                <a:spcPct val="0"/>
+              </a:lnSpc>
+              <a:defRPr/>
+            </a:pPr>
+            <a:r>
+              <a:rPr lang="ko-KR" altLang="en-US"/>
+              <a:t>아이템 기획</a:t>
+            </a:r>
+            <a:endParaRPr lang="ko-KR" altLang="en-US"/>
+          </a:p>
+          <a:p>
+            <a:pPr>
+              <a:lnSpc>
+                <a:spcPct val="0"/>
+              </a:lnSpc>
+              <a:defRPr/>
+            </a:pPr>
+            <a:r>
+              <a:rPr lang="ko-KR" altLang="en-US"/>
+              <a:t>휴식기능</a:t>
+            </a:r>
+            <a:endParaRPr lang="ko-KR" altLang="en-US"/>
+          </a:p>
+          <a:p>
+            <a:pPr>
+              <a:lnSpc>
+                <a:spcPct val="0"/>
+              </a:lnSpc>
+              <a:defRPr/>
+            </a:pPr>
+            <a:r>
+              <a:rPr lang="ko-KR" altLang="en-US"/>
+              <a:t>장비 장착</a:t>
+            </a:r>
+            <a:r>
+              <a:rPr lang="en-US" altLang="ko-KR"/>
+              <a:t>/</a:t>
+            </a:r>
+            <a:r>
+              <a:rPr lang="ko-KR" altLang="en-US"/>
+              <a:t>해제</a:t>
+            </a:r>
+            <a:endParaRPr lang="en-US" altLang="ko-KR"/>
+          </a:p>
+          <a:p>
+            <a:pPr>
+              <a:lnSpc>
+                <a:spcPct val="0"/>
+              </a:lnSpc>
+              <a:defRPr/>
+            </a:pPr>
+            <a:endParaRPr lang="ko-KR" altLang="en-US"/>
+          </a:p>
+        </p:txBody>
+      </p:sp>
+      <p:pic>
+        <p:nvPicPr>
+          <p:cNvPr id="238" name=""/>
+          <p:cNvPicPr>
+            <a:picLocks noChangeAspect="1"/>
+          </p:cNvPicPr>
+          <p:nvPr/>
+        </p:nvPicPr>
+        <p:blipFill rotWithShape="1">
+          <a:blip r:embed="rId2"/>
+          <a:stretch>
+            <a:fillRect/>
+          </a:stretch>
+        </p:blipFill>
+        <p:spPr>
+          <a:xfrm>
+            <a:off x="12693630" y="2816589"/>
+            <a:ext cx="4570228" cy="3311363"/>
+          </a:xfrm>
+          <a:prstGeom prst="rect">
+            <a:avLst/>
+          </a:prstGeom>
+        </p:spPr>
+      </p:pic>
+      <p:pic>
+        <p:nvPicPr>
+          <p:cNvPr id="239" name=""/>
+          <p:cNvPicPr>
+            <a:picLocks noChangeAspect="1"/>
+          </p:cNvPicPr>
+          <p:nvPr/>
+        </p:nvPicPr>
+        <p:blipFill rotWithShape="1">
+          <a:blip r:embed="rId3"/>
+          <a:stretch>
+            <a:fillRect/>
+          </a:stretch>
+        </p:blipFill>
+        <p:spPr>
+          <a:xfrm>
+            <a:off x="1585430" y="2816589"/>
+            <a:ext cx="4476962" cy="3311362"/>
+          </a:xfrm>
+          <a:prstGeom prst="rect">
+            <a:avLst/>
+          </a:prstGeom>
+        </p:spPr>
+      </p:pic>
+      <p:pic>
+        <p:nvPicPr>
+          <p:cNvPr id="240" name=""/>
+          <p:cNvPicPr>
+            <a:picLocks noChangeAspect="1"/>
+          </p:cNvPicPr>
+          <p:nvPr/>
+        </p:nvPicPr>
+        <p:blipFill rotWithShape="1">
+          <a:blip r:embed="rId4"/>
+          <a:stretch>
+            <a:fillRect/>
+          </a:stretch>
+        </p:blipFill>
+        <p:spPr>
+          <a:xfrm>
+            <a:off x="18251016" y="2816589"/>
+            <a:ext cx="4597595" cy="3311363"/>
+          </a:xfrm>
+          <a:prstGeom prst="rect">
+            <a:avLst/>
+          </a:prstGeom>
+        </p:spPr>
+      </p:pic>
+      <p:pic>
+        <p:nvPicPr>
+          <p:cNvPr id="241" name=""/>
+          <p:cNvPicPr>
+            <a:picLocks noChangeAspect="1"/>
+          </p:cNvPicPr>
+          <p:nvPr/>
+        </p:nvPicPr>
+        <p:blipFill rotWithShape="1">
+          <a:blip r:embed="rId5"/>
+          <a:stretch>
+            <a:fillRect/>
+          </a:stretch>
+        </p:blipFill>
+        <p:spPr>
+          <a:xfrm>
+            <a:off x="7253134" y="2816589"/>
+            <a:ext cx="4505625" cy="3311363"/>
+          </a:xfrm>
+          <a:prstGeom prst="rect">
+            <a:avLst/>
+          </a:prstGeom>
+        </p:spPr>
+      </p:pic>
     </p:spTree>
   </p:cSld>
   <p:clrMapOvr>
     <a:masterClrMapping/>
   </p:clrMapOvr>
-  <p:transition xmlns:p14="http://schemas.microsoft.com/office/powerpoint/2010/main" spd="med" advClick="1"/>
+  <mc:AlternateContent xmlns:mc="http://schemas.openxmlformats.org/markup-compatibility/2006">
+    <mc:Choice xmlns:p14="http://schemas.microsoft.com/office/powerpoint/2010/main" Requires="p14">
+      <p:transition xmlns:mc="http://schemas.openxmlformats.org/markup-compatibility/2006" xmlns:p14="http://schemas.microsoft.com/office/powerpoint/2010/main" mc:Ignorable="p14" p14:dur="750"/>
+    </mc:Choice>
+    <mc:Fallback>
+      <p:transition/>
+    </mc:Fallback>
+  </mc:AlternateContent>
 </p:sld>
 </file>
 
 <file path=ppt/theme/theme1.xml><?xml version="1.0" encoding="utf-8"?>
-<a:theme xmlns:a="http://schemas.openxmlformats.org/drawingml/2006/main" xmlns:r="http://schemas.openxmlformats.org/officeDocument/2006/relationships" name="ModernPortfolio">
+<a:theme xmlns:r="http://schemas.openxmlformats.org/officeDocument/2006/relationships" xmlns:c="http://schemas.openxmlformats.org/drawingml/2006/chart" xmlns:dgm="http://schemas.openxmlformats.org/drawingml/2006/diagram" xmlns:dsp="http://schemas.microsoft.com/office/drawing/2008/diagram" xmlns:a="http://schemas.openxmlformats.org/drawingml/2006/main" xmlns:pic="http://schemas.openxmlformats.org/drawingml/2006/picture" xmlns:wp="http://schemas.openxmlformats.org/drawingml/2006/wordprocessingDrawing" xmlns:xdr="http://schemas.openxmlformats.org/drawingml/2006/spreadsheetDrawing" xmlns:lc="http://schemas.openxmlformats.org/drawingml/2006/lockedCanvas" xmlns:p="http://schemas.openxmlformats.org/presentationml/2006/main" name="ModernPortfolio">
   <a:themeElements>
     <a:clrScheme name="ModernPortfolio">
       <a:dk1>
         <a:srgbClr val="747474"/>
       </a:dk1>
       <a:lt1>
-        <a:srgbClr val="FFFFFF"/>
+        <a:srgbClr val="ffffff"/>
       </a:lt1>
       <a:dk2>
-        <a:srgbClr val="A7A7A7"/>
+        <a:srgbClr val="a7a7a7"/>
       </a:dk2>
       <a:lt2>
         <a:srgbClr val="535353"/>
       </a:lt2>
       <a:accent1>
-        <a:srgbClr val="557E8A"/>
+        <a:srgbClr val="557e8a"/>
       </a:accent1>
       <a:accent2>
-        <a:srgbClr val="88885A"/>
+        <a:srgbClr val="88885a"/>
       </a:accent2>
       <a:accent3>
-        <a:srgbClr val="B29E85"/>
+        <a:srgbClr val="b29e85"/>
       </a:accent3>
       <a:accent4>
-        <a:srgbClr val="BB7B52"/>
+        <a:srgbClr val="bb7b52"/>
       </a:accent4>
       <a:accent5>
-        <a:srgbClr val="CF7F66"/>
+        <a:srgbClr val="cf7f66"/>
       </a:accent5>
       <a:accent6>
-        <a:srgbClr val="62647B"/>
+        <a:srgbClr val="62647b"/>
       </a:accent6>
       <a:hlink>
-        <a:srgbClr val="0000FF"/>
+        <a:srgbClr val="0000ff"/>
       </a:hlink>
       <a:folHlink>
-        <a:srgbClr val="FF00FF"/>
+        <a:srgbClr val="ff00ff"/>
       </a:folHlink>
     </a:clrScheme>
     <a:fontScheme name="ModernPortfolio">
@@ -9048,7 +8744,7 @@
               <a:schemeClr val="phClr">
                 <a:tint val="100000"/>
                 <a:shade val="100000"/>
-                <a:satMod val="129999"/>
+                <a:satMod val="130000"/>
               </a:schemeClr>
             </a:gs>
             <a:gs pos="100000">
@@ -9067,7 +8763,7 @@
           <a:solidFill>
             <a:schemeClr val="phClr">
               <a:shade val="95000"/>
-              <a:satMod val="104999"/>
+              <a:satMod val="105000"/>
             </a:schemeClr>
           </a:solidFill>
           <a:prstDash val="solid"/>
@@ -9152,7 +8848,7 @@
     <a:spDef>
       <a:spPr>
         <a:solidFill>
-          <a:srgbClr val="FFFFFF"/>
+          <a:srgbClr val="ffffff"/>
         </a:solidFill>
         <a:ln w="25400" cap="flat">
           <a:solidFill>
@@ -9179,14 +8875,9 @@
             <a:spcPts val="0"/>
           </a:spcAft>
           <a:buClrTx/>
-          <a:buSzTx/>
           <a:buFontTx/>
           <a:buNone/>
-          <a:tabLst/>
-          <a:defRPr b="0" baseline="0" cap="none" i="0" spc="0" strike="noStrike" sz="5000" u="none" kumimoji="0" normalizeH="0">
-            <a:ln>
-              <a:noFill/>
-            </a:ln>
+          <a:defRPr kumimoji="0" sz="5000" b="0" i="0" u="none" strike="noStrike" cap="none" spc="0" normalizeH="0" baseline="0">
             <a:solidFill>
               <a:srgbClr val="747474"/>
             </a:solidFill>
@@ -9209,14 +8900,9 @@
             <a:spcPts val="0"/>
           </a:spcAft>
           <a:buClrTx/>
-          <a:buSzTx/>
           <a:buFontTx/>
           <a:buNone/>
-          <a:tabLst/>
-          <a:defRPr b="0" baseline="0" cap="none" i="0" spc="0" strike="noStrike" sz="1800" u="none" kumimoji="0" normalizeH="0">
-            <a:ln>
-              <a:noFill/>
-            </a:ln>
+          <a:defRPr kumimoji="0" sz="1800" b="0" i="0" u="none" strike="noStrike" cap="none" spc="0" normalizeH="0" baseline="0">
             <a:solidFill>
               <a:srgbClr val="000000"/>
             </a:solidFill>
@@ -9235,14 +8921,9 @@
             <a:spcPts val="0"/>
           </a:spcAft>
           <a:buClrTx/>
-          <a:buSzTx/>
           <a:buFontTx/>
           <a:buNone/>
-          <a:tabLst/>
-          <a:defRPr b="0" baseline="0" cap="none" i="0" spc="0" strike="noStrike" sz="1800" u="none" kumimoji="0" normalizeH="0">
-            <a:ln>
-              <a:noFill/>
-            </a:ln>
+          <a:defRPr kumimoji="0" sz="1800" b="0" i="0" u="none" strike="noStrike" cap="none" spc="0" normalizeH="0" baseline="0">
             <a:solidFill>
               <a:srgbClr val="000000"/>
             </a:solidFill>
@@ -9261,14 +8942,9 @@
             <a:spcPts val="0"/>
           </a:spcAft>
           <a:buClrTx/>
-          <a:buSzTx/>
           <a:buFontTx/>
           <a:buNone/>
-          <a:tabLst/>
-          <a:defRPr b="0" baseline="0" cap="none" i="0" spc="0" strike="noStrike" sz="1800" u="none" kumimoji="0" normalizeH="0">
-            <a:ln>
-              <a:noFill/>
-            </a:ln>
+          <a:defRPr kumimoji="0" sz="1800" b="0" i="0" u="none" strike="noStrike" cap="none" spc="0" normalizeH="0" baseline="0">
             <a:solidFill>
               <a:srgbClr val="000000"/>
             </a:solidFill>
@@ -9287,14 +8963,9 @@
             <a:spcPts val="0"/>
           </a:spcAft>
           <a:buClrTx/>
-          <a:buSzTx/>
           <a:buFontTx/>
           <a:buNone/>
-          <a:tabLst/>
-          <a:defRPr b="0" baseline="0" cap="none" i="0" spc="0" strike="noStrike" sz="1800" u="none" kumimoji="0" normalizeH="0">
-            <a:ln>
-              <a:noFill/>
-            </a:ln>
+          <a:defRPr kumimoji="0" sz="1800" b="0" i="0" u="none" strike="noStrike" cap="none" spc="0" normalizeH="0" baseline="0">
             <a:solidFill>
               <a:srgbClr val="000000"/>
             </a:solidFill>
@@ -9313,14 +8984,9 @@
             <a:spcPts val="0"/>
           </a:spcAft>
           <a:buClrTx/>
-          <a:buSzTx/>
           <a:buFontTx/>
           <a:buNone/>
-          <a:tabLst/>
-          <a:defRPr b="0" baseline="0" cap="none" i="0" spc="0" strike="noStrike" sz="1800" u="none" kumimoji="0" normalizeH="0">
-            <a:ln>
-              <a:noFill/>
-            </a:ln>
+          <a:defRPr kumimoji="0" sz="1800" b="0" i="0" u="none" strike="noStrike" cap="none" spc="0" normalizeH="0" baseline="0">
             <a:solidFill>
               <a:srgbClr val="000000"/>
             </a:solidFill>
@@ -9339,14 +9005,9 @@
             <a:spcPts val="0"/>
           </a:spcAft>
           <a:buClrTx/>
-          <a:buSzTx/>
           <a:buFontTx/>
           <a:buNone/>
-          <a:tabLst/>
-          <a:defRPr b="0" baseline="0" cap="none" i="0" spc="0" strike="noStrike" sz="1800" u="none" kumimoji="0" normalizeH="0">
-            <a:ln>
-              <a:noFill/>
-            </a:ln>
+          <a:defRPr kumimoji="0" sz="1800" b="0" i="0" u="none" strike="noStrike" cap="none" spc="0" normalizeH="0" baseline="0">
             <a:solidFill>
               <a:srgbClr val="000000"/>
             </a:solidFill>
@@ -9365,14 +9026,9 @@
             <a:spcPts val="0"/>
           </a:spcAft>
           <a:buClrTx/>
-          <a:buSzTx/>
           <a:buFontTx/>
           <a:buNone/>
-          <a:tabLst/>
-          <a:defRPr b="0" baseline="0" cap="none" i="0" spc="0" strike="noStrike" sz="1800" u="none" kumimoji="0" normalizeH="0">
-            <a:ln>
-              <a:noFill/>
-            </a:ln>
+          <a:defRPr kumimoji="0" sz="1800" b="0" i="0" u="none" strike="noStrike" cap="none" spc="0" normalizeH="0" baseline="0">
             <a:solidFill>
               <a:srgbClr val="000000"/>
             </a:solidFill>
@@ -9391,14 +9047,9 @@
             <a:spcPts val="0"/>
           </a:spcAft>
           <a:buClrTx/>
-          <a:buSzTx/>
           <a:buFontTx/>
           <a:buNone/>
-          <a:tabLst/>
-          <a:defRPr b="0" baseline="0" cap="none" i="0" spc="0" strike="noStrike" sz="1800" u="none" kumimoji="0" normalizeH="0">
-            <a:ln>
-              <a:noFill/>
-            </a:ln>
+          <a:defRPr kumimoji="0" sz="1800" b="0" i="0" u="none" strike="noStrike" cap="none" spc="0" normalizeH="0" baseline="0">
             <a:solidFill>
               <a:srgbClr val="000000"/>
             </a:solidFill>
@@ -9417,14 +9068,9 @@
             <a:spcPts val="0"/>
           </a:spcAft>
           <a:buClrTx/>
-          <a:buSzTx/>
           <a:buFontTx/>
           <a:buNone/>
-          <a:tabLst/>
-          <a:defRPr b="0" baseline="0" cap="none" i="0" spc="0" strike="noStrike" sz="1800" u="none" kumimoji="0" normalizeH="0">
-            <a:ln>
-              <a:noFill/>
-            </a:ln>
+          <a:defRPr kumimoji="0" sz="1800" b="0" i="0" u="none" strike="noStrike" cap="none" spc="0" normalizeH="0" baseline="0">
             <a:solidFill>
               <a:srgbClr val="000000"/>
             </a:solidFill>
@@ -9433,12 +9079,6 @@
           </a:defRPr>
         </a:lvl9pPr>
       </a:lstStyle>
-      <a:style>
-        <a:lnRef idx="0"/>
-        <a:fillRef idx="0"/>
-        <a:effectRef idx="0"/>
-        <a:fontRef idx="none"/>
-      </a:style>
     </a:spDef>
     <a:lnDef>
       <a:spPr>
@@ -9468,14 +9108,9 @@
             <a:spcPts val="0"/>
           </a:spcAft>
           <a:buClrTx/>
-          <a:buSzTx/>
           <a:buFontTx/>
           <a:buNone/>
-          <a:tabLst/>
-          <a:defRPr b="0" baseline="0" cap="none" i="0" spc="0" strike="noStrike" sz="1800" u="none" kumimoji="0" normalizeH="0">
-            <a:ln>
-              <a:noFill/>
-            </a:ln>
+          <a:defRPr kumimoji="0" sz="1800" b="0" i="0" u="none" strike="noStrike" cap="none" spc="0" normalizeH="0" baseline="0">
             <a:solidFill>
               <a:srgbClr val="000000"/>
             </a:solidFill>
@@ -9494,14 +9129,9 @@
             <a:spcPts val="0"/>
           </a:spcAft>
           <a:buClrTx/>
-          <a:buSzTx/>
           <a:buFontTx/>
           <a:buNone/>
-          <a:tabLst/>
-          <a:defRPr b="0" baseline="0" cap="none" i="0" spc="0" strike="noStrike" sz="1800" u="none" kumimoji="0" normalizeH="0">
-            <a:ln>
-              <a:noFill/>
-            </a:ln>
+          <a:defRPr kumimoji="0" sz="1800" b="0" i="0" u="none" strike="noStrike" cap="none" spc="0" normalizeH="0" baseline="0">
             <a:solidFill>
               <a:srgbClr val="000000"/>
             </a:solidFill>
@@ -9520,14 +9150,9 @@
             <a:spcPts val="0"/>
           </a:spcAft>
           <a:buClrTx/>
-          <a:buSzTx/>
           <a:buFontTx/>
           <a:buNone/>
-          <a:tabLst/>
-          <a:defRPr b="0" baseline="0" cap="none" i="0" spc="0" strike="noStrike" sz="1800" u="none" kumimoji="0" normalizeH="0">
-            <a:ln>
-              <a:noFill/>
-            </a:ln>
+          <a:defRPr kumimoji="0" sz="1800" b="0" i="0" u="none" strike="noStrike" cap="none" spc="0" normalizeH="0" baseline="0">
             <a:solidFill>
               <a:srgbClr val="000000"/>
             </a:solidFill>
@@ -9546,14 +9171,9 @@
             <a:spcPts val="0"/>
           </a:spcAft>
           <a:buClrTx/>
-          <a:buSzTx/>
           <a:buFontTx/>
           <a:buNone/>
-          <a:tabLst/>
-          <a:defRPr b="0" baseline="0" cap="none" i="0" spc="0" strike="noStrike" sz="1800" u="none" kumimoji="0" normalizeH="0">
-            <a:ln>
-              <a:noFill/>
-            </a:ln>
+          <a:defRPr kumimoji="0" sz="1800" b="0" i="0" u="none" strike="noStrike" cap="none" spc="0" normalizeH="0" baseline="0">
             <a:solidFill>
               <a:srgbClr val="000000"/>
             </a:solidFill>
@@ -9572,14 +9192,9 @@
             <a:spcPts val="0"/>
           </a:spcAft>
           <a:buClrTx/>
-          <a:buSzTx/>
           <a:buFontTx/>
           <a:buNone/>
-          <a:tabLst/>
-          <a:defRPr b="0" baseline="0" cap="none" i="0" spc="0" strike="noStrike" sz="1800" u="none" kumimoji="0" normalizeH="0">
-            <a:ln>
-              <a:noFill/>
-            </a:ln>
+          <a:defRPr kumimoji="0" sz="1800" b="0" i="0" u="none" strike="noStrike" cap="none" spc="0" normalizeH="0" baseline="0">
             <a:solidFill>
               <a:srgbClr val="000000"/>
             </a:solidFill>
@@ -9598,14 +9213,9 @@
             <a:spcPts val="0"/>
           </a:spcAft>
           <a:buClrTx/>
-          <a:buSzTx/>
           <a:buFontTx/>
           <a:buNone/>
-          <a:tabLst/>
-          <a:defRPr b="0" baseline="0" cap="none" i="0" spc="0" strike="noStrike" sz="1800" u="none" kumimoji="0" normalizeH="0">
-            <a:ln>
-              <a:noFill/>
-            </a:ln>
+          <a:defRPr kumimoji="0" sz="1800" b="0" i="0" u="none" strike="noStrike" cap="none" spc="0" normalizeH="0" baseline="0">
             <a:solidFill>
               <a:srgbClr val="000000"/>
             </a:solidFill>
@@ -9624,14 +9234,9 @@
             <a:spcPts val="0"/>
           </a:spcAft>
           <a:buClrTx/>
-          <a:buSzTx/>
           <a:buFontTx/>
           <a:buNone/>
-          <a:tabLst/>
-          <a:defRPr b="0" baseline="0" cap="none" i="0" spc="0" strike="noStrike" sz="1800" u="none" kumimoji="0" normalizeH="0">
-            <a:ln>
-              <a:noFill/>
-            </a:ln>
+          <a:defRPr kumimoji="0" sz="1800" b="0" i="0" u="none" strike="noStrike" cap="none" spc="0" normalizeH="0" baseline="0">
             <a:solidFill>
               <a:srgbClr val="000000"/>
             </a:solidFill>
@@ -9650,14 +9255,9 @@
             <a:spcPts val="0"/>
           </a:spcAft>
           <a:buClrTx/>
-          <a:buSzTx/>
           <a:buFontTx/>
           <a:buNone/>
-          <a:tabLst/>
-          <a:defRPr b="0" baseline="0" cap="none" i="0" spc="0" strike="noStrike" sz="1800" u="none" kumimoji="0" normalizeH="0">
-            <a:ln>
-              <a:noFill/>
-            </a:ln>
+          <a:defRPr kumimoji="0" sz="1800" b="0" i="0" u="none" strike="noStrike" cap="none" spc="0" normalizeH="0" baseline="0">
             <a:solidFill>
               <a:srgbClr val="000000"/>
             </a:solidFill>
@@ -9676,14 +9276,9 @@
             <a:spcPts val="0"/>
           </a:spcAft>
           <a:buClrTx/>
-          <a:buSzTx/>
           <a:buFontTx/>
           <a:buNone/>
-          <a:tabLst/>
-          <a:defRPr b="0" baseline="0" cap="none" i="0" spc="0" strike="noStrike" sz="1800" u="none" kumimoji="0" normalizeH="0">
-            <a:ln>
-              <a:noFill/>
-            </a:ln>
+          <a:defRPr kumimoji="0" sz="1800" b="0" i="0" u="none" strike="noStrike" cap="none" spc="0" normalizeH="0" baseline="0">
             <a:solidFill>
               <a:srgbClr val="000000"/>
             </a:solidFill>
@@ -9702,14 +9297,9 @@
             <a:spcPts val="0"/>
           </a:spcAft>
           <a:buClrTx/>
-          <a:buSzTx/>
           <a:buFontTx/>
           <a:buNone/>
-          <a:tabLst/>
-          <a:defRPr b="0" baseline="0" cap="none" i="0" spc="0" strike="noStrike" sz="1800" u="none" kumimoji="0" normalizeH="0">
-            <a:ln>
-              <a:noFill/>
-            </a:ln>
+          <a:defRPr kumimoji="0" sz="1800" b="0" i="0" u="none" strike="noStrike" cap="none" spc="0" normalizeH="0" baseline="0">
             <a:solidFill>
               <a:srgbClr val="000000"/>
             </a:solidFill>
@@ -9718,19 +9308,13 @@
           </a:defRPr>
         </a:lvl9pPr>
       </a:lstStyle>
-      <a:style>
-        <a:lnRef idx="0"/>
-        <a:fillRef idx="0"/>
-        <a:effectRef idx="0"/>
-        <a:fontRef idx="none"/>
-      </a:style>
     </a:lnDef>
     <a:txDef>
       <a:spPr>
         <a:noFill/>
         <a:ln w="12700" cap="flat">
           <a:noFill/>
-          <a:miter lim="400000"/>
+          <a:miter/>
         </a:ln>
         <a:effectLst/>
         <a:sp3d/>
@@ -9750,14 +9334,9 @@
             <a:spcPts val="0"/>
           </a:spcAft>
           <a:buClrTx/>
-          <a:buSzTx/>
           <a:buFontTx/>
           <a:buNone/>
-          <a:tabLst/>
-          <a:defRPr b="0" baseline="0" cap="none" i="0" spc="0" strike="noStrike" sz="5000" u="none" kumimoji="0" normalizeH="0">
-            <a:ln>
-              <a:noFill/>
-            </a:ln>
+          <a:defRPr kumimoji="0" sz="5000" b="0" i="0" u="none" strike="noStrike" cap="none" spc="0" normalizeH="0" baseline="0">
             <a:solidFill>
               <a:srgbClr val="747474"/>
             </a:solidFill>
@@ -9780,14 +9359,9 @@
             <a:spcPts val="0"/>
           </a:spcAft>
           <a:buClrTx/>
-          <a:buSzTx/>
           <a:buFontTx/>
           <a:buNone/>
-          <a:tabLst/>
-          <a:defRPr b="0" baseline="0" cap="none" i="0" spc="0" strike="noStrike" sz="1800" u="none" kumimoji="0" normalizeH="0">
-            <a:ln>
-              <a:noFill/>
-            </a:ln>
+          <a:defRPr kumimoji="0" sz="1800" b="0" i="0" u="none" strike="noStrike" cap="none" spc="0" normalizeH="0" baseline="0">
             <a:solidFill>
               <a:srgbClr val="000000"/>
             </a:solidFill>
@@ -9806,14 +9380,9 @@
             <a:spcPts val="0"/>
           </a:spcAft>
           <a:buClrTx/>
-          <a:buSzTx/>
           <a:buFontTx/>
           <a:buNone/>
-          <a:tabLst/>
-          <a:defRPr b="0" baseline="0" cap="none" i="0" spc="0" strike="noStrike" sz="1800" u="none" kumimoji="0" normalizeH="0">
-            <a:ln>
-              <a:noFill/>
-            </a:ln>
+          <a:defRPr kumimoji="0" sz="1800" b="0" i="0" u="none" strike="noStrike" cap="none" spc="0" normalizeH="0" baseline="0">
             <a:solidFill>
               <a:srgbClr val="000000"/>
             </a:solidFill>
@@ -9832,14 +9401,9 @@
             <a:spcPts val="0"/>
           </a:spcAft>
           <a:buClrTx/>
-          <a:buSzTx/>
           <a:buFontTx/>
           <a:buNone/>
-          <a:tabLst/>
-          <a:defRPr b="0" baseline="0" cap="none" i="0" spc="0" strike="noStrike" sz="1800" u="none" kumimoji="0" normalizeH="0">
-            <a:ln>
-              <a:noFill/>
-            </a:ln>
+          <a:defRPr kumimoji="0" sz="1800" b="0" i="0" u="none" strike="noStrike" cap="none" spc="0" normalizeH="0" baseline="0">
             <a:solidFill>
               <a:srgbClr val="000000"/>
             </a:solidFill>
@@ -9858,14 +9422,9 @@
             <a:spcPts val="0"/>
           </a:spcAft>
           <a:buClrTx/>
-          <a:buSzTx/>
           <a:buFontTx/>
           <a:buNone/>
-          <a:tabLst/>
-          <a:defRPr b="0" baseline="0" cap="none" i="0" spc="0" strike="noStrike" sz="1800" u="none" kumimoji="0" normalizeH="0">
-            <a:ln>
-              <a:noFill/>
-            </a:ln>
+          <a:defRPr kumimoji="0" sz="1800" b="0" i="0" u="none" strike="noStrike" cap="none" spc="0" normalizeH="0" baseline="0">
             <a:solidFill>
               <a:srgbClr val="000000"/>
             </a:solidFill>
@@ -9884,14 +9443,9 @@
             <a:spcPts val="0"/>
           </a:spcAft>
           <a:buClrTx/>
-          <a:buSzTx/>
           <a:buFontTx/>
           <a:buNone/>
-          <a:tabLst/>
-          <a:defRPr b="0" baseline="0" cap="none" i="0" spc="0" strike="noStrike" sz="1800" u="none" kumimoji="0" normalizeH="0">
-            <a:ln>
-              <a:noFill/>
-            </a:ln>
+          <a:defRPr kumimoji="0" sz="1800" b="0" i="0" u="none" strike="noStrike" cap="none" spc="0" normalizeH="0" baseline="0">
             <a:solidFill>
               <a:srgbClr val="000000"/>
             </a:solidFill>
@@ -9910,14 +9464,9 @@
             <a:spcPts val="0"/>
           </a:spcAft>
           <a:buClrTx/>
-          <a:buSzTx/>
           <a:buFontTx/>
           <a:buNone/>
-          <a:tabLst/>
-          <a:defRPr b="0" baseline="0" cap="none" i="0" spc="0" strike="noStrike" sz="1800" u="none" kumimoji="0" normalizeH="0">
-            <a:ln>
-              <a:noFill/>
-            </a:ln>
+          <a:defRPr kumimoji="0" sz="1800" b="0" i="0" u="none" strike="noStrike" cap="none" spc="0" normalizeH="0" baseline="0">
             <a:solidFill>
               <a:srgbClr val="000000"/>
             </a:solidFill>
@@ -9936,14 +9485,9 @@
             <a:spcPts val="0"/>
           </a:spcAft>
           <a:buClrTx/>
-          <a:buSzTx/>
           <a:buFontTx/>
           <a:buNone/>
-          <a:tabLst/>
-          <a:defRPr b="0" baseline="0" cap="none" i="0" spc="0" strike="noStrike" sz="1800" u="none" kumimoji="0" normalizeH="0">
-            <a:ln>
-              <a:noFill/>
-            </a:ln>
+          <a:defRPr kumimoji="0" sz="1800" b="0" i="0" u="none" strike="noStrike" cap="none" spc="0" normalizeH="0" baseline="0">
             <a:solidFill>
               <a:srgbClr val="000000"/>
             </a:solidFill>
@@ -9962,14 +9506,9 @@
             <a:spcPts val="0"/>
           </a:spcAft>
           <a:buClrTx/>
-          <a:buSzTx/>
           <a:buFontTx/>
           <a:buNone/>
-          <a:tabLst/>
-          <a:defRPr b="0" baseline="0" cap="none" i="0" spc="0" strike="noStrike" sz="1800" u="none" kumimoji="0" normalizeH="0">
-            <a:ln>
-              <a:noFill/>
-            </a:ln>
+          <a:defRPr kumimoji="0" sz="1800" b="0" i="0" u="none" strike="noStrike" cap="none" spc="0" normalizeH="0" baseline="0">
             <a:solidFill>
               <a:srgbClr val="000000"/>
             </a:solidFill>
@@ -9988,14 +9527,9 @@
             <a:spcPts val="0"/>
           </a:spcAft>
           <a:buClrTx/>
-          <a:buSzTx/>
           <a:buFontTx/>
           <a:buNone/>
-          <a:tabLst/>
-          <a:defRPr b="0" baseline="0" cap="none" i="0" spc="0" strike="noStrike" sz="1800" u="none" kumimoji="0" normalizeH="0">
-            <a:ln>
-              <a:noFill/>
-            </a:ln>
+          <a:defRPr kumimoji="0" sz="1800" b="0" i="0" u="none" strike="noStrike" cap="none" spc="0" normalizeH="0" baseline="0">
             <a:solidFill>
               <a:srgbClr val="000000"/>
             </a:solidFill>
@@ -10004,56 +9538,50 @@
           </a:defRPr>
         </a:lvl9pPr>
       </a:lstStyle>
-      <a:style>
-        <a:lnRef idx="0"/>
-        <a:fillRef idx="0"/>
-        <a:effectRef idx="0"/>
-        <a:fontRef idx="none"/>
-      </a:style>
     </a:txDef>
   </a:objectDefaults>
 </a:theme>
 </file>
 
 <file path=ppt/theme/theme2.xml><?xml version="1.0" encoding="utf-8"?>
-<a:theme xmlns:a="http://schemas.openxmlformats.org/drawingml/2006/main" xmlns:r="http://schemas.openxmlformats.org/officeDocument/2006/relationships" name="ModernPortfolio">
+<a:theme xmlns:r="http://schemas.openxmlformats.org/officeDocument/2006/relationships" xmlns:c="http://schemas.openxmlformats.org/drawingml/2006/chart" xmlns:dgm="http://schemas.openxmlformats.org/drawingml/2006/diagram" xmlns:dsp="http://schemas.microsoft.com/office/drawing/2008/diagram" xmlns:a="http://schemas.openxmlformats.org/drawingml/2006/main" xmlns:pic="http://schemas.openxmlformats.org/drawingml/2006/picture" xmlns:wp="http://schemas.openxmlformats.org/drawingml/2006/wordprocessingDrawing" xmlns:xdr="http://schemas.openxmlformats.org/drawingml/2006/spreadsheetDrawing" xmlns:lc="http://schemas.openxmlformats.org/drawingml/2006/lockedCanvas" xmlns:p="http://schemas.openxmlformats.org/presentationml/2006/main" name="ModernPortfolio">
   <a:themeElements>
     <a:clrScheme name="ModernPortfolio">
       <a:dk1>
         <a:srgbClr val="000000"/>
       </a:dk1>
       <a:lt1>
-        <a:srgbClr val="FFFFFF"/>
+        <a:srgbClr val="ffffff"/>
       </a:lt1>
       <a:dk2>
-        <a:srgbClr val="A7A7A7"/>
+        <a:srgbClr val="a7a7a7"/>
       </a:dk2>
       <a:lt2>
         <a:srgbClr val="535353"/>
       </a:lt2>
       <a:accent1>
-        <a:srgbClr val="557E8A"/>
+        <a:srgbClr val="557e8a"/>
       </a:accent1>
       <a:accent2>
-        <a:srgbClr val="88885A"/>
+        <a:srgbClr val="88885a"/>
       </a:accent2>
       <a:accent3>
-        <a:srgbClr val="B29E85"/>
+        <a:srgbClr val="b29e85"/>
       </a:accent3>
       <a:accent4>
-        <a:srgbClr val="BB7B52"/>
+        <a:srgbClr val="bb7b52"/>
       </a:accent4>
       <a:accent5>
-        <a:srgbClr val="CF7F66"/>
+        <a:srgbClr val="cf7f66"/>
       </a:accent5>
       <a:accent6>
-        <a:srgbClr val="62647B"/>
+        <a:srgbClr val="62647b"/>
       </a:accent6>
       <a:hlink>
-        <a:srgbClr val="0000FF"/>
+        <a:srgbClr val="0000ff"/>
       </a:hlink>
       <a:folHlink>
-        <a:srgbClr val="FF00FF"/>
+        <a:srgbClr val="ff00ff"/>
       </a:folHlink>
     </a:clrScheme>
     <a:fontScheme name="ModernPortfolio">
@@ -10102,7 +9630,7 @@
               <a:schemeClr val="phClr">
                 <a:tint val="100000"/>
                 <a:shade val="100000"/>
-                <a:satMod val="129999"/>
+                <a:satMod val="130000"/>
               </a:schemeClr>
             </a:gs>
             <a:gs pos="100000">
@@ -10121,7 +9649,7 @@
           <a:solidFill>
             <a:schemeClr val="phClr">
               <a:shade val="95000"/>
-              <a:satMod val="104999"/>
+              <a:satMod val="105000"/>
             </a:schemeClr>
           </a:solidFill>
           <a:prstDash val="solid"/>
@@ -10206,7 +9734,7 @@
     <a:spDef>
       <a:spPr>
         <a:solidFill>
-          <a:srgbClr val="FFFFFF"/>
+          <a:srgbClr val="ffffff"/>
         </a:solidFill>
         <a:ln w="25400" cap="flat">
           <a:solidFill>
@@ -10233,14 +9761,9 @@
             <a:spcPts val="0"/>
           </a:spcAft>
           <a:buClrTx/>
-          <a:buSzTx/>
           <a:buFontTx/>
           <a:buNone/>
-          <a:tabLst/>
-          <a:defRPr b="0" baseline="0" cap="none" i="0" spc="0" strike="noStrike" sz="5000" u="none" kumimoji="0" normalizeH="0">
-            <a:ln>
-              <a:noFill/>
-            </a:ln>
+          <a:defRPr kumimoji="0" sz="5000" b="0" i="0" u="none" strike="noStrike" cap="none" spc="0" normalizeH="0" baseline="0">
             <a:solidFill>
               <a:srgbClr val="747474"/>
             </a:solidFill>
@@ -10263,14 +9786,9 @@
             <a:spcPts val="0"/>
           </a:spcAft>
           <a:buClrTx/>
-          <a:buSzTx/>
           <a:buFontTx/>
           <a:buNone/>
-          <a:tabLst/>
-          <a:defRPr b="0" baseline="0" cap="none" i="0" spc="0" strike="noStrike" sz="1800" u="none" kumimoji="0" normalizeH="0">
-            <a:ln>
-              <a:noFill/>
-            </a:ln>
+          <a:defRPr kumimoji="0" sz="1800" b="0" i="0" u="none" strike="noStrike" cap="none" spc="0" normalizeH="0" baseline="0">
             <a:solidFill>
               <a:srgbClr val="000000"/>
             </a:solidFill>
@@ -10289,14 +9807,9 @@
             <a:spcPts val="0"/>
           </a:spcAft>
           <a:buClrTx/>
-          <a:buSzTx/>
           <a:buFontTx/>
           <a:buNone/>
-          <a:tabLst/>
-          <a:defRPr b="0" baseline="0" cap="none" i="0" spc="0" strike="noStrike" sz="1800" u="none" kumimoji="0" normalizeH="0">
-            <a:ln>
-              <a:noFill/>
-            </a:ln>
+          <a:defRPr kumimoji="0" sz="1800" b="0" i="0" u="none" strike="noStrike" cap="none" spc="0" normalizeH="0" baseline="0">
             <a:solidFill>
               <a:srgbClr val="000000"/>
             </a:solidFill>
@@ -10315,14 +9828,9 @@
             <a:spcPts val="0"/>
           </a:spcAft>
           <a:buClrTx/>
-          <a:buSzTx/>
           <a:buFontTx/>
           <a:buNone/>
-          <a:tabLst/>
-          <a:defRPr b="0" baseline="0" cap="none" i="0" spc="0" strike="noStrike" sz="1800" u="none" kumimoji="0" normalizeH="0">
-            <a:ln>
-              <a:noFill/>
-            </a:ln>
+          <a:defRPr kumimoji="0" sz="1800" b="0" i="0" u="none" strike="noStrike" cap="none" spc="0" normalizeH="0" baseline="0">
             <a:solidFill>
               <a:srgbClr val="000000"/>
             </a:solidFill>
@@ -10341,14 +9849,9 @@
             <a:spcPts val="0"/>
           </a:spcAft>
           <a:buClrTx/>
-          <a:buSzTx/>
           <a:buFontTx/>
           <a:buNone/>
-          <a:tabLst/>
-          <a:defRPr b="0" baseline="0" cap="none" i="0" spc="0" strike="noStrike" sz="1800" u="none" kumimoji="0" normalizeH="0">
-            <a:ln>
-              <a:noFill/>
-            </a:ln>
+          <a:defRPr kumimoji="0" sz="1800" b="0" i="0" u="none" strike="noStrike" cap="none" spc="0" normalizeH="0" baseline="0">
             <a:solidFill>
               <a:srgbClr val="000000"/>
             </a:solidFill>
@@ -10367,14 +9870,9 @@
             <a:spcPts val="0"/>
           </a:spcAft>
           <a:buClrTx/>
-          <a:buSzTx/>
           <a:buFontTx/>
           <a:buNone/>
-          <a:tabLst/>
-          <a:defRPr b="0" baseline="0" cap="none" i="0" spc="0" strike="noStrike" sz="1800" u="none" kumimoji="0" normalizeH="0">
-            <a:ln>
-              <a:noFill/>
-            </a:ln>
+          <a:defRPr kumimoji="0" sz="1800" b="0" i="0" u="none" strike="noStrike" cap="none" spc="0" normalizeH="0" baseline="0">
             <a:solidFill>
               <a:srgbClr val="000000"/>
             </a:solidFill>
@@ -10393,14 +9891,9 @@
             <a:spcPts val="0"/>
           </a:spcAft>
           <a:buClrTx/>
-          <a:buSzTx/>
           <a:buFontTx/>
           <a:buNone/>
-          <a:tabLst/>
-          <a:defRPr b="0" baseline="0" cap="none" i="0" spc="0" strike="noStrike" sz="1800" u="none" kumimoji="0" normalizeH="0">
-            <a:ln>
-              <a:noFill/>
-            </a:ln>
+          <a:defRPr kumimoji="0" sz="1800" b="0" i="0" u="none" strike="noStrike" cap="none" spc="0" normalizeH="0" baseline="0">
             <a:solidFill>
               <a:srgbClr val="000000"/>
             </a:solidFill>
@@ -10419,14 +9912,9 @@
             <a:spcPts val="0"/>
           </a:spcAft>
           <a:buClrTx/>
-          <a:buSzTx/>
           <a:buFontTx/>
           <a:buNone/>
-          <a:tabLst/>
-          <a:defRPr b="0" baseline="0" cap="none" i="0" spc="0" strike="noStrike" sz="1800" u="none" kumimoji="0" normalizeH="0">
-            <a:ln>
-              <a:noFill/>
-            </a:ln>
+          <a:defRPr kumimoji="0" sz="1800" b="0" i="0" u="none" strike="noStrike" cap="none" spc="0" normalizeH="0" baseline="0">
             <a:solidFill>
               <a:srgbClr val="000000"/>
             </a:solidFill>
@@ -10445,14 +9933,9 @@
             <a:spcPts val="0"/>
           </a:spcAft>
           <a:buClrTx/>
-          <a:buSzTx/>
           <a:buFontTx/>
           <a:buNone/>
-          <a:tabLst/>
-          <a:defRPr b="0" baseline="0" cap="none" i="0" spc="0" strike="noStrike" sz="1800" u="none" kumimoji="0" normalizeH="0">
-            <a:ln>
-              <a:noFill/>
-            </a:ln>
+          <a:defRPr kumimoji="0" sz="1800" b="0" i="0" u="none" strike="noStrike" cap="none" spc="0" normalizeH="0" baseline="0">
             <a:solidFill>
               <a:srgbClr val="000000"/>
             </a:solidFill>
@@ -10471,14 +9954,9 @@
             <a:spcPts val="0"/>
           </a:spcAft>
           <a:buClrTx/>
-          <a:buSzTx/>
           <a:buFontTx/>
           <a:buNone/>
-          <a:tabLst/>
-          <a:defRPr b="0" baseline="0" cap="none" i="0" spc="0" strike="noStrike" sz="1800" u="none" kumimoji="0" normalizeH="0">
-            <a:ln>
-              <a:noFill/>
-            </a:ln>
+          <a:defRPr kumimoji="0" sz="1800" b="0" i="0" u="none" strike="noStrike" cap="none" spc="0" normalizeH="0" baseline="0">
             <a:solidFill>
               <a:srgbClr val="000000"/>
             </a:solidFill>
@@ -10487,12 +9965,6 @@
           </a:defRPr>
         </a:lvl9pPr>
       </a:lstStyle>
-      <a:style>
-        <a:lnRef idx="0"/>
-        <a:fillRef idx="0"/>
-        <a:effectRef idx="0"/>
-        <a:fontRef idx="none"/>
-      </a:style>
     </a:spDef>
     <a:lnDef>
       <a:spPr>
@@ -10522,14 +9994,9 @@
             <a:spcPts val="0"/>
           </a:spcAft>
           <a:buClrTx/>
-          <a:buSzTx/>
           <a:buFontTx/>
           <a:buNone/>
-          <a:tabLst/>
-          <a:defRPr b="0" baseline="0" cap="none" i="0" spc="0" strike="noStrike" sz="1800" u="none" kumimoji="0" normalizeH="0">
-            <a:ln>
-              <a:noFill/>
-            </a:ln>
+          <a:defRPr kumimoji="0" sz="1800" b="0" i="0" u="none" strike="noStrike" cap="none" spc="0" normalizeH="0" baseline="0">
             <a:solidFill>
               <a:srgbClr val="000000"/>
             </a:solidFill>
@@ -10548,14 +10015,9 @@
             <a:spcPts val="0"/>
           </a:spcAft>
           <a:buClrTx/>
-          <a:buSzTx/>
           <a:buFontTx/>
           <a:buNone/>
-          <a:tabLst/>
-          <a:defRPr b="0" baseline="0" cap="none" i="0" spc="0" strike="noStrike" sz="1800" u="none" kumimoji="0" normalizeH="0">
-            <a:ln>
-              <a:noFill/>
-            </a:ln>
+          <a:defRPr kumimoji="0" sz="1800" b="0" i="0" u="none" strike="noStrike" cap="none" spc="0" normalizeH="0" baseline="0">
             <a:solidFill>
               <a:srgbClr val="000000"/>
             </a:solidFill>
@@ -10574,14 +10036,9 @@
             <a:spcPts val="0"/>
           </a:spcAft>
           <a:buClrTx/>
-          <a:buSzTx/>
           <a:buFontTx/>
           <a:buNone/>
-          <a:tabLst/>
-          <a:defRPr b="0" baseline="0" cap="none" i="0" spc="0" strike="noStrike" sz="1800" u="none" kumimoji="0" normalizeH="0">
-            <a:ln>
-              <a:noFill/>
-            </a:ln>
+          <a:defRPr kumimoji="0" sz="1800" b="0" i="0" u="none" strike="noStrike" cap="none" spc="0" normalizeH="0" baseline="0">
             <a:solidFill>
               <a:srgbClr val="000000"/>
             </a:solidFill>
@@ -10600,14 +10057,9 @@
             <a:spcPts val="0"/>
           </a:spcAft>
           <a:buClrTx/>
-          <a:buSzTx/>
           <a:buFontTx/>
           <a:buNone/>
-          <a:tabLst/>
-          <a:defRPr b="0" baseline="0" cap="none" i="0" spc="0" strike="noStrike" sz="1800" u="none" kumimoji="0" normalizeH="0">
-            <a:ln>
-              <a:noFill/>
-            </a:ln>
+          <a:defRPr kumimoji="0" sz="1800" b="0" i="0" u="none" strike="noStrike" cap="none" spc="0" normalizeH="0" baseline="0">
             <a:solidFill>
               <a:srgbClr val="000000"/>
             </a:solidFill>
@@ -10626,14 +10078,9 @@
             <a:spcPts val="0"/>
           </a:spcAft>
           <a:buClrTx/>
-          <a:buSzTx/>
           <a:buFontTx/>
           <a:buNone/>
-          <a:tabLst/>
-          <a:defRPr b="0" baseline="0" cap="none" i="0" spc="0" strike="noStrike" sz="1800" u="none" kumimoji="0" normalizeH="0">
-            <a:ln>
-              <a:noFill/>
-            </a:ln>
+          <a:defRPr kumimoji="0" sz="1800" b="0" i="0" u="none" strike="noStrike" cap="none" spc="0" normalizeH="0" baseline="0">
             <a:solidFill>
               <a:srgbClr val="000000"/>
             </a:solidFill>
@@ -10652,14 +10099,9 @@
             <a:spcPts val="0"/>
           </a:spcAft>
           <a:buClrTx/>
-          <a:buSzTx/>
           <a:buFontTx/>
           <a:buNone/>
-          <a:tabLst/>
-          <a:defRPr b="0" baseline="0" cap="none" i="0" spc="0" strike="noStrike" sz="1800" u="none" kumimoji="0" normalizeH="0">
-            <a:ln>
-              <a:noFill/>
-            </a:ln>
+          <a:defRPr kumimoji="0" sz="1800" b="0" i="0" u="none" strike="noStrike" cap="none" spc="0" normalizeH="0" baseline="0">
             <a:solidFill>
               <a:srgbClr val="000000"/>
             </a:solidFill>
@@ -10678,14 +10120,9 @@
             <a:spcPts val="0"/>
           </a:spcAft>
           <a:buClrTx/>
-          <a:buSzTx/>
           <a:buFontTx/>
           <a:buNone/>
-          <a:tabLst/>
-          <a:defRPr b="0" baseline="0" cap="none" i="0" spc="0" strike="noStrike" sz="1800" u="none" kumimoji="0" normalizeH="0">
-            <a:ln>
-              <a:noFill/>
-            </a:ln>
+          <a:defRPr kumimoji="0" sz="1800" b="0" i="0" u="none" strike="noStrike" cap="none" spc="0" normalizeH="0" baseline="0">
             <a:solidFill>
               <a:srgbClr val="000000"/>
             </a:solidFill>
@@ -10704,14 +10141,9 @@
             <a:spcPts val="0"/>
           </a:spcAft>
           <a:buClrTx/>
-          <a:buSzTx/>
           <a:buFontTx/>
           <a:buNone/>
-          <a:tabLst/>
-          <a:defRPr b="0" baseline="0" cap="none" i="0" spc="0" strike="noStrike" sz="1800" u="none" kumimoji="0" normalizeH="0">
-            <a:ln>
-              <a:noFill/>
-            </a:ln>
+          <a:defRPr kumimoji="0" sz="1800" b="0" i="0" u="none" strike="noStrike" cap="none" spc="0" normalizeH="0" baseline="0">
             <a:solidFill>
               <a:srgbClr val="000000"/>
             </a:solidFill>
@@ -10730,14 +10162,9 @@
             <a:spcPts val="0"/>
           </a:spcAft>
           <a:buClrTx/>
-          <a:buSzTx/>
           <a:buFontTx/>
           <a:buNone/>
-          <a:tabLst/>
-          <a:defRPr b="0" baseline="0" cap="none" i="0" spc="0" strike="noStrike" sz="1800" u="none" kumimoji="0" normalizeH="0">
-            <a:ln>
-              <a:noFill/>
-            </a:ln>
+          <a:defRPr kumimoji="0" sz="1800" b="0" i="0" u="none" strike="noStrike" cap="none" spc="0" normalizeH="0" baseline="0">
             <a:solidFill>
               <a:srgbClr val="000000"/>
             </a:solidFill>
@@ -10756,14 +10183,9 @@
             <a:spcPts val="0"/>
           </a:spcAft>
           <a:buClrTx/>
-          <a:buSzTx/>
           <a:buFontTx/>
           <a:buNone/>
-          <a:tabLst/>
-          <a:defRPr b="0" baseline="0" cap="none" i="0" spc="0" strike="noStrike" sz="1800" u="none" kumimoji="0" normalizeH="0">
-            <a:ln>
-              <a:noFill/>
-            </a:ln>
+          <a:defRPr kumimoji="0" sz="1800" b="0" i="0" u="none" strike="noStrike" cap="none" spc="0" normalizeH="0" baseline="0">
             <a:solidFill>
               <a:srgbClr val="000000"/>
             </a:solidFill>
@@ -10772,19 +10194,13 @@
           </a:defRPr>
         </a:lvl9pPr>
       </a:lstStyle>
-      <a:style>
-        <a:lnRef idx="0"/>
-        <a:fillRef idx="0"/>
-        <a:effectRef idx="0"/>
-        <a:fontRef idx="none"/>
-      </a:style>
     </a:lnDef>
     <a:txDef>
       <a:spPr>
         <a:noFill/>
         <a:ln w="12700" cap="flat">
           <a:noFill/>
-          <a:miter lim="400000"/>
+          <a:miter/>
         </a:ln>
         <a:effectLst/>
         <a:sp3d/>
@@ -10804,14 +10220,9 @@
             <a:spcPts val="0"/>
           </a:spcAft>
           <a:buClrTx/>
-          <a:buSzTx/>
           <a:buFontTx/>
           <a:buNone/>
-          <a:tabLst/>
-          <a:defRPr b="0" baseline="0" cap="none" i="0" spc="0" strike="noStrike" sz="5000" u="none" kumimoji="0" normalizeH="0">
-            <a:ln>
-              <a:noFill/>
-            </a:ln>
+          <a:defRPr kumimoji="0" sz="5000" b="0" i="0" u="none" strike="noStrike" cap="none" spc="0" normalizeH="0" baseline="0">
             <a:solidFill>
               <a:srgbClr val="747474"/>
             </a:solidFill>
@@ -10834,14 +10245,9 @@
             <a:spcPts val="0"/>
           </a:spcAft>
           <a:buClrTx/>
-          <a:buSzTx/>
           <a:buFontTx/>
           <a:buNone/>
-          <a:tabLst/>
-          <a:defRPr b="0" baseline="0" cap="none" i="0" spc="0" strike="noStrike" sz="1800" u="none" kumimoji="0" normalizeH="0">
-            <a:ln>
-              <a:noFill/>
-            </a:ln>
+          <a:defRPr kumimoji="0" sz="1800" b="0" i="0" u="none" strike="noStrike" cap="none" spc="0" normalizeH="0" baseline="0">
             <a:solidFill>
               <a:srgbClr val="000000"/>
             </a:solidFill>
@@ -10860,14 +10266,9 @@
             <a:spcPts val="0"/>
           </a:spcAft>
           <a:buClrTx/>
-          <a:buSzTx/>
           <a:buFontTx/>
           <a:buNone/>
-          <a:tabLst/>
-          <a:defRPr b="0" baseline="0" cap="none" i="0" spc="0" strike="noStrike" sz="1800" u="none" kumimoji="0" normalizeH="0">
-            <a:ln>
-              <a:noFill/>
-            </a:ln>
+          <a:defRPr kumimoji="0" sz="1800" b="0" i="0" u="none" strike="noStrike" cap="none" spc="0" normalizeH="0" baseline="0">
             <a:solidFill>
               <a:srgbClr val="000000"/>
             </a:solidFill>
@@ -10886,14 +10287,9 @@
             <a:spcPts val="0"/>
           </a:spcAft>
           <a:buClrTx/>
-          <a:buSzTx/>
           <a:buFontTx/>
           <a:buNone/>
-          <a:tabLst/>
-          <a:defRPr b="0" baseline="0" cap="none" i="0" spc="0" strike="noStrike" sz="1800" u="none" kumimoji="0" normalizeH="0">
-            <a:ln>
-              <a:noFill/>
-            </a:ln>
+          <a:defRPr kumimoji="0" sz="1800" b="0" i="0" u="none" strike="noStrike" cap="none" spc="0" normalizeH="0" baseline="0">
             <a:solidFill>
               <a:srgbClr val="000000"/>
             </a:solidFill>
@@ -10912,14 +10308,9 @@
             <a:spcPts val="0"/>
           </a:spcAft>
           <a:buClrTx/>
-          <a:buSzTx/>
           <a:buFontTx/>
           <a:buNone/>
-          <a:tabLst/>
-          <a:defRPr b="0" baseline="0" cap="none" i="0" spc="0" strike="noStrike" sz="1800" u="none" kumimoji="0" normalizeH="0">
-            <a:ln>
-              <a:noFill/>
-            </a:ln>
+          <a:defRPr kumimoji="0" sz="1800" b="0" i="0" u="none" strike="noStrike" cap="none" spc="0" normalizeH="0" baseline="0">
             <a:solidFill>
               <a:srgbClr val="000000"/>
             </a:solidFill>
@@ -10938,14 +10329,9 @@
             <a:spcPts val="0"/>
           </a:spcAft>
           <a:buClrTx/>
-          <a:buSzTx/>
           <a:buFontTx/>
           <a:buNone/>
-          <a:tabLst/>
-          <a:defRPr b="0" baseline="0" cap="none" i="0" spc="0" strike="noStrike" sz="1800" u="none" kumimoji="0" normalizeH="0">
-            <a:ln>
-              <a:noFill/>
-            </a:ln>
+          <a:defRPr kumimoji="0" sz="1800" b="0" i="0" u="none" strike="noStrike" cap="none" spc="0" normalizeH="0" baseline="0">
             <a:solidFill>
               <a:srgbClr val="000000"/>
             </a:solidFill>
@@ -10964,14 +10350,9 @@
             <a:spcPts val="0"/>
           </a:spcAft>
           <a:buClrTx/>
-          <a:buSzTx/>
           <a:buFontTx/>
           <a:buNone/>
-          <a:tabLst/>
-          <a:defRPr b="0" baseline="0" cap="none" i="0" spc="0" strike="noStrike" sz="1800" u="none" kumimoji="0" normalizeH="0">
-            <a:ln>
-              <a:noFill/>
-            </a:ln>
+          <a:defRPr kumimoji="0" sz="1800" b="0" i="0" u="none" strike="noStrike" cap="none" spc="0" normalizeH="0" baseline="0">
             <a:solidFill>
               <a:srgbClr val="000000"/>
             </a:solidFill>
@@ -10990,14 +10371,9 @@
             <a:spcPts val="0"/>
           </a:spcAft>
           <a:buClrTx/>
-          <a:buSzTx/>
           <a:buFontTx/>
           <a:buNone/>
-          <a:tabLst/>
-          <a:defRPr b="0" baseline="0" cap="none" i="0" spc="0" strike="noStrike" sz="1800" u="none" kumimoji="0" normalizeH="0">
-            <a:ln>
-              <a:noFill/>
-            </a:ln>
+          <a:defRPr kumimoji="0" sz="1800" b="0" i="0" u="none" strike="noStrike" cap="none" spc="0" normalizeH="0" baseline="0">
             <a:solidFill>
               <a:srgbClr val="000000"/>
             </a:solidFill>
@@ -11016,14 +10392,9 @@
             <a:spcPts val="0"/>
           </a:spcAft>
           <a:buClrTx/>
-          <a:buSzTx/>
           <a:buFontTx/>
           <a:buNone/>
-          <a:tabLst/>
-          <a:defRPr b="0" baseline="0" cap="none" i="0" spc="0" strike="noStrike" sz="1800" u="none" kumimoji="0" normalizeH="0">
-            <a:ln>
-              <a:noFill/>
-            </a:ln>
+          <a:defRPr kumimoji="0" sz="1800" b="0" i="0" u="none" strike="noStrike" cap="none" spc="0" normalizeH="0" baseline="0">
             <a:solidFill>
               <a:srgbClr val="000000"/>
             </a:solidFill>
@@ -11042,14 +10413,9 @@
             <a:spcPts val="0"/>
           </a:spcAft>
           <a:buClrTx/>
-          <a:buSzTx/>
           <a:buFontTx/>
           <a:buNone/>
-          <a:tabLst/>
-          <a:defRPr b="0" baseline="0" cap="none" i="0" spc="0" strike="noStrike" sz="1800" u="none" kumimoji="0" normalizeH="0">
-            <a:ln>
-              <a:noFill/>
-            </a:ln>
+          <a:defRPr kumimoji="0" sz="1800" b="0" i="0" u="none" strike="noStrike" cap="none" spc="0" normalizeH="0" baseline="0">
             <a:solidFill>
               <a:srgbClr val="000000"/>
             </a:solidFill>
@@ -11058,12 +10424,6 @@
           </a:defRPr>
         </a:lvl9pPr>
       </a:lstStyle>
-      <a:style>
-        <a:lnRef idx="0"/>
-        <a:fillRef idx="0"/>
-        <a:effectRef idx="0"/>
-        <a:fontRef idx="none"/>
-      </a:style>
     </a:txDef>
   </a:objectDefaults>
 </a:theme>
